--- a/presentation.pptx
+++ b/presentation.pptx
@@ -6,6 +6,8 @@
   </p:sldMasterIdLst>
   <p:sldIdLst>
     <p:sldId id="256" r:id="rId2"/>
+    <p:sldId id="258" r:id="rId3"/>
+    <p:sldId id="257" r:id="rId4"/>
   </p:sldIdLst>
   <p:sldSz cx="12192000" cy="6858000"/>
   <p:notesSz cx="6858000" cy="9144000"/>
@@ -3321,10 +3323,2172 @@
           <a:chExt cx="0" cy="0"/>
         </a:xfrm>
       </p:grpSpPr>
+      <p:pic>
+        <p:nvPicPr>
+          <p:cNvPr id="4" name="Picture 3">
+            <a:extLst>
+              <a:ext uri="{FF2B5EF4-FFF2-40B4-BE49-F238E27FC236}">
+                <a16:creationId xmlns:a16="http://schemas.microsoft.com/office/drawing/2014/main" id="{A3C162F9-71DF-6138-3197-690597AEC8D4}"/>
+              </a:ext>
+            </a:extLst>
+          </p:cNvPr>
+          <p:cNvPicPr>
+            <a:picLocks noChangeAspect="1"/>
+          </p:cNvPicPr>
+          <p:nvPr/>
+        </p:nvPicPr>
+        <p:blipFill>
+          <a:blip r:embed="rId2"/>
+          <a:stretch>
+            <a:fillRect/>
+          </a:stretch>
+        </p:blipFill>
+        <p:spPr>
+          <a:xfrm>
+            <a:off x="3619981" y="4174550"/>
+            <a:ext cx="3637248" cy="1762145"/>
+          </a:xfrm>
+          <a:prstGeom prst="rect">
+            <a:avLst/>
+          </a:prstGeom>
+        </p:spPr>
+      </p:pic>
+      <p:pic>
+        <p:nvPicPr>
+          <p:cNvPr id="6" name="Picture 5">
+            <a:extLst>
+              <a:ext uri="{FF2B5EF4-FFF2-40B4-BE49-F238E27FC236}">
+                <a16:creationId xmlns:a16="http://schemas.microsoft.com/office/drawing/2014/main" id="{EF4D6E1C-743B-587E-92CE-95409AFB56C2}"/>
+              </a:ext>
+            </a:extLst>
+          </p:cNvPr>
+          <p:cNvPicPr>
+            <a:picLocks noChangeAspect="1"/>
+          </p:cNvPicPr>
+          <p:nvPr/>
+        </p:nvPicPr>
+        <p:blipFill>
+          <a:blip r:embed="rId3"/>
+          <a:stretch>
+            <a:fillRect/>
+          </a:stretch>
+        </p:blipFill>
+        <p:spPr>
+          <a:xfrm>
+            <a:off x="7055796" y="0"/>
+            <a:ext cx="1369564" cy="1198369"/>
+          </a:xfrm>
+          <a:prstGeom prst="rect">
+            <a:avLst/>
+          </a:prstGeom>
+        </p:spPr>
+      </p:pic>
+      <p:pic>
+        <p:nvPicPr>
+          <p:cNvPr id="7" name="Picture 6">
+            <a:extLst>
+              <a:ext uri="{FF2B5EF4-FFF2-40B4-BE49-F238E27FC236}">
+                <a16:creationId xmlns:a16="http://schemas.microsoft.com/office/drawing/2014/main" id="{144B3434-80DB-117F-3B14-35C279C24ADF}"/>
+              </a:ext>
+            </a:extLst>
+          </p:cNvPr>
+          <p:cNvPicPr>
+            <a:picLocks noChangeAspect="1"/>
+          </p:cNvPicPr>
+          <p:nvPr/>
+        </p:nvPicPr>
+        <p:blipFill>
+          <a:blip r:embed="rId3"/>
+          <a:stretch>
+            <a:fillRect/>
+          </a:stretch>
+        </p:blipFill>
+        <p:spPr>
+          <a:xfrm flipH="1">
+            <a:off x="2057046" y="37048"/>
+            <a:ext cx="1457702" cy="1216559"/>
+          </a:xfrm>
+          <a:prstGeom prst="rect">
+            <a:avLst/>
+          </a:prstGeom>
+        </p:spPr>
+      </p:pic>
+      <p:pic>
+        <p:nvPicPr>
+          <p:cNvPr id="9" name="Picture 8">
+            <a:extLst>
+              <a:ext uri="{FF2B5EF4-FFF2-40B4-BE49-F238E27FC236}">
+                <a16:creationId xmlns:a16="http://schemas.microsoft.com/office/drawing/2014/main" id="{83084194-06F5-A096-6D2E-F09A445BE329}"/>
+              </a:ext>
+            </a:extLst>
+          </p:cNvPr>
+          <p:cNvPicPr>
+            <a:picLocks noChangeAspect="1"/>
+          </p:cNvPicPr>
+          <p:nvPr/>
+        </p:nvPicPr>
+        <p:blipFill>
+          <a:blip r:embed="rId4"/>
+          <a:stretch>
+            <a:fillRect/>
+          </a:stretch>
+        </p:blipFill>
+        <p:spPr>
+          <a:xfrm>
+            <a:off x="522848" y="2181661"/>
+            <a:ext cx="1457702" cy="1457702"/>
+          </a:xfrm>
+          <a:prstGeom prst="rect">
+            <a:avLst/>
+          </a:prstGeom>
+        </p:spPr>
+      </p:pic>
+      <p:pic>
+        <p:nvPicPr>
+          <p:cNvPr id="10" name="Picture 9">
+            <a:extLst>
+              <a:ext uri="{FF2B5EF4-FFF2-40B4-BE49-F238E27FC236}">
+                <a16:creationId xmlns:a16="http://schemas.microsoft.com/office/drawing/2014/main" id="{CBD17077-03BB-0483-4A8C-A0A20286F8C8}"/>
+              </a:ext>
+            </a:extLst>
+          </p:cNvPr>
+          <p:cNvPicPr>
+            <a:picLocks noChangeAspect="1"/>
+          </p:cNvPicPr>
+          <p:nvPr/>
+        </p:nvPicPr>
+        <p:blipFill>
+          <a:blip r:embed="rId5"/>
+          <a:stretch>
+            <a:fillRect/>
+          </a:stretch>
+        </p:blipFill>
+        <p:spPr>
+          <a:xfrm rot="16200000">
+            <a:off x="4065086" y="915036"/>
+            <a:ext cx="2566714" cy="2041911"/>
+          </a:xfrm>
+          <a:prstGeom prst="rect">
+            <a:avLst/>
+          </a:prstGeom>
+        </p:spPr>
+      </p:pic>
+      <p:pic>
+        <p:nvPicPr>
+          <p:cNvPr id="11" name="Picture 10">
+            <a:extLst>
+              <a:ext uri="{FF2B5EF4-FFF2-40B4-BE49-F238E27FC236}">
+                <a16:creationId xmlns:a16="http://schemas.microsoft.com/office/drawing/2014/main" id="{33D3E018-F2F7-A7CE-97DA-724AFB2B695E}"/>
+              </a:ext>
+            </a:extLst>
+          </p:cNvPr>
+          <p:cNvPicPr>
+            <a:picLocks noChangeAspect="1"/>
+          </p:cNvPicPr>
+          <p:nvPr/>
+        </p:nvPicPr>
+        <p:blipFill>
+          <a:blip r:embed="rId6"/>
+          <a:stretch>
+            <a:fillRect/>
+          </a:stretch>
+        </p:blipFill>
+        <p:spPr>
+          <a:xfrm>
+            <a:off x="193052" y="4257096"/>
+            <a:ext cx="2198643" cy="1286281"/>
+          </a:xfrm>
+          <a:prstGeom prst="rect">
+            <a:avLst/>
+          </a:prstGeom>
+        </p:spPr>
+      </p:pic>
+      <p:pic>
+        <p:nvPicPr>
+          <p:cNvPr id="12" name="Picture 11">
+            <a:extLst>
+              <a:ext uri="{FF2B5EF4-FFF2-40B4-BE49-F238E27FC236}">
+                <a16:creationId xmlns:a16="http://schemas.microsoft.com/office/drawing/2014/main" id="{EBC5B583-A16E-9F57-D6C0-5C38462CBA56}"/>
+              </a:ext>
+            </a:extLst>
+          </p:cNvPr>
+          <p:cNvPicPr>
+            <a:picLocks noChangeAspect="1"/>
+          </p:cNvPicPr>
+          <p:nvPr/>
+        </p:nvPicPr>
+        <p:blipFill>
+          <a:blip r:embed="rId7"/>
+          <a:stretch>
+            <a:fillRect/>
+          </a:stretch>
+        </p:blipFill>
+        <p:spPr>
+          <a:xfrm>
+            <a:off x="7257229" y="2045930"/>
+            <a:ext cx="1223134" cy="1099748"/>
+          </a:xfrm>
+          <a:prstGeom prst="rect">
+            <a:avLst/>
+          </a:prstGeom>
+        </p:spPr>
+      </p:pic>
+      <p:cxnSp>
+        <p:nvCxnSpPr>
+          <p:cNvPr id="18" name="Elbow Connector 17">
+            <a:extLst>
+              <a:ext uri="{FF2B5EF4-FFF2-40B4-BE49-F238E27FC236}">
+                <a16:creationId xmlns:a16="http://schemas.microsoft.com/office/drawing/2014/main" id="{D77EFBD9-720C-890F-FDE9-BD1D783E49B8}"/>
+              </a:ext>
+            </a:extLst>
+          </p:cNvPr>
+          <p:cNvCxnSpPr/>
+          <p:nvPr/>
+        </p:nvCxnSpPr>
+        <p:spPr>
+          <a:xfrm flipV="1">
+            <a:off x="5697051" y="442415"/>
+            <a:ext cx="1358745" cy="210219"/>
+          </a:xfrm>
+          <a:prstGeom prst="bentConnector3">
+            <a:avLst>
+              <a:gd name="adj1" fmla="val -1226"/>
+            </a:avLst>
+          </a:prstGeom>
+          <a:ln w="31750">
+            <a:solidFill>
+              <a:srgbClr val="FF0000"/>
+            </a:solidFill>
+            <a:tailEnd type="triangle"/>
+          </a:ln>
+        </p:spPr>
+        <p:style>
+          <a:lnRef idx="1">
+            <a:schemeClr val="accent1"/>
+          </a:lnRef>
+          <a:fillRef idx="0">
+            <a:schemeClr val="accent1"/>
+          </a:fillRef>
+          <a:effectRef idx="0">
+            <a:schemeClr val="accent1"/>
+          </a:effectRef>
+          <a:fontRef idx="minor">
+            <a:schemeClr val="tx1"/>
+          </a:fontRef>
+        </p:style>
+      </p:cxnSp>
+      <p:cxnSp>
+        <p:nvCxnSpPr>
+          <p:cNvPr id="21" name="Elbow Connector 20">
+            <a:extLst>
+              <a:ext uri="{FF2B5EF4-FFF2-40B4-BE49-F238E27FC236}">
+                <a16:creationId xmlns:a16="http://schemas.microsoft.com/office/drawing/2014/main" id="{F1106F2B-AFD0-566E-6950-E33835BBAC21}"/>
+              </a:ext>
+            </a:extLst>
+          </p:cNvPr>
+          <p:cNvCxnSpPr/>
+          <p:nvPr/>
+        </p:nvCxnSpPr>
+        <p:spPr>
+          <a:xfrm rot="10800000">
+            <a:off x="3711077" y="375606"/>
+            <a:ext cx="1189965" cy="327546"/>
+          </a:xfrm>
+          <a:prstGeom prst="bentConnector3">
+            <a:avLst>
+              <a:gd name="adj1" fmla="val 4124"/>
+            </a:avLst>
+          </a:prstGeom>
+          <a:ln w="31750">
+            <a:solidFill>
+              <a:srgbClr val="FF0000"/>
+            </a:solidFill>
+            <a:tailEnd type="triangle"/>
+          </a:ln>
+        </p:spPr>
+        <p:style>
+          <a:lnRef idx="1">
+            <a:schemeClr val="accent1"/>
+          </a:lnRef>
+          <a:fillRef idx="0">
+            <a:schemeClr val="accent1"/>
+          </a:fillRef>
+          <a:effectRef idx="0">
+            <a:schemeClr val="accent1"/>
+          </a:effectRef>
+          <a:fontRef idx="minor">
+            <a:schemeClr val="tx1"/>
+          </a:fontRef>
+        </p:style>
+      </p:cxnSp>
+      <p:grpSp>
+        <p:nvGrpSpPr>
+          <p:cNvPr id="41" name="Group 40">
+            <a:extLst>
+              <a:ext uri="{FF2B5EF4-FFF2-40B4-BE49-F238E27FC236}">
+                <a16:creationId xmlns:a16="http://schemas.microsoft.com/office/drawing/2014/main" id="{7649960C-60B5-1C34-0510-FE34C617FF7C}"/>
+              </a:ext>
+            </a:extLst>
+          </p:cNvPr>
+          <p:cNvGrpSpPr/>
+          <p:nvPr/>
+        </p:nvGrpSpPr>
+        <p:grpSpPr>
+          <a:xfrm>
+            <a:off x="6013519" y="1901472"/>
+            <a:ext cx="2337237" cy="1388664"/>
+            <a:chOff x="8936182" y="2462567"/>
+            <a:chExt cx="2337237" cy="1388664"/>
+          </a:xfrm>
+        </p:grpSpPr>
+        <p:cxnSp>
+          <p:nvCxnSpPr>
+            <p:cNvPr id="30" name="Straight Connector 29">
+              <a:extLst>
+                <a:ext uri="{FF2B5EF4-FFF2-40B4-BE49-F238E27FC236}">
+                  <a16:creationId xmlns:a16="http://schemas.microsoft.com/office/drawing/2014/main" id="{4DE54442-2001-8483-0E53-7CFA092D0A5E}"/>
+                </a:ext>
+              </a:extLst>
+            </p:cNvPr>
+            <p:cNvCxnSpPr>
+              <a:cxnSpLocks/>
+            </p:cNvCxnSpPr>
+            <p:nvPr/>
+          </p:nvCxnSpPr>
+          <p:spPr>
+            <a:xfrm>
+              <a:off x="11273419" y="2462567"/>
+              <a:ext cx="0" cy="217579"/>
+            </a:xfrm>
+            <a:prstGeom prst="line">
+              <a:avLst/>
+            </a:prstGeom>
+            <a:ln w="28575">
+              <a:solidFill>
+                <a:schemeClr val="tx1"/>
+              </a:solidFill>
+            </a:ln>
+          </p:spPr>
+          <p:style>
+            <a:lnRef idx="1">
+              <a:schemeClr val="accent1"/>
+            </a:lnRef>
+            <a:fillRef idx="0">
+              <a:schemeClr val="accent1"/>
+            </a:fillRef>
+            <a:effectRef idx="0">
+              <a:schemeClr val="accent1"/>
+            </a:effectRef>
+            <a:fontRef idx="minor">
+              <a:schemeClr val="tx1"/>
+            </a:fontRef>
+          </p:style>
+        </p:cxnSp>
+        <p:cxnSp>
+          <p:nvCxnSpPr>
+            <p:cNvPr id="33" name="Straight Connector 32">
+              <a:extLst>
+                <a:ext uri="{FF2B5EF4-FFF2-40B4-BE49-F238E27FC236}">
+                  <a16:creationId xmlns:a16="http://schemas.microsoft.com/office/drawing/2014/main" id="{398C0F43-6D28-A81B-0DAD-C3CC06B70E26}"/>
+                </a:ext>
+              </a:extLst>
+            </p:cNvPr>
+            <p:cNvCxnSpPr/>
+            <p:nvPr/>
+          </p:nvCxnSpPr>
+          <p:spPr>
+            <a:xfrm>
+              <a:off x="8936182" y="3672254"/>
+              <a:ext cx="0" cy="178977"/>
+            </a:xfrm>
+            <a:prstGeom prst="line">
+              <a:avLst/>
+            </a:prstGeom>
+            <a:ln w="28575">
+              <a:solidFill>
+                <a:schemeClr val="tx1"/>
+              </a:solidFill>
+            </a:ln>
+          </p:spPr>
+          <p:style>
+            <a:lnRef idx="1">
+              <a:schemeClr val="accent1"/>
+            </a:lnRef>
+            <a:fillRef idx="0">
+              <a:schemeClr val="accent1"/>
+            </a:fillRef>
+            <a:effectRef idx="0">
+              <a:schemeClr val="accent1"/>
+            </a:effectRef>
+            <a:fontRef idx="minor">
+              <a:schemeClr val="tx1"/>
+            </a:fontRef>
+          </p:style>
+        </p:cxnSp>
+        <p:cxnSp>
+          <p:nvCxnSpPr>
+            <p:cNvPr id="35" name="Straight Connector 34">
+              <a:extLst>
+                <a:ext uri="{FF2B5EF4-FFF2-40B4-BE49-F238E27FC236}">
+                  <a16:creationId xmlns:a16="http://schemas.microsoft.com/office/drawing/2014/main" id="{6C1A00BE-B838-4715-BD41-B08237A8821C}"/>
+                </a:ext>
+              </a:extLst>
+            </p:cNvPr>
+            <p:cNvCxnSpPr/>
+            <p:nvPr/>
+          </p:nvCxnSpPr>
+          <p:spPr>
+            <a:xfrm>
+              <a:off x="8936182" y="3851231"/>
+              <a:ext cx="1061596" cy="0"/>
+            </a:xfrm>
+            <a:prstGeom prst="line">
+              <a:avLst/>
+            </a:prstGeom>
+            <a:ln w="28575">
+              <a:solidFill>
+                <a:schemeClr val="tx1"/>
+              </a:solidFill>
+            </a:ln>
+          </p:spPr>
+          <p:style>
+            <a:lnRef idx="1">
+              <a:schemeClr val="accent1"/>
+            </a:lnRef>
+            <a:fillRef idx="0">
+              <a:schemeClr val="accent1"/>
+            </a:fillRef>
+            <a:effectRef idx="0">
+              <a:schemeClr val="accent1"/>
+            </a:effectRef>
+            <a:fontRef idx="minor">
+              <a:schemeClr val="tx1"/>
+            </a:fontRef>
+          </p:style>
+        </p:cxnSp>
+        <p:cxnSp>
+          <p:nvCxnSpPr>
+            <p:cNvPr id="37" name="Straight Connector 36">
+              <a:extLst>
+                <a:ext uri="{FF2B5EF4-FFF2-40B4-BE49-F238E27FC236}">
+                  <a16:creationId xmlns:a16="http://schemas.microsoft.com/office/drawing/2014/main" id="{7ED86959-C73F-1834-0AAA-91C5058BC012}"/>
+                </a:ext>
+              </a:extLst>
+            </p:cNvPr>
+            <p:cNvCxnSpPr/>
+            <p:nvPr/>
+          </p:nvCxnSpPr>
+          <p:spPr>
+            <a:xfrm flipV="1">
+              <a:off x="9997778" y="2462567"/>
+              <a:ext cx="0" cy="1388664"/>
+            </a:xfrm>
+            <a:prstGeom prst="line">
+              <a:avLst/>
+            </a:prstGeom>
+            <a:ln w="28575">
+              <a:solidFill>
+                <a:schemeClr val="tx1"/>
+              </a:solidFill>
+            </a:ln>
+          </p:spPr>
+          <p:style>
+            <a:lnRef idx="1">
+              <a:schemeClr val="accent1"/>
+            </a:lnRef>
+            <a:fillRef idx="0">
+              <a:schemeClr val="accent1"/>
+            </a:fillRef>
+            <a:effectRef idx="0">
+              <a:schemeClr val="accent1"/>
+            </a:effectRef>
+            <a:fontRef idx="minor">
+              <a:schemeClr val="tx1"/>
+            </a:fontRef>
+          </p:style>
+        </p:cxnSp>
+        <p:cxnSp>
+          <p:nvCxnSpPr>
+            <p:cNvPr id="39" name="Straight Connector 38">
+              <a:extLst>
+                <a:ext uri="{FF2B5EF4-FFF2-40B4-BE49-F238E27FC236}">
+                  <a16:creationId xmlns:a16="http://schemas.microsoft.com/office/drawing/2014/main" id="{E17A920C-0611-98B9-97C0-B78B19FEF9C0}"/>
+                </a:ext>
+              </a:extLst>
+            </p:cNvPr>
+            <p:cNvCxnSpPr/>
+            <p:nvPr/>
+          </p:nvCxnSpPr>
+          <p:spPr>
+            <a:xfrm>
+              <a:off x="9997778" y="2462567"/>
+              <a:ext cx="1272579" cy="0"/>
+            </a:xfrm>
+            <a:prstGeom prst="line">
+              <a:avLst/>
+            </a:prstGeom>
+            <a:ln w="28575">
+              <a:solidFill>
+                <a:schemeClr val="tx1"/>
+              </a:solidFill>
+            </a:ln>
+          </p:spPr>
+          <p:style>
+            <a:lnRef idx="1">
+              <a:schemeClr val="accent1"/>
+            </a:lnRef>
+            <a:fillRef idx="0">
+              <a:schemeClr val="accent1"/>
+            </a:fillRef>
+            <a:effectRef idx="0">
+              <a:schemeClr val="accent1"/>
+            </a:effectRef>
+            <a:fontRef idx="minor">
+              <a:schemeClr val="tx1"/>
+            </a:fontRef>
+          </p:style>
+        </p:cxnSp>
+      </p:grpSp>
+      <p:grpSp>
+        <p:nvGrpSpPr>
+          <p:cNvPr id="42" name="Group 41">
+            <a:extLst>
+              <a:ext uri="{FF2B5EF4-FFF2-40B4-BE49-F238E27FC236}">
+                <a16:creationId xmlns:a16="http://schemas.microsoft.com/office/drawing/2014/main" id="{F18F99BE-B01D-ED6D-6182-D1356115ED7F}"/>
+              </a:ext>
+            </a:extLst>
+          </p:cNvPr>
+          <p:cNvGrpSpPr/>
+          <p:nvPr/>
+        </p:nvGrpSpPr>
+        <p:grpSpPr>
+          <a:xfrm>
+            <a:off x="5768414" y="2010261"/>
+            <a:ext cx="1695245" cy="1388664"/>
+            <a:chOff x="8936182" y="2462567"/>
+            <a:chExt cx="1695245" cy="1388664"/>
+          </a:xfrm>
+        </p:grpSpPr>
+        <p:cxnSp>
+          <p:nvCxnSpPr>
+            <p:cNvPr id="43" name="Straight Connector 42">
+              <a:extLst>
+                <a:ext uri="{FF2B5EF4-FFF2-40B4-BE49-F238E27FC236}">
+                  <a16:creationId xmlns:a16="http://schemas.microsoft.com/office/drawing/2014/main" id="{1A0596A1-EE89-6FB5-F71F-412469C66A5B}"/>
+                </a:ext>
+              </a:extLst>
+            </p:cNvPr>
+            <p:cNvCxnSpPr>
+              <a:cxnSpLocks/>
+            </p:cNvCxnSpPr>
+            <p:nvPr/>
+          </p:nvCxnSpPr>
+          <p:spPr>
+            <a:xfrm>
+              <a:off x="10613665" y="2462567"/>
+              <a:ext cx="0" cy="217579"/>
+            </a:xfrm>
+            <a:prstGeom prst="line">
+              <a:avLst/>
+            </a:prstGeom>
+            <a:ln w="28575">
+              <a:solidFill>
+                <a:srgbClr val="FF0000"/>
+              </a:solidFill>
+            </a:ln>
+          </p:spPr>
+          <p:style>
+            <a:lnRef idx="1">
+              <a:schemeClr val="accent1"/>
+            </a:lnRef>
+            <a:fillRef idx="0">
+              <a:schemeClr val="accent1"/>
+            </a:fillRef>
+            <a:effectRef idx="0">
+              <a:schemeClr val="accent1"/>
+            </a:effectRef>
+            <a:fontRef idx="minor">
+              <a:schemeClr val="tx1"/>
+            </a:fontRef>
+          </p:style>
+        </p:cxnSp>
+        <p:cxnSp>
+          <p:nvCxnSpPr>
+            <p:cNvPr id="44" name="Straight Connector 43">
+              <a:extLst>
+                <a:ext uri="{FF2B5EF4-FFF2-40B4-BE49-F238E27FC236}">
+                  <a16:creationId xmlns:a16="http://schemas.microsoft.com/office/drawing/2014/main" id="{2C4CC75A-6639-D029-2714-6299022759D6}"/>
+                </a:ext>
+              </a:extLst>
+            </p:cNvPr>
+            <p:cNvCxnSpPr/>
+            <p:nvPr/>
+          </p:nvCxnSpPr>
+          <p:spPr>
+            <a:xfrm>
+              <a:off x="8936182" y="3672254"/>
+              <a:ext cx="0" cy="178977"/>
+            </a:xfrm>
+            <a:prstGeom prst="line">
+              <a:avLst/>
+            </a:prstGeom>
+            <a:ln w="28575">
+              <a:solidFill>
+                <a:srgbClr val="FF0000"/>
+              </a:solidFill>
+            </a:ln>
+          </p:spPr>
+          <p:style>
+            <a:lnRef idx="1">
+              <a:schemeClr val="accent1"/>
+            </a:lnRef>
+            <a:fillRef idx="0">
+              <a:schemeClr val="accent1"/>
+            </a:fillRef>
+            <a:effectRef idx="0">
+              <a:schemeClr val="accent1"/>
+            </a:effectRef>
+            <a:fontRef idx="minor">
+              <a:schemeClr val="tx1"/>
+            </a:fontRef>
+          </p:style>
+        </p:cxnSp>
+        <p:cxnSp>
+          <p:nvCxnSpPr>
+            <p:cNvPr id="45" name="Straight Connector 44">
+              <a:extLst>
+                <a:ext uri="{FF2B5EF4-FFF2-40B4-BE49-F238E27FC236}">
+                  <a16:creationId xmlns:a16="http://schemas.microsoft.com/office/drawing/2014/main" id="{7DFD7C4D-7707-816F-D162-6ED0A7CB4887}"/>
+                </a:ext>
+              </a:extLst>
+            </p:cNvPr>
+            <p:cNvCxnSpPr/>
+            <p:nvPr/>
+          </p:nvCxnSpPr>
+          <p:spPr>
+            <a:xfrm>
+              <a:off x="8936182" y="3851231"/>
+              <a:ext cx="1061596" cy="0"/>
+            </a:xfrm>
+            <a:prstGeom prst="line">
+              <a:avLst/>
+            </a:prstGeom>
+            <a:ln w="28575">
+              <a:solidFill>
+                <a:srgbClr val="FF0000"/>
+              </a:solidFill>
+            </a:ln>
+          </p:spPr>
+          <p:style>
+            <a:lnRef idx="1">
+              <a:schemeClr val="accent1"/>
+            </a:lnRef>
+            <a:fillRef idx="0">
+              <a:schemeClr val="accent1"/>
+            </a:fillRef>
+            <a:effectRef idx="0">
+              <a:schemeClr val="accent1"/>
+            </a:effectRef>
+            <a:fontRef idx="minor">
+              <a:schemeClr val="tx1"/>
+            </a:fontRef>
+          </p:style>
+        </p:cxnSp>
+        <p:cxnSp>
+          <p:nvCxnSpPr>
+            <p:cNvPr id="46" name="Straight Connector 45">
+              <a:extLst>
+                <a:ext uri="{FF2B5EF4-FFF2-40B4-BE49-F238E27FC236}">
+                  <a16:creationId xmlns:a16="http://schemas.microsoft.com/office/drawing/2014/main" id="{6A45635C-82C4-6CAE-4EEF-AD1111B1A790}"/>
+                </a:ext>
+              </a:extLst>
+            </p:cNvPr>
+            <p:cNvCxnSpPr/>
+            <p:nvPr/>
+          </p:nvCxnSpPr>
+          <p:spPr>
+            <a:xfrm flipV="1">
+              <a:off x="9997778" y="2462567"/>
+              <a:ext cx="0" cy="1388664"/>
+            </a:xfrm>
+            <a:prstGeom prst="line">
+              <a:avLst/>
+            </a:prstGeom>
+            <a:ln w="28575">
+              <a:solidFill>
+                <a:srgbClr val="FF0000"/>
+              </a:solidFill>
+            </a:ln>
+          </p:spPr>
+          <p:style>
+            <a:lnRef idx="1">
+              <a:schemeClr val="accent1"/>
+            </a:lnRef>
+            <a:fillRef idx="0">
+              <a:schemeClr val="accent1"/>
+            </a:fillRef>
+            <a:effectRef idx="0">
+              <a:schemeClr val="accent1"/>
+            </a:effectRef>
+            <a:fontRef idx="minor">
+              <a:schemeClr val="tx1"/>
+            </a:fontRef>
+          </p:style>
+        </p:cxnSp>
+        <p:cxnSp>
+          <p:nvCxnSpPr>
+            <p:cNvPr id="47" name="Straight Connector 46">
+              <a:extLst>
+                <a:ext uri="{FF2B5EF4-FFF2-40B4-BE49-F238E27FC236}">
+                  <a16:creationId xmlns:a16="http://schemas.microsoft.com/office/drawing/2014/main" id="{6085430B-7739-044A-C1F7-ACDA8182DDE1}"/>
+                </a:ext>
+              </a:extLst>
+            </p:cNvPr>
+            <p:cNvCxnSpPr>
+              <a:cxnSpLocks/>
+            </p:cNvCxnSpPr>
+            <p:nvPr/>
+          </p:nvCxnSpPr>
+          <p:spPr>
+            <a:xfrm>
+              <a:off x="9997778" y="2462567"/>
+              <a:ext cx="633649" cy="0"/>
+            </a:xfrm>
+            <a:prstGeom prst="line">
+              <a:avLst/>
+            </a:prstGeom>
+            <a:ln w="28575">
+              <a:solidFill>
+                <a:srgbClr val="FF0000"/>
+              </a:solidFill>
+            </a:ln>
+          </p:spPr>
+          <p:style>
+            <a:lnRef idx="1">
+              <a:schemeClr val="accent1"/>
+            </a:lnRef>
+            <a:fillRef idx="0">
+              <a:schemeClr val="accent1"/>
+            </a:fillRef>
+            <a:effectRef idx="0">
+              <a:schemeClr val="accent1"/>
+            </a:effectRef>
+            <a:fontRef idx="minor">
+              <a:schemeClr val="tx1"/>
+            </a:fontRef>
+          </p:style>
+        </p:cxnSp>
+      </p:grpSp>
+      <p:sp>
+        <p:nvSpPr>
+          <p:cNvPr id="49" name="TextBox 48">
+            <a:extLst>
+              <a:ext uri="{FF2B5EF4-FFF2-40B4-BE49-F238E27FC236}">
+                <a16:creationId xmlns:a16="http://schemas.microsoft.com/office/drawing/2014/main" id="{007AD2FD-D6ED-D689-B219-D1869C48926D}"/>
+              </a:ext>
+            </a:extLst>
+          </p:cNvPr>
+          <p:cNvSpPr txBox="1"/>
+          <p:nvPr/>
+        </p:nvSpPr>
+        <p:spPr>
+          <a:xfrm>
+            <a:off x="7315232" y="3168092"/>
+            <a:ext cx="1032462" cy="461665"/>
+          </a:xfrm>
+          <a:prstGeom prst="rect">
+            <a:avLst/>
+          </a:prstGeom>
+          <a:noFill/>
+        </p:spPr>
+        <p:txBody>
+          <a:bodyPr wrap="none" rtlCol="0">
+            <a:spAutoFit/>
+          </a:bodyPr>
+          <a:lstStyle/>
+          <a:p>
+            <a:pPr algn="ctr"/>
+            <a:r>
+              <a:rPr lang="en-US" sz="1200" dirty="0"/>
+              <a:t>24V-DC</a:t>
+            </a:r>
+          </a:p>
+          <a:p>
+            <a:pPr algn="ctr"/>
+            <a:r>
+              <a:rPr lang="en-US" sz="1200" dirty="0"/>
+              <a:t>Power Supply</a:t>
+            </a:r>
+          </a:p>
+        </p:txBody>
+      </p:sp>
+      <p:sp>
+        <p:nvSpPr>
+          <p:cNvPr id="50" name="TextBox 49">
+            <a:extLst>
+              <a:ext uri="{FF2B5EF4-FFF2-40B4-BE49-F238E27FC236}">
+                <a16:creationId xmlns:a16="http://schemas.microsoft.com/office/drawing/2014/main" id="{19E939FB-2737-460A-2743-B4E4090CEF40}"/>
+              </a:ext>
+            </a:extLst>
+          </p:cNvPr>
+          <p:cNvSpPr txBox="1"/>
+          <p:nvPr/>
+        </p:nvSpPr>
+        <p:spPr>
+          <a:xfrm>
+            <a:off x="7448914" y="1129963"/>
+            <a:ext cx="1061957" cy="276999"/>
+          </a:xfrm>
+          <a:prstGeom prst="rect">
+            <a:avLst/>
+          </a:prstGeom>
+          <a:noFill/>
+        </p:spPr>
+        <p:txBody>
+          <a:bodyPr wrap="none" rtlCol="0">
+            <a:spAutoFit/>
+          </a:bodyPr>
+          <a:lstStyle/>
+          <a:p>
+            <a:pPr algn="ctr"/>
+            <a:r>
+              <a:rPr lang="en-US" sz="1200" dirty="0"/>
+              <a:t>24V-DC-250W</a:t>
+            </a:r>
+          </a:p>
+        </p:txBody>
+      </p:sp>
+      <p:sp>
+        <p:nvSpPr>
+          <p:cNvPr id="51" name="TextBox 50">
+            <a:extLst>
+              <a:ext uri="{FF2B5EF4-FFF2-40B4-BE49-F238E27FC236}">
+                <a16:creationId xmlns:a16="http://schemas.microsoft.com/office/drawing/2014/main" id="{627D5039-FC7D-D131-B00E-03840AE45A5E}"/>
+              </a:ext>
+            </a:extLst>
+          </p:cNvPr>
+          <p:cNvSpPr txBox="1"/>
+          <p:nvPr/>
+        </p:nvSpPr>
+        <p:spPr>
+          <a:xfrm>
+            <a:off x="1860717" y="1198369"/>
+            <a:ext cx="1061957" cy="276999"/>
+          </a:xfrm>
+          <a:prstGeom prst="rect">
+            <a:avLst/>
+          </a:prstGeom>
+          <a:noFill/>
+        </p:spPr>
+        <p:txBody>
+          <a:bodyPr wrap="none" rtlCol="0">
+            <a:spAutoFit/>
+          </a:bodyPr>
+          <a:lstStyle/>
+          <a:p>
+            <a:pPr algn="ctr"/>
+            <a:r>
+              <a:rPr lang="en-US" sz="1200" dirty="0"/>
+              <a:t>24V-DC-250W</a:t>
+            </a:r>
+          </a:p>
+        </p:txBody>
+      </p:sp>
+      <p:cxnSp>
+        <p:nvCxnSpPr>
+          <p:cNvPr id="53" name="Straight Connector 52">
+            <a:extLst>
+              <a:ext uri="{FF2B5EF4-FFF2-40B4-BE49-F238E27FC236}">
+                <a16:creationId xmlns:a16="http://schemas.microsoft.com/office/drawing/2014/main" id="{536DD049-59E2-A171-8A2A-A97E8244D263}"/>
+              </a:ext>
+            </a:extLst>
+          </p:cNvPr>
+          <p:cNvCxnSpPr/>
+          <p:nvPr/>
+        </p:nvCxnSpPr>
+        <p:spPr>
+          <a:xfrm>
+            <a:off x="4686917" y="2797301"/>
+            <a:ext cx="0" cy="266978"/>
+          </a:xfrm>
+          <a:prstGeom prst="line">
+            <a:avLst/>
+          </a:prstGeom>
+          <a:ln w="28575">
+            <a:solidFill>
+              <a:srgbClr val="FF0000"/>
+            </a:solidFill>
+          </a:ln>
+        </p:spPr>
+        <p:style>
+          <a:lnRef idx="1">
+            <a:schemeClr val="accent1"/>
+          </a:lnRef>
+          <a:fillRef idx="0">
+            <a:schemeClr val="accent1"/>
+          </a:fillRef>
+          <a:effectRef idx="0">
+            <a:schemeClr val="accent1"/>
+          </a:effectRef>
+          <a:fontRef idx="minor">
+            <a:schemeClr val="tx1"/>
+          </a:fontRef>
+        </p:style>
+      </p:cxnSp>
+      <p:cxnSp>
+        <p:nvCxnSpPr>
+          <p:cNvPr id="54" name="Straight Connector 53">
+            <a:extLst>
+              <a:ext uri="{FF2B5EF4-FFF2-40B4-BE49-F238E27FC236}">
+                <a16:creationId xmlns:a16="http://schemas.microsoft.com/office/drawing/2014/main" id="{2446225E-0C2A-1E8C-CC9F-7DBD19436AFD}"/>
+              </a:ext>
+            </a:extLst>
+          </p:cNvPr>
+          <p:cNvCxnSpPr/>
+          <p:nvPr/>
+        </p:nvCxnSpPr>
+        <p:spPr>
+          <a:xfrm>
+            <a:off x="5047337" y="2797463"/>
+            <a:ext cx="0" cy="266978"/>
+          </a:xfrm>
+          <a:prstGeom prst="line">
+            <a:avLst/>
+          </a:prstGeom>
+          <a:ln w="28575">
+            <a:solidFill>
+              <a:schemeClr val="tx1"/>
+            </a:solidFill>
+          </a:ln>
+        </p:spPr>
+        <p:style>
+          <a:lnRef idx="1">
+            <a:schemeClr val="accent1"/>
+          </a:lnRef>
+          <a:fillRef idx="0">
+            <a:schemeClr val="accent1"/>
+          </a:fillRef>
+          <a:effectRef idx="0">
+            <a:schemeClr val="accent1"/>
+          </a:effectRef>
+          <a:fontRef idx="minor">
+            <a:schemeClr val="tx1"/>
+          </a:fontRef>
+        </p:style>
+      </p:cxnSp>
+      <p:sp>
+        <p:nvSpPr>
+          <p:cNvPr id="55" name="TextBox 54">
+            <a:extLst>
+              <a:ext uri="{FF2B5EF4-FFF2-40B4-BE49-F238E27FC236}">
+                <a16:creationId xmlns:a16="http://schemas.microsoft.com/office/drawing/2014/main" id="{AD207995-6AFC-FD70-2561-EAFBDF62DC7F}"/>
+              </a:ext>
+            </a:extLst>
+          </p:cNvPr>
+          <p:cNvSpPr txBox="1"/>
+          <p:nvPr/>
+        </p:nvSpPr>
+        <p:spPr>
+          <a:xfrm>
+            <a:off x="4284705" y="2910512"/>
+            <a:ext cx="426720" cy="276999"/>
+          </a:xfrm>
+          <a:prstGeom prst="rect">
+            <a:avLst/>
+          </a:prstGeom>
+          <a:noFill/>
+        </p:spPr>
+        <p:txBody>
+          <a:bodyPr wrap="none" rtlCol="0">
+            <a:spAutoFit/>
+          </a:bodyPr>
+          <a:lstStyle/>
+          <a:p>
+            <a:pPr algn="ctr"/>
+            <a:r>
+              <a:rPr lang="en-US" sz="1200" dirty="0"/>
+              <a:t>+5V</a:t>
+            </a:r>
+          </a:p>
+        </p:txBody>
+      </p:sp>
+      <p:sp>
+        <p:nvSpPr>
+          <p:cNvPr id="56" name="TextBox 55">
+            <a:extLst>
+              <a:ext uri="{FF2B5EF4-FFF2-40B4-BE49-F238E27FC236}">
+                <a16:creationId xmlns:a16="http://schemas.microsoft.com/office/drawing/2014/main" id="{B2423412-42D1-8B33-7F61-CB221C640B97}"/>
+              </a:ext>
+            </a:extLst>
+          </p:cNvPr>
+          <p:cNvSpPr txBox="1"/>
+          <p:nvPr/>
+        </p:nvSpPr>
+        <p:spPr>
+          <a:xfrm>
+            <a:off x="5028566" y="2926557"/>
+            <a:ext cx="476412" cy="276999"/>
+          </a:xfrm>
+          <a:prstGeom prst="rect">
+            <a:avLst/>
+          </a:prstGeom>
+          <a:noFill/>
+        </p:spPr>
+        <p:txBody>
+          <a:bodyPr wrap="none" rtlCol="0">
+            <a:spAutoFit/>
+          </a:bodyPr>
+          <a:lstStyle/>
+          <a:p>
+            <a:pPr algn="ctr"/>
+            <a:r>
+              <a:rPr lang="en-US" sz="1200" dirty="0"/>
+              <a:t>GND</a:t>
+            </a:r>
+          </a:p>
+        </p:txBody>
+      </p:sp>
+      <p:cxnSp>
+        <p:nvCxnSpPr>
+          <p:cNvPr id="60" name="Straight Arrow Connector 59">
+            <a:extLst>
+              <a:ext uri="{FF2B5EF4-FFF2-40B4-BE49-F238E27FC236}">
+                <a16:creationId xmlns:a16="http://schemas.microsoft.com/office/drawing/2014/main" id="{2D80CFE5-1E1A-3D74-0B07-6D30C346CE13}"/>
+              </a:ext>
+            </a:extLst>
+          </p:cNvPr>
+          <p:cNvCxnSpPr/>
+          <p:nvPr/>
+        </p:nvCxnSpPr>
+        <p:spPr>
+          <a:xfrm flipV="1">
+            <a:off x="4845771" y="2910512"/>
+            <a:ext cx="0" cy="1247993"/>
+          </a:xfrm>
+          <a:prstGeom prst="straightConnector1">
+            <a:avLst/>
+          </a:prstGeom>
+          <a:ln w="57150">
+            <a:solidFill>
+              <a:srgbClr val="00B050"/>
+            </a:solidFill>
+            <a:tailEnd type="triangle"/>
+          </a:ln>
+        </p:spPr>
+        <p:style>
+          <a:lnRef idx="1">
+            <a:schemeClr val="accent1"/>
+          </a:lnRef>
+          <a:fillRef idx="0">
+            <a:schemeClr val="accent1"/>
+          </a:fillRef>
+          <a:effectRef idx="0">
+            <a:schemeClr val="accent1"/>
+          </a:effectRef>
+          <a:fontRef idx="minor">
+            <a:schemeClr val="tx1"/>
+          </a:fontRef>
+        </p:style>
+      </p:cxnSp>
+      <p:grpSp>
+        <p:nvGrpSpPr>
+          <p:cNvPr id="1035" name="Group 1034">
+            <a:extLst>
+              <a:ext uri="{FF2B5EF4-FFF2-40B4-BE49-F238E27FC236}">
+                <a16:creationId xmlns:a16="http://schemas.microsoft.com/office/drawing/2014/main" id="{6C52768F-E51A-F679-F843-B11AA8107027}"/>
+              </a:ext>
+            </a:extLst>
+          </p:cNvPr>
+          <p:cNvGrpSpPr/>
+          <p:nvPr/>
+        </p:nvGrpSpPr>
+        <p:grpSpPr>
+          <a:xfrm>
+            <a:off x="1980550" y="2910512"/>
+            <a:ext cx="2650633" cy="1247993"/>
+            <a:chOff x="4922532" y="3437088"/>
+            <a:chExt cx="2650633" cy="1247993"/>
+          </a:xfrm>
+        </p:grpSpPr>
+        <p:cxnSp>
+          <p:nvCxnSpPr>
+            <p:cNvPr id="1027" name="Straight Arrow Connector 1026">
+              <a:extLst>
+                <a:ext uri="{FF2B5EF4-FFF2-40B4-BE49-F238E27FC236}">
+                  <a16:creationId xmlns:a16="http://schemas.microsoft.com/office/drawing/2014/main" id="{545C970B-8A2C-D74A-6998-AFEC8C4CADDA}"/>
+                </a:ext>
+              </a:extLst>
+            </p:cNvPr>
+            <p:cNvCxnSpPr>
+              <a:cxnSpLocks/>
+              <a:endCxn id="9" idx="3"/>
+            </p:cNvCxnSpPr>
+            <p:nvPr/>
+          </p:nvCxnSpPr>
+          <p:spPr>
+            <a:xfrm flipH="1" flipV="1">
+              <a:off x="4922532" y="3437088"/>
+              <a:ext cx="832056" cy="16045"/>
+            </a:xfrm>
+            <a:prstGeom prst="straightConnector1">
+              <a:avLst/>
+            </a:prstGeom>
+            <a:ln w="38100">
+              <a:solidFill>
+                <a:srgbClr val="7030A0"/>
+              </a:solidFill>
+              <a:tailEnd type="triangle"/>
+            </a:ln>
+          </p:spPr>
+          <p:style>
+            <a:lnRef idx="1">
+              <a:schemeClr val="accent1"/>
+            </a:lnRef>
+            <a:fillRef idx="0">
+              <a:schemeClr val="accent1"/>
+            </a:fillRef>
+            <a:effectRef idx="0">
+              <a:schemeClr val="accent1"/>
+            </a:effectRef>
+            <a:fontRef idx="minor">
+              <a:schemeClr val="tx1"/>
+            </a:fontRef>
+          </p:style>
+        </p:cxnSp>
+        <p:cxnSp>
+          <p:nvCxnSpPr>
+            <p:cNvPr id="1030" name="Straight Arrow Connector 1029">
+              <a:extLst>
+                <a:ext uri="{FF2B5EF4-FFF2-40B4-BE49-F238E27FC236}">
+                  <a16:creationId xmlns:a16="http://schemas.microsoft.com/office/drawing/2014/main" id="{6771C5BB-B6E3-AA6E-6E93-265173D9C51A}"/>
+                </a:ext>
+              </a:extLst>
+            </p:cNvPr>
+            <p:cNvCxnSpPr>
+              <a:cxnSpLocks/>
+            </p:cNvCxnSpPr>
+            <p:nvPr/>
+          </p:nvCxnSpPr>
+          <p:spPr>
+            <a:xfrm>
+              <a:off x="7557117" y="4249274"/>
+              <a:ext cx="0" cy="435807"/>
+            </a:xfrm>
+            <a:prstGeom prst="straightConnector1">
+              <a:avLst/>
+            </a:prstGeom>
+            <a:ln w="38100">
+              <a:solidFill>
+                <a:srgbClr val="7030A0"/>
+              </a:solidFill>
+              <a:tailEnd type="triangle"/>
+            </a:ln>
+          </p:spPr>
+          <p:style>
+            <a:lnRef idx="1">
+              <a:schemeClr val="accent1"/>
+            </a:lnRef>
+            <a:fillRef idx="0">
+              <a:schemeClr val="accent1"/>
+            </a:fillRef>
+            <a:effectRef idx="0">
+              <a:schemeClr val="accent1"/>
+            </a:effectRef>
+            <a:fontRef idx="minor">
+              <a:schemeClr val="tx1"/>
+            </a:fontRef>
+          </p:style>
+        </p:cxnSp>
+        <p:cxnSp>
+          <p:nvCxnSpPr>
+            <p:cNvPr id="1032" name="Straight Connector 1031">
+              <a:extLst>
+                <a:ext uri="{FF2B5EF4-FFF2-40B4-BE49-F238E27FC236}">
+                  <a16:creationId xmlns:a16="http://schemas.microsoft.com/office/drawing/2014/main" id="{F7451D70-72EE-EF3F-6397-8E2804008BEE}"/>
+                </a:ext>
+              </a:extLst>
+            </p:cNvPr>
+            <p:cNvCxnSpPr>
+              <a:cxnSpLocks/>
+            </p:cNvCxnSpPr>
+            <p:nvPr/>
+          </p:nvCxnSpPr>
+          <p:spPr>
+            <a:xfrm>
+              <a:off x="5752858" y="3453133"/>
+              <a:ext cx="1820307" cy="796141"/>
+            </a:xfrm>
+            <a:prstGeom prst="line">
+              <a:avLst/>
+            </a:prstGeom>
+            <a:ln w="38100">
+              <a:solidFill>
+                <a:srgbClr val="7030A0"/>
+              </a:solidFill>
+            </a:ln>
+          </p:spPr>
+          <p:style>
+            <a:lnRef idx="1">
+              <a:schemeClr val="accent1"/>
+            </a:lnRef>
+            <a:fillRef idx="0">
+              <a:schemeClr val="accent1"/>
+            </a:fillRef>
+            <a:effectRef idx="0">
+              <a:schemeClr val="accent1"/>
+            </a:effectRef>
+            <a:fontRef idx="minor">
+              <a:schemeClr val="tx1"/>
+            </a:fontRef>
+          </p:style>
+        </p:cxnSp>
+      </p:grpSp>
+      <p:cxnSp>
+        <p:nvCxnSpPr>
+          <p:cNvPr id="1037" name="Straight Arrow Connector 1036">
+            <a:extLst>
+              <a:ext uri="{FF2B5EF4-FFF2-40B4-BE49-F238E27FC236}">
+                <a16:creationId xmlns:a16="http://schemas.microsoft.com/office/drawing/2014/main" id="{9B18F82D-F235-5456-759C-488311EA8A82}"/>
+              </a:ext>
+            </a:extLst>
+          </p:cNvPr>
+          <p:cNvCxnSpPr>
+            <a:cxnSpLocks/>
+            <a:endCxn id="11" idx="0"/>
+          </p:cNvCxnSpPr>
+          <p:nvPr/>
+        </p:nvCxnSpPr>
+        <p:spPr>
+          <a:xfrm>
+            <a:off x="1292374" y="3324627"/>
+            <a:ext cx="0" cy="932469"/>
+          </a:xfrm>
+          <a:prstGeom prst="straightConnector1">
+            <a:avLst/>
+          </a:prstGeom>
+          <a:ln w="25400" cap="flat">
+            <a:solidFill>
+              <a:schemeClr val="tx1">
+                <a:lumMod val="95000"/>
+                <a:lumOff val="5000"/>
+              </a:schemeClr>
+            </a:solidFill>
+            <a:prstDash val="sysDot"/>
+            <a:headEnd type="triangle"/>
+            <a:tailEnd type="triangle"/>
+          </a:ln>
+        </p:spPr>
+        <p:style>
+          <a:lnRef idx="1">
+            <a:schemeClr val="accent1"/>
+          </a:lnRef>
+          <a:fillRef idx="0">
+            <a:schemeClr val="accent1"/>
+          </a:fillRef>
+          <a:effectRef idx="0">
+            <a:schemeClr val="accent1"/>
+          </a:effectRef>
+          <a:fontRef idx="minor">
+            <a:schemeClr val="tx1"/>
+          </a:fontRef>
+        </p:style>
+      </p:cxnSp>
+      <p:graphicFrame>
+        <p:nvGraphicFramePr>
+          <p:cNvPr id="1048" name="Table 1047">
+            <a:extLst>
+              <a:ext uri="{FF2B5EF4-FFF2-40B4-BE49-F238E27FC236}">
+                <a16:creationId xmlns:a16="http://schemas.microsoft.com/office/drawing/2014/main" id="{F897D564-0B78-4484-7D1E-11D2009F9F8E}"/>
+              </a:ext>
+            </a:extLst>
+          </p:cNvPr>
+          <p:cNvGraphicFramePr>
+            <a:graphicFrameLocks noGrp="1"/>
+          </p:cNvGraphicFramePr>
+          <p:nvPr>
+            <p:extLst>
+              <p:ext uri="{D42A27DB-BD31-4B8C-83A1-F6EECF244321}">
+                <p14:modId xmlns:p14="http://schemas.microsoft.com/office/powerpoint/2010/main" val="562994974"/>
+              </p:ext>
+            </p:extLst>
+          </p:nvPr>
+        </p:nvGraphicFramePr>
+        <p:xfrm>
+          <a:off x="7566991" y="4264997"/>
+          <a:ext cx="3313044" cy="1463040"/>
+        </p:xfrm>
+        <a:graphic>
+          <a:graphicData uri="http://schemas.openxmlformats.org/drawingml/2006/table">
+            <a:tbl>
+              <a:tblPr firstRow="1" bandRow="1">
+                <a:tableStyleId>{5C22544A-7EE6-4342-B048-85BDC9FD1C3A}</a:tableStyleId>
+              </a:tblPr>
+              <a:tblGrid>
+                <a:gridCol w="877790">
+                  <a:extLst>
+                    <a:ext uri="{9D8B030D-6E8A-4147-A177-3AD203B41FA5}">
+                      <a16:colId xmlns:a16="http://schemas.microsoft.com/office/drawing/2014/main" val="1800433365"/>
+                    </a:ext>
+                  </a:extLst>
+                </a:gridCol>
+                <a:gridCol w="2435254">
+                  <a:extLst>
+                    <a:ext uri="{9D8B030D-6E8A-4147-A177-3AD203B41FA5}">
+                      <a16:colId xmlns:a16="http://schemas.microsoft.com/office/drawing/2014/main" val="2176505964"/>
+                    </a:ext>
+                  </a:extLst>
+                </a:gridCol>
+              </a:tblGrid>
+              <a:tr h="274937">
+                <a:tc>
+                  <a:txBody>
+                    <a:bodyPr/>
+                    <a:lstStyle/>
+                    <a:p>
+                      <a:pPr marL="0" algn="ctr" defTabSz="914400" rtl="0" eaLnBrk="1" latinLnBrk="0" hangingPunct="1"/>
+                      <a:r>
+                        <a:rPr lang="en-US" sz="1200" kern="1200" dirty="0">
+                          <a:solidFill>
+                            <a:schemeClr val="tx1"/>
+                          </a:solidFill>
+                          <a:latin typeface="+mn-lt"/>
+                          <a:ea typeface="+mn-ea"/>
+                          <a:cs typeface="+mn-cs"/>
+                        </a:rPr>
+                        <a:t>Note</a:t>
+                      </a:r>
+                    </a:p>
+                  </a:txBody>
+                  <a:tcPr>
+                    <a:lnL w="12700" cap="flat" cmpd="sng" algn="ctr">
+                      <a:solidFill>
+                        <a:schemeClr val="tx1"/>
+                      </a:solidFill>
+                      <a:prstDash val="solid"/>
+                      <a:round/>
+                      <a:headEnd type="none" w="med" len="med"/>
+                      <a:tailEnd type="none" w="med" len="med"/>
+                    </a:lnL>
+                    <a:lnR w="12700" cap="flat" cmpd="sng" algn="ctr">
+                      <a:noFill/>
+                      <a:prstDash val="solid"/>
+                      <a:round/>
+                      <a:headEnd type="none" w="med" len="med"/>
+                      <a:tailEnd type="none" w="med" len="med"/>
+                    </a:lnR>
+                    <a:lnT w="12700" cap="flat" cmpd="sng" algn="ctr">
+                      <a:solidFill>
+                        <a:schemeClr val="tx1"/>
+                      </a:solidFill>
+                      <a:prstDash val="solid"/>
+                      <a:round/>
+                      <a:headEnd type="none" w="med" len="med"/>
+                      <a:tailEnd type="none" w="med" len="med"/>
+                    </a:lnT>
+                    <a:lnB w="12700" cap="flat" cmpd="sng" algn="ctr">
+                      <a:noFill/>
+                      <a:prstDash val="solid"/>
+                      <a:round/>
+                      <a:headEnd type="none" w="med" len="med"/>
+                      <a:tailEnd type="none" w="med" len="med"/>
+                    </a:lnB>
+                    <a:lnTlToBr w="12700" cmpd="sng">
+                      <a:noFill/>
+                      <a:prstDash val="solid"/>
+                    </a:lnTlToBr>
+                    <a:lnBlToTr w="12700" cmpd="sng">
+                      <a:noFill/>
+                      <a:prstDash val="solid"/>
+                    </a:lnBlToTr>
+                    <a:solidFill>
+                      <a:schemeClr val="bg1"/>
+                    </a:solidFill>
+                  </a:tcPr>
+                </a:tc>
+                <a:tc>
+                  <a:txBody>
+                    <a:bodyPr/>
+                    <a:lstStyle/>
+                    <a:p>
+                      <a:endParaRPr lang="en-US" dirty="0"/>
+                    </a:p>
+                  </a:txBody>
+                  <a:tcPr>
+                    <a:lnL w="12700" cap="flat" cmpd="sng" algn="ctr">
+                      <a:noFill/>
+                      <a:prstDash val="solid"/>
+                      <a:round/>
+                      <a:headEnd type="none" w="med" len="med"/>
+                      <a:tailEnd type="none" w="med" len="med"/>
+                    </a:lnL>
+                    <a:lnR w="12700" cap="flat" cmpd="sng" algn="ctr">
+                      <a:solidFill>
+                        <a:schemeClr val="tx1"/>
+                      </a:solidFill>
+                      <a:prstDash val="solid"/>
+                      <a:round/>
+                      <a:headEnd type="none" w="med" len="med"/>
+                      <a:tailEnd type="none" w="med" len="med"/>
+                    </a:lnR>
+                    <a:lnT w="12700" cap="flat" cmpd="sng" algn="ctr">
+                      <a:solidFill>
+                        <a:schemeClr val="tx1"/>
+                      </a:solidFill>
+                      <a:prstDash val="solid"/>
+                      <a:round/>
+                      <a:headEnd type="none" w="med" len="med"/>
+                      <a:tailEnd type="none" w="med" len="med"/>
+                    </a:lnT>
+                    <a:lnB w="12700" cap="flat" cmpd="sng" algn="ctr">
+                      <a:noFill/>
+                      <a:prstDash val="solid"/>
+                      <a:round/>
+                      <a:headEnd type="none" w="med" len="med"/>
+                      <a:tailEnd type="none" w="med" len="med"/>
+                    </a:lnB>
+                    <a:lnTlToBr w="12700" cmpd="sng">
+                      <a:noFill/>
+                      <a:prstDash val="solid"/>
+                    </a:lnTlToBr>
+                    <a:lnBlToTr w="12700" cmpd="sng">
+                      <a:noFill/>
+                      <a:prstDash val="solid"/>
+                    </a:lnBlToTr>
+                    <a:solidFill>
+                      <a:schemeClr val="bg1"/>
+                    </a:solidFill>
+                  </a:tcPr>
+                </a:tc>
+                <a:extLst>
+                  <a:ext uri="{0D108BD9-81ED-4DB2-BD59-A6C34878D82A}">
+                    <a16:rowId xmlns:a16="http://schemas.microsoft.com/office/drawing/2014/main" val="2321812048"/>
+                  </a:ext>
+                </a:extLst>
+              </a:tr>
+              <a:tr h="274937">
+                <a:tc>
+                  <a:txBody>
+                    <a:bodyPr/>
+                    <a:lstStyle/>
+                    <a:p>
+                      <a:endParaRPr lang="en-US" dirty="0"/>
+                    </a:p>
+                  </a:txBody>
+                  <a:tcPr>
+                    <a:lnL w="12700" cap="flat" cmpd="sng" algn="ctr">
+                      <a:solidFill>
+                        <a:schemeClr val="tx1"/>
+                      </a:solidFill>
+                      <a:prstDash val="solid"/>
+                      <a:round/>
+                      <a:headEnd type="none" w="med" len="med"/>
+                      <a:tailEnd type="none" w="med" len="med"/>
+                    </a:lnL>
+                    <a:lnR w="12700" cap="flat" cmpd="sng" algn="ctr">
+                      <a:noFill/>
+                      <a:prstDash val="solid"/>
+                      <a:round/>
+                      <a:headEnd type="none" w="med" len="med"/>
+                      <a:tailEnd type="none" w="med" len="med"/>
+                    </a:lnR>
+                    <a:lnT w="12700" cap="flat" cmpd="sng" algn="ctr">
+                      <a:noFill/>
+                      <a:prstDash val="solid"/>
+                      <a:round/>
+                      <a:headEnd type="none" w="med" len="med"/>
+                      <a:tailEnd type="none" w="med" len="med"/>
+                    </a:lnT>
+                    <a:lnB w="12700" cap="flat" cmpd="sng" algn="ctr">
+                      <a:noFill/>
+                      <a:prstDash val="solid"/>
+                      <a:round/>
+                      <a:headEnd type="none" w="med" len="med"/>
+                      <a:tailEnd type="none" w="med" len="med"/>
+                    </a:lnB>
+                    <a:lnTlToBr w="12700" cmpd="sng">
+                      <a:noFill/>
+                      <a:prstDash val="solid"/>
+                    </a:lnTlToBr>
+                    <a:lnBlToTr w="12700" cmpd="sng">
+                      <a:noFill/>
+                      <a:prstDash val="solid"/>
+                    </a:lnBlToTr>
+                    <a:solidFill>
+                      <a:schemeClr val="bg1"/>
+                    </a:solidFill>
+                  </a:tcPr>
+                </a:tc>
+                <a:tc>
+                  <a:txBody>
+                    <a:bodyPr/>
+                    <a:lstStyle/>
+                    <a:p>
+                      <a:pPr marL="0" algn="ctr" defTabSz="914400" rtl="0" eaLnBrk="1" latinLnBrk="0" hangingPunct="1"/>
+                      <a:r>
+                        <a:rPr lang="en-US" sz="1200" kern="1200" dirty="0">
+                          <a:solidFill>
+                            <a:schemeClr val="tx1"/>
+                          </a:solidFill>
+                          <a:latin typeface="+mn-lt"/>
+                          <a:ea typeface="+mn-ea"/>
+                          <a:cs typeface="+mn-cs"/>
+                        </a:rPr>
+                        <a:t>Wireless connection</a:t>
+                      </a:r>
+                    </a:p>
+                  </a:txBody>
+                  <a:tcPr>
+                    <a:lnL w="12700" cap="flat" cmpd="sng" algn="ctr">
+                      <a:noFill/>
+                      <a:prstDash val="solid"/>
+                      <a:round/>
+                      <a:headEnd type="none" w="med" len="med"/>
+                      <a:tailEnd type="none" w="med" len="med"/>
+                    </a:lnL>
+                    <a:lnR w="12700" cap="flat" cmpd="sng" algn="ctr">
+                      <a:solidFill>
+                        <a:schemeClr val="tx1"/>
+                      </a:solidFill>
+                      <a:prstDash val="solid"/>
+                      <a:round/>
+                      <a:headEnd type="none" w="med" len="med"/>
+                      <a:tailEnd type="none" w="med" len="med"/>
+                    </a:lnR>
+                    <a:lnT w="12700" cap="flat" cmpd="sng" algn="ctr">
+                      <a:noFill/>
+                      <a:prstDash val="solid"/>
+                      <a:round/>
+                      <a:headEnd type="none" w="med" len="med"/>
+                      <a:tailEnd type="none" w="med" len="med"/>
+                    </a:lnT>
+                    <a:lnB w="12700" cap="flat" cmpd="sng" algn="ctr">
+                      <a:noFill/>
+                      <a:prstDash val="solid"/>
+                      <a:round/>
+                      <a:headEnd type="none" w="med" len="med"/>
+                      <a:tailEnd type="none" w="med" len="med"/>
+                    </a:lnB>
+                    <a:lnTlToBr w="12700" cmpd="sng">
+                      <a:noFill/>
+                      <a:prstDash val="solid"/>
+                    </a:lnTlToBr>
+                    <a:lnBlToTr w="12700" cmpd="sng">
+                      <a:noFill/>
+                      <a:prstDash val="solid"/>
+                    </a:lnBlToTr>
+                    <a:solidFill>
+                      <a:schemeClr val="bg1"/>
+                    </a:solidFill>
+                  </a:tcPr>
+                </a:tc>
+                <a:extLst>
+                  <a:ext uri="{0D108BD9-81ED-4DB2-BD59-A6C34878D82A}">
+                    <a16:rowId xmlns:a16="http://schemas.microsoft.com/office/drawing/2014/main" val="765003506"/>
+                  </a:ext>
+                </a:extLst>
+              </a:tr>
+              <a:tr h="274937">
+                <a:tc>
+                  <a:txBody>
+                    <a:bodyPr/>
+                    <a:lstStyle/>
+                    <a:p>
+                      <a:endParaRPr lang="en-US" dirty="0"/>
+                    </a:p>
+                  </a:txBody>
+                  <a:tcPr>
+                    <a:lnL w="12700" cap="flat" cmpd="sng" algn="ctr">
+                      <a:solidFill>
+                        <a:schemeClr val="tx1"/>
+                      </a:solidFill>
+                      <a:prstDash val="solid"/>
+                      <a:round/>
+                      <a:headEnd type="none" w="med" len="med"/>
+                      <a:tailEnd type="none" w="med" len="med"/>
+                    </a:lnL>
+                    <a:lnR w="12700" cap="flat" cmpd="sng" algn="ctr">
+                      <a:noFill/>
+                      <a:prstDash val="solid"/>
+                      <a:round/>
+                      <a:headEnd type="none" w="med" len="med"/>
+                      <a:tailEnd type="none" w="med" len="med"/>
+                    </a:lnR>
+                    <a:lnT w="12700" cap="flat" cmpd="sng" algn="ctr">
+                      <a:noFill/>
+                      <a:prstDash val="solid"/>
+                      <a:round/>
+                      <a:headEnd type="none" w="med" len="med"/>
+                      <a:tailEnd type="none" w="med" len="med"/>
+                    </a:lnT>
+                    <a:lnB w="12700" cap="flat" cmpd="sng" algn="ctr">
+                      <a:noFill/>
+                      <a:prstDash val="solid"/>
+                      <a:round/>
+                      <a:headEnd type="none" w="med" len="med"/>
+                      <a:tailEnd type="none" w="med" len="med"/>
+                    </a:lnB>
+                    <a:lnTlToBr w="12700" cmpd="sng">
+                      <a:noFill/>
+                      <a:prstDash val="solid"/>
+                    </a:lnTlToBr>
+                    <a:lnBlToTr w="12700" cmpd="sng">
+                      <a:noFill/>
+                      <a:prstDash val="solid"/>
+                    </a:lnBlToTr>
+                    <a:solidFill>
+                      <a:schemeClr val="bg1"/>
+                    </a:solidFill>
+                  </a:tcPr>
+                </a:tc>
+                <a:tc>
+                  <a:txBody>
+                    <a:bodyPr/>
+                    <a:lstStyle/>
+                    <a:p>
+                      <a:pPr marL="0" algn="ctr" defTabSz="914400" rtl="0" eaLnBrk="1" latinLnBrk="0" hangingPunct="1"/>
+                      <a:r>
+                        <a:rPr lang="en-US" sz="1200" kern="1200" dirty="0">
+                          <a:solidFill>
+                            <a:schemeClr val="tx1"/>
+                          </a:solidFill>
+                          <a:latin typeface="+mn-lt"/>
+                          <a:ea typeface="+mn-ea"/>
+                          <a:cs typeface="+mn-cs"/>
+                        </a:rPr>
+                        <a:t>Arduino control DC Motor</a:t>
+                      </a:r>
+                    </a:p>
+                  </a:txBody>
+                  <a:tcPr>
+                    <a:lnL w="12700" cap="flat" cmpd="sng" algn="ctr">
+                      <a:noFill/>
+                      <a:prstDash val="solid"/>
+                      <a:round/>
+                      <a:headEnd type="none" w="med" len="med"/>
+                      <a:tailEnd type="none" w="med" len="med"/>
+                    </a:lnL>
+                    <a:lnR w="12700" cap="flat" cmpd="sng" algn="ctr">
+                      <a:solidFill>
+                        <a:schemeClr val="tx1"/>
+                      </a:solidFill>
+                      <a:prstDash val="solid"/>
+                      <a:round/>
+                      <a:headEnd type="none" w="med" len="med"/>
+                      <a:tailEnd type="none" w="med" len="med"/>
+                    </a:lnR>
+                    <a:lnT w="12700" cap="flat" cmpd="sng" algn="ctr">
+                      <a:noFill/>
+                      <a:prstDash val="solid"/>
+                      <a:round/>
+                      <a:headEnd type="none" w="med" len="med"/>
+                      <a:tailEnd type="none" w="med" len="med"/>
+                    </a:lnT>
+                    <a:lnB w="12700" cap="flat" cmpd="sng" algn="ctr">
+                      <a:noFill/>
+                      <a:prstDash val="solid"/>
+                      <a:round/>
+                      <a:headEnd type="none" w="med" len="med"/>
+                      <a:tailEnd type="none" w="med" len="med"/>
+                    </a:lnB>
+                    <a:lnTlToBr w="12700" cmpd="sng">
+                      <a:noFill/>
+                      <a:prstDash val="solid"/>
+                    </a:lnTlToBr>
+                    <a:lnBlToTr w="12700" cmpd="sng">
+                      <a:noFill/>
+                      <a:prstDash val="solid"/>
+                    </a:lnBlToTr>
+                    <a:solidFill>
+                      <a:schemeClr val="bg1"/>
+                    </a:solidFill>
+                  </a:tcPr>
+                </a:tc>
+                <a:extLst>
+                  <a:ext uri="{0D108BD9-81ED-4DB2-BD59-A6C34878D82A}">
+                    <a16:rowId xmlns:a16="http://schemas.microsoft.com/office/drawing/2014/main" val="795908446"/>
+                  </a:ext>
+                </a:extLst>
+              </a:tr>
+              <a:tr h="262563">
+                <a:tc>
+                  <a:txBody>
+                    <a:bodyPr/>
+                    <a:lstStyle/>
+                    <a:p>
+                      <a:endParaRPr lang="en-US" dirty="0"/>
+                    </a:p>
+                  </a:txBody>
+                  <a:tcPr>
+                    <a:lnL w="12700" cap="flat" cmpd="sng" algn="ctr">
+                      <a:solidFill>
+                        <a:schemeClr val="tx1"/>
+                      </a:solidFill>
+                      <a:prstDash val="solid"/>
+                      <a:round/>
+                      <a:headEnd type="none" w="med" len="med"/>
+                      <a:tailEnd type="none" w="med" len="med"/>
+                    </a:lnL>
+                    <a:lnR w="12700" cap="flat" cmpd="sng" algn="ctr">
+                      <a:noFill/>
+                      <a:prstDash val="solid"/>
+                      <a:round/>
+                      <a:headEnd type="none" w="med" len="med"/>
+                      <a:tailEnd type="none" w="med" len="med"/>
+                    </a:lnR>
+                    <a:lnT w="12700" cap="flat" cmpd="sng" algn="ctr">
+                      <a:noFill/>
+                      <a:prstDash val="solid"/>
+                      <a:round/>
+                      <a:headEnd type="none" w="med" len="med"/>
+                      <a:tailEnd type="none" w="med" len="med"/>
+                    </a:lnT>
+                    <a:lnB w="12700" cap="flat" cmpd="sng" algn="ctr">
+                      <a:solidFill>
+                        <a:schemeClr val="tx1"/>
+                      </a:solidFill>
+                      <a:prstDash val="solid"/>
+                      <a:round/>
+                      <a:headEnd type="none" w="med" len="med"/>
+                      <a:tailEnd type="none" w="med" len="med"/>
+                    </a:lnB>
+                    <a:lnTlToBr w="12700" cmpd="sng">
+                      <a:noFill/>
+                      <a:prstDash val="solid"/>
+                    </a:lnTlToBr>
+                    <a:lnBlToTr w="12700" cmpd="sng">
+                      <a:noFill/>
+                      <a:prstDash val="solid"/>
+                    </a:lnBlToTr>
+                    <a:solidFill>
+                      <a:schemeClr val="bg1"/>
+                    </a:solidFill>
+                  </a:tcPr>
+                </a:tc>
+                <a:tc>
+                  <a:txBody>
+                    <a:bodyPr/>
+                    <a:lstStyle/>
+                    <a:p>
+                      <a:pPr marL="0" algn="ctr" defTabSz="914400" rtl="0" eaLnBrk="1" latinLnBrk="0" hangingPunct="1"/>
+                      <a:r>
+                        <a:rPr lang="en-US" sz="1200" kern="1200" dirty="0">
+                          <a:solidFill>
+                            <a:schemeClr val="tx1"/>
+                          </a:solidFill>
+                          <a:latin typeface="+mn-lt"/>
+                          <a:ea typeface="+mn-ea"/>
+                          <a:cs typeface="+mn-cs"/>
+                        </a:rPr>
+                        <a:t>Arduino – PS2 Interface</a:t>
+                      </a:r>
+                    </a:p>
+                  </a:txBody>
+                  <a:tcPr>
+                    <a:lnL w="12700" cap="flat" cmpd="sng" algn="ctr">
+                      <a:noFill/>
+                      <a:prstDash val="solid"/>
+                      <a:round/>
+                      <a:headEnd type="none" w="med" len="med"/>
+                      <a:tailEnd type="none" w="med" len="med"/>
+                    </a:lnL>
+                    <a:lnR w="12700" cap="flat" cmpd="sng" algn="ctr">
+                      <a:solidFill>
+                        <a:schemeClr val="tx1"/>
+                      </a:solidFill>
+                      <a:prstDash val="solid"/>
+                      <a:round/>
+                      <a:headEnd type="none" w="med" len="med"/>
+                      <a:tailEnd type="none" w="med" len="med"/>
+                    </a:lnR>
+                    <a:lnT w="12700" cap="flat" cmpd="sng" algn="ctr">
+                      <a:noFill/>
+                      <a:prstDash val="solid"/>
+                      <a:round/>
+                      <a:headEnd type="none" w="med" len="med"/>
+                      <a:tailEnd type="none" w="med" len="med"/>
+                    </a:lnT>
+                    <a:lnB w="12700" cap="flat" cmpd="sng" algn="ctr">
+                      <a:solidFill>
+                        <a:schemeClr val="tx1"/>
+                      </a:solidFill>
+                      <a:prstDash val="solid"/>
+                      <a:round/>
+                      <a:headEnd type="none" w="med" len="med"/>
+                      <a:tailEnd type="none" w="med" len="med"/>
+                    </a:lnB>
+                    <a:lnTlToBr w="12700" cmpd="sng">
+                      <a:noFill/>
+                      <a:prstDash val="solid"/>
+                    </a:lnTlToBr>
+                    <a:lnBlToTr w="12700" cmpd="sng">
+                      <a:noFill/>
+                      <a:prstDash val="solid"/>
+                    </a:lnBlToTr>
+                    <a:solidFill>
+                      <a:schemeClr val="bg1"/>
+                    </a:solidFill>
+                  </a:tcPr>
+                </a:tc>
+                <a:extLst>
+                  <a:ext uri="{0D108BD9-81ED-4DB2-BD59-A6C34878D82A}">
+                    <a16:rowId xmlns:a16="http://schemas.microsoft.com/office/drawing/2014/main" val="323171307"/>
+                  </a:ext>
+                </a:extLst>
+              </a:tr>
+            </a:tbl>
+          </a:graphicData>
+        </a:graphic>
+      </p:graphicFrame>
+      <p:cxnSp>
+        <p:nvCxnSpPr>
+          <p:cNvPr id="1049" name="Straight Arrow Connector 1048">
+            <a:extLst>
+              <a:ext uri="{FF2B5EF4-FFF2-40B4-BE49-F238E27FC236}">
+                <a16:creationId xmlns:a16="http://schemas.microsoft.com/office/drawing/2014/main" id="{1DC7683D-7601-8D42-91CF-9C2269E3B6E6}"/>
+              </a:ext>
+            </a:extLst>
+          </p:cNvPr>
+          <p:cNvCxnSpPr>
+            <a:cxnSpLocks/>
+          </p:cNvCxnSpPr>
+          <p:nvPr/>
+        </p:nvCxnSpPr>
+        <p:spPr>
+          <a:xfrm>
+            <a:off x="7691284" y="4784749"/>
+            <a:ext cx="656410" cy="0"/>
+          </a:xfrm>
+          <a:prstGeom prst="straightConnector1">
+            <a:avLst/>
+          </a:prstGeom>
+          <a:ln w="25400" cap="flat">
+            <a:solidFill>
+              <a:schemeClr val="tx1">
+                <a:lumMod val="95000"/>
+                <a:lumOff val="5000"/>
+              </a:schemeClr>
+            </a:solidFill>
+            <a:prstDash val="sysDot"/>
+            <a:headEnd type="triangle"/>
+            <a:tailEnd type="triangle"/>
+          </a:ln>
+        </p:spPr>
+        <p:style>
+          <a:lnRef idx="1">
+            <a:schemeClr val="accent1"/>
+          </a:lnRef>
+          <a:fillRef idx="0">
+            <a:schemeClr val="accent1"/>
+          </a:fillRef>
+          <a:effectRef idx="0">
+            <a:schemeClr val="accent1"/>
+          </a:effectRef>
+          <a:fontRef idx="minor">
+            <a:schemeClr val="tx1"/>
+          </a:fontRef>
+        </p:style>
+      </p:cxnSp>
+      <p:cxnSp>
+        <p:nvCxnSpPr>
+          <p:cNvPr id="1053" name="Straight Arrow Connector 1052">
+            <a:extLst>
+              <a:ext uri="{FF2B5EF4-FFF2-40B4-BE49-F238E27FC236}">
+                <a16:creationId xmlns:a16="http://schemas.microsoft.com/office/drawing/2014/main" id="{7C301A7A-8B2F-9976-49A3-2B37427CBE0D}"/>
+              </a:ext>
+            </a:extLst>
+          </p:cNvPr>
+          <p:cNvCxnSpPr>
+            <a:cxnSpLocks/>
+          </p:cNvCxnSpPr>
+          <p:nvPr/>
+        </p:nvCxnSpPr>
+        <p:spPr>
+          <a:xfrm flipH="1">
+            <a:off x="7716772" y="5194036"/>
+            <a:ext cx="495382" cy="0"/>
+          </a:xfrm>
+          <a:prstGeom prst="straightConnector1">
+            <a:avLst/>
+          </a:prstGeom>
+          <a:ln w="57150">
+            <a:solidFill>
+              <a:srgbClr val="00B050"/>
+            </a:solidFill>
+            <a:tailEnd type="triangle"/>
+          </a:ln>
+        </p:spPr>
+        <p:style>
+          <a:lnRef idx="1">
+            <a:schemeClr val="accent1"/>
+          </a:lnRef>
+          <a:fillRef idx="0">
+            <a:schemeClr val="accent1"/>
+          </a:fillRef>
+          <a:effectRef idx="0">
+            <a:schemeClr val="accent1"/>
+          </a:effectRef>
+          <a:fontRef idx="minor">
+            <a:schemeClr val="tx1"/>
+          </a:fontRef>
+        </p:style>
+      </p:cxnSp>
+      <p:cxnSp>
+        <p:nvCxnSpPr>
+          <p:cNvPr id="1067" name="Straight Arrow Connector 1066">
+            <a:extLst>
+              <a:ext uri="{FF2B5EF4-FFF2-40B4-BE49-F238E27FC236}">
+                <a16:creationId xmlns:a16="http://schemas.microsoft.com/office/drawing/2014/main" id="{4FD1044E-DD8C-828A-4069-32610952CDD1}"/>
+              </a:ext>
+            </a:extLst>
+          </p:cNvPr>
+          <p:cNvCxnSpPr>
+            <a:cxnSpLocks/>
+          </p:cNvCxnSpPr>
+          <p:nvPr/>
+        </p:nvCxnSpPr>
+        <p:spPr>
+          <a:xfrm>
+            <a:off x="7730526" y="5543377"/>
+            <a:ext cx="481628" cy="0"/>
+          </a:xfrm>
+          <a:prstGeom prst="straightConnector1">
+            <a:avLst/>
+          </a:prstGeom>
+          <a:ln w="38100" cap="flat">
+            <a:solidFill>
+              <a:srgbClr val="7030A0"/>
+            </a:solidFill>
+            <a:prstDash val="solid"/>
+            <a:headEnd type="triangle"/>
+            <a:tailEnd type="triangle"/>
+          </a:ln>
+        </p:spPr>
+        <p:style>
+          <a:lnRef idx="1">
+            <a:schemeClr val="accent1"/>
+          </a:lnRef>
+          <a:fillRef idx="0">
+            <a:schemeClr val="accent1"/>
+          </a:fillRef>
+          <a:effectRef idx="0">
+            <a:schemeClr val="accent1"/>
+          </a:effectRef>
+          <a:fontRef idx="minor">
+            <a:schemeClr val="tx1"/>
+          </a:fontRef>
+        </p:style>
+      </p:cxnSp>
     </p:spTree>
     <p:extLst>
       <p:ext uri="{BB962C8B-B14F-4D97-AF65-F5344CB8AC3E}">
         <p14:creationId xmlns:p14="http://schemas.microsoft.com/office/powerpoint/2010/main" val="3441219992"/>
+      </p:ext>
+    </p:extLst>
+  </p:cSld>
+  <p:clrMapOvr>
+    <a:masterClrMapping/>
+  </p:clrMapOvr>
+</p:sld>
+</file>
+
+<file path=ppt/slides/slide2.xml><?xml version="1.0" encoding="utf-8"?>
+<p:sld xmlns:a="http://schemas.openxmlformats.org/drawingml/2006/main" xmlns:r="http://schemas.openxmlformats.org/officeDocument/2006/relationships" xmlns:p="http://schemas.openxmlformats.org/presentationml/2006/main">
+  <p:cSld>
+    <p:spTree>
+      <p:nvGrpSpPr>
+        <p:cNvPr id="1" name=""/>
+        <p:cNvGrpSpPr/>
+        <p:nvPr/>
+      </p:nvGrpSpPr>
+      <p:grpSpPr>
+        <a:xfrm>
+          <a:off x="0" y="0"/>
+          <a:ext cx="0" cy="0"/>
+          <a:chOff x="0" y="0"/>
+          <a:chExt cx="0" cy="0"/>
+        </a:xfrm>
+      </p:grpSpPr>
+      <p:sp>
+        <p:nvSpPr>
+          <p:cNvPr id="2" name="Title 1">
+            <a:extLst>
+              <a:ext uri="{FF2B5EF4-FFF2-40B4-BE49-F238E27FC236}">
+                <a16:creationId xmlns:a16="http://schemas.microsoft.com/office/drawing/2014/main" id="{B66E113D-E228-DD43-0341-7070966817FC}"/>
+              </a:ext>
+            </a:extLst>
+          </p:cNvPr>
+          <p:cNvSpPr>
+            <a:spLocks noGrp="1"/>
+          </p:cNvSpPr>
+          <p:nvPr>
+            <p:ph type="title"/>
+          </p:nvPr>
+        </p:nvSpPr>
+        <p:spPr/>
+        <p:txBody>
+          <a:bodyPr/>
+          <a:lstStyle/>
+          <a:p>
+            <a:endParaRPr lang="en-US"/>
+          </a:p>
+        </p:txBody>
+      </p:sp>
+      <p:sp>
+        <p:nvSpPr>
+          <p:cNvPr id="3" name="Content Placeholder 2">
+            <a:extLst>
+              <a:ext uri="{FF2B5EF4-FFF2-40B4-BE49-F238E27FC236}">
+                <a16:creationId xmlns:a16="http://schemas.microsoft.com/office/drawing/2014/main" id="{0E469529-995B-DF3C-8BB6-0F34E7FF76AC}"/>
+              </a:ext>
+            </a:extLst>
+          </p:cNvPr>
+          <p:cNvSpPr>
+            <a:spLocks noGrp="1"/>
+          </p:cNvSpPr>
+          <p:nvPr>
+            <p:ph idx="1"/>
+          </p:nvPr>
+        </p:nvSpPr>
+        <p:spPr/>
+        <p:txBody>
+          <a:bodyPr/>
+          <a:lstStyle/>
+          <a:p>
+            <a:endParaRPr lang="en-US"/>
+          </a:p>
+        </p:txBody>
+      </p:sp>
+    </p:spTree>
+    <p:extLst>
+      <p:ext uri="{BB962C8B-B14F-4D97-AF65-F5344CB8AC3E}">
+        <p14:creationId xmlns:p14="http://schemas.microsoft.com/office/powerpoint/2010/main" val="1694846330"/>
+      </p:ext>
+    </p:extLst>
+  </p:cSld>
+  <p:clrMapOvr>
+    <a:masterClrMapping/>
+  </p:clrMapOvr>
+</p:sld>
+</file>
+
+<file path=ppt/slides/slide3.xml><?xml version="1.0" encoding="utf-8"?>
+<p:sld xmlns:a="http://schemas.openxmlformats.org/drawingml/2006/main" xmlns:r="http://schemas.openxmlformats.org/officeDocument/2006/relationships" xmlns:p="http://schemas.openxmlformats.org/presentationml/2006/main">
+  <p:cSld>
+    <p:spTree>
+      <p:nvGrpSpPr>
+        <p:cNvPr id="1" name=""/>
+        <p:cNvGrpSpPr/>
+        <p:nvPr/>
+      </p:nvGrpSpPr>
+      <p:grpSpPr>
+        <a:xfrm>
+          <a:off x="0" y="0"/>
+          <a:ext cx="0" cy="0"/>
+          <a:chOff x="0" y="0"/>
+          <a:chExt cx="0" cy="0"/>
+        </a:xfrm>
+      </p:grpSpPr>
+      <p:sp>
+        <p:nvSpPr>
+          <p:cNvPr id="2" name="Title 1">
+            <a:extLst>
+              <a:ext uri="{FF2B5EF4-FFF2-40B4-BE49-F238E27FC236}">
+                <a16:creationId xmlns:a16="http://schemas.microsoft.com/office/drawing/2014/main" id="{AC082B78-8BD0-685B-AC79-9127FD41FC6A}"/>
+              </a:ext>
+            </a:extLst>
+          </p:cNvPr>
+          <p:cNvSpPr>
+            <a:spLocks noGrp="1"/>
+          </p:cNvSpPr>
+          <p:nvPr>
+            <p:ph type="title"/>
+          </p:nvPr>
+        </p:nvSpPr>
+        <p:spPr/>
+        <p:txBody>
+          <a:bodyPr/>
+          <a:lstStyle/>
+          <a:p>
+            <a:endParaRPr lang="en-US" dirty="0"/>
+          </a:p>
+        </p:txBody>
+      </p:sp>
+      <p:sp>
+        <p:nvSpPr>
+          <p:cNvPr id="3" name="Content Placeholder 2">
+            <a:extLst>
+              <a:ext uri="{FF2B5EF4-FFF2-40B4-BE49-F238E27FC236}">
+                <a16:creationId xmlns:a16="http://schemas.microsoft.com/office/drawing/2014/main" id="{BEFC7449-F1AA-DB2C-419C-43171CC8B237}"/>
+              </a:ext>
+            </a:extLst>
+          </p:cNvPr>
+          <p:cNvSpPr>
+            <a:spLocks noGrp="1"/>
+          </p:cNvSpPr>
+          <p:nvPr>
+            <p:ph idx="1"/>
+          </p:nvPr>
+        </p:nvSpPr>
+        <p:spPr/>
+        <p:txBody>
+          <a:bodyPr/>
+          <a:lstStyle/>
+          <a:p>
+            <a:endParaRPr lang="en-US"/>
+          </a:p>
+        </p:txBody>
+      </p:sp>
+      <p:pic>
+        <p:nvPicPr>
+          <p:cNvPr id="2050" name="Picture 2">
+            <a:extLst>
+              <a:ext uri="{FF2B5EF4-FFF2-40B4-BE49-F238E27FC236}">
+                <a16:creationId xmlns:a16="http://schemas.microsoft.com/office/drawing/2014/main" id="{21FF4C83-3DE4-3D47-D1F7-C1939BBD7D29}"/>
+              </a:ext>
+            </a:extLst>
+          </p:cNvPr>
+          <p:cNvPicPr>
+            <a:picLocks noChangeAspect="1" noChangeArrowheads="1"/>
+          </p:cNvPicPr>
+          <p:nvPr/>
+        </p:nvPicPr>
+        <p:blipFill>
+          <a:blip r:embed="rId2">
+            <a:extLst>
+              <a:ext uri="{28A0092B-C50C-407E-A947-70E740481C1C}">
+                <a14:useLocalDpi xmlns:a14="http://schemas.microsoft.com/office/drawing/2010/main" val="0"/>
+              </a:ext>
+            </a:extLst>
+          </a:blip>
+          <a:srcRect/>
+          <a:stretch>
+            <a:fillRect/>
+          </a:stretch>
+        </p:blipFill>
+        <p:spPr bwMode="auto">
+          <a:xfrm>
+            <a:off x="1808163" y="0"/>
+            <a:ext cx="8575675" cy="6858000"/>
+          </a:xfrm>
+          <a:prstGeom prst="rect">
+            <a:avLst/>
+          </a:prstGeom>
+          <a:noFill/>
+          <a:extLst>
+            <a:ext uri="{909E8E84-426E-40DD-AFC4-6F175D3DCCD1}">
+              <a14:hiddenFill xmlns:a14="http://schemas.microsoft.com/office/drawing/2010/main">
+                <a:solidFill>
+                  <a:srgbClr val="FFFFFF"/>
+                </a:solidFill>
+              </a14:hiddenFill>
+            </a:ext>
+          </a:extLst>
+        </p:spPr>
+      </p:pic>
+    </p:spTree>
+    <p:extLst>
+      <p:ext uri="{BB962C8B-B14F-4D97-AF65-F5344CB8AC3E}">
+        <p14:creationId xmlns:p14="http://schemas.microsoft.com/office/powerpoint/2010/main" val="2763782617"/>
       </p:ext>
     </p:extLst>
   </p:cSld>

--- a/presentation.pptx
+++ b/presentation.pptx
@@ -106,6 +106,11 @@
       </a:defRPr>
     </a:lvl9pPr>
   </p:defaultTextStyle>
+  <p:extLst>
+    <p:ext uri="{EFAFB233-063F-42B5-8137-9DF3F51BA10A}">
+      <p15:sldGuideLst xmlns:p15="http://schemas.microsoft.com/office/powerpoint/2012/main"/>
+    </p:ext>
+  </p:extLst>
 </p:presentation>
 </file>
 
@@ -4172,7 +4177,7 @@
         </p:nvSpPr>
         <p:spPr>
           <a:xfrm>
-            <a:off x="1860717" y="1198369"/>
+            <a:off x="2092061" y="1218988"/>
             <a:ext cx="1061957" cy="276999"/>
           </a:xfrm>
           <a:prstGeom prst="rect">
@@ -5278,6 +5283,77 @@
           </a:fontRef>
         </p:style>
       </p:cxnSp>
+      <p:sp>
+        <p:nvSpPr>
+          <p:cNvPr id="2" name="TextBox 1">
+            <a:extLst>
+              <a:ext uri="{FF2B5EF4-FFF2-40B4-BE49-F238E27FC236}">
+                <a16:creationId xmlns:a16="http://schemas.microsoft.com/office/drawing/2014/main" id="{8A1F87C5-754C-A6C7-2E31-5AE37192A9FD}"/>
+              </a:ext>
+            </a:extLst>
+          </p:cNvPr>
+          <p:cNvSpPr txBox="1"/>
+          <p:nvPr/>
+        </p:nvSpPr>
+        <p:spPr>
+          <a:xfrm>
+            <a:off x="12338278" y="2031965"/>
+            <a:ext cx="1061594" cy="1292662"/>
+          </a:xfrm>
+          <a:prstGeom prst="rect">
+            <a:avLst/>
+          </a:prstGeom>
+          <a:noFill/>
+        </p:spPr>
+        <p:txBody>
+          <a:bodyPr wrap="square" rtlCol="0">
+            <a:spAutoFit/>
+          </a:bodyPr>
+          <a:lstStyle/>
+          <a:p>
+            <a:pPr algn="ctr"/>
+            <a:r>
+              <a:rPr lang="en-US" sz="1200" dirty="0" err="1"/>
+              <a:t>pwmPin</a:t>
+            </a:r>
+            <a:r>
+              <a:rPr lang="en-US" sz="1200" dirty="0"/>
+              <a:t> – 13</a:t>
+            </a:r>
+          </a:p>
+          <a:p>
+            <a:pPr algn="ctr"/>
+            <a:r>
+              <a:rPr lang="en-US" sz="1200" dirty="0"/>
+              <a:t>out1 – 11</a:t>
+            </a:r>
+          </a:p>
+          <a:p>
+            <a:pPr algn="ctr"/>
+            <a:r>
+              <a:rPr lang="en-US" sz="1200" dirty="0"/>
+              <a:t>out2 – 12</a:t>
+            </a:r>
+          </a:p>
+          <a:p>
+            <a:pPr algn="ctr"/>
+            <a:r>
+              <a:rPr lang="en-US" sz="1200" dirty="0"/>
+              <a:t>out3 - 9</a:t>
+            </a:r>
+          </a:p>
+          <a:p>
+            <a:pPr algn="ctr"/>
+            <a:r>
+              <a:rPr lang="en-US" sz="1200" dirty="0"/>
+              <a:t>out4 - 10</a:t>
+            </a:r>
+          </a:p>
+          <a:p>
+            <a:endParaRPr lang="en-US" dirty="0"/>
+          </a:p>
+        </p:txBody>
+      </p:sp>
     </p:spTree>
     <p:extLst>
       <p:ext uri="{BB962C8B-B14F-4D97-AF65-F5344CB8AC3E}">

--- a/presentation.pptx
+++ b/presentation.pptx
@@ -261,7 +261,7 @@
           <a:p>
             <a:fld id="{7739300F-9869-A44F-827A-987ECC856302}" type="datetimeFigureOut">
               <a:rPr lang="en-US" smtClean="0"/>
-              <a:t>3/24/24</a:t>
+              <a:t>4/2/24</a:t>
             </a:fld>
             <a:endParaRPr lang="en-US"/>
           </a:p>
@@ -459,7 +459,7 @@
           <a:p>
             <a:fld id="{7739300F-9869-A44F-827A-987ECC856302}" type="datetimeFigureOut">
               <a:rPr lang="en-US" smtClean="0"/>
-              <a:t>3/24/24</a:t>
+              <a:t>4/2/24</a:t>
             </a:fld>
             <a:endParaRPr lang="en-US"/>
           </a:p>
@@ -667,7 +667,7 @@
           <a:p>
             <a:fld id="{7739300F-9869-A44F-827A-987ECC856302}" type="datetimeFigureOut">
               <a:rPr lang="en-US" smtClean="0"/>
-              <a:t>3/24/24</a:t>
+              <a:t>4/2/24</a:t>
             </a:fld>
             <a:endParaRPr lang="en-US"/>
           </a:p>
@@ -865,7 +865,7 @@
           <a:p>
             <a:fld id="{7739300F-9869-A44F-827A-987ECC856302}" type="datetimeFigureOut">
               <a:rPr lang="en-US" smtClean="0"/>
-              <a:t>3/24/24</a:t>
+              <a:t>4/2/24</a:t>
             </a:fld>
             <a:endParaRPr lang="en-US"/>
           </a:p>
@@ -1140,7 +1140,7 @@
           <a:p>
             <a:fld id="{7739300F-9869-A44F-827A-987ECC856302}" type="datetimeFigureOut">
               <a:rPr lang="en-US" smtClean="0"/>
-              <a:t>3/24/24</a:t>
+              <a:t>4/2/24</a:t>
             </a:fld>
             <a:endParaRPr lang="en-US"/>
           </a:p>
@@ -1405,7 +1405,7 @@
           <a:p>
             <a:fld id="{7739300F-9869-A44F-827A-987ECC856302}" type="datetimeFigureOut">
               <a:rPr lang="en-US" smtClean="0"/>
-              <a:t>3/24/24</a:t>
+              <a:t>4/2/24</a:t>
             </a:fld>
             <a:endParaRPr lang="en-US"/>
           </a:p>
@@ -1817,7 +1817,7 @@
           <a:p>
             <a:fld id="{7739300F-9869-A44F-827A-987ECC856302}" type="datetimeFigureOut">
               <a:rPr lang="en-US" smtClean="0"/>
-              <a:t>3/24/24</a:t>
+              <a:t>4/2/24</a:t>
             </a:fld>
             <a:endParaRPr lang="en-US"/>
           </a:p>
@@ -1958,7 +1958,7 @@
           <a:p>
             <a:fld id="{7739300F-9869-A44F-827A-987ECC856302}" type="datetimeFigureOut">
               <a:rPr lang="en-US" smtClean="0"/>
-              <a:t>3/24/24</a:t>
+              <a:t>4/2/24</a:t>
             </a:fld>
             <a:endParaRPr lang="en-US"/>
           </a:p>
@@ -2071,7 +2071,7 @@
           <a:p>
             <a:fld id="{7739300F-9869-A44F-827A-987ECC856302}" type="datetimeFigureOut">
               <a:rPr lang="en-US" smtClean="0"/>
-              <a:t>3/24/24</a:t>
+              <a:t>4/2/24</a:t>
             </a:fld>
             <a:endParaRPr lang="en-US"/>
           </a:p>
@@ -2382,7 +2382,7 @@
           <a:p>
             <a:fld id="{7739300F-9869-A44F-827A-987ECC856302}" type="datetimeFigureOut">
               <a:rPr lang="en-US" smtClean="0"/>
-              <a:t>3/24/24</a:t>
+              <a:t>4/2/24</a:t>
             </a:fld>
             <a:endParaRPr lang="en-US"/>
           </a:p>
@@ -2670,7 +2670,7 @@
           <a:p>
             <a:fld id="{7739300F-9869-A44F-827A-987ECC856302}" type="datetimeFigureOut">
               <a:rPr lang="en-US" smtClean="0"/>
-              <a:t>3/24/24</a:t>
+              <a:t>4/2/24</a:t>
             </a:fld>
             <a:endParaRPr lang="en-US"/>
           </a:p>
@@ -2911,7 +2911,7 @@
           <a:p>
             <a:fld id="{7739300F-9869-A44F-827A-987ECC856302}" type="datetimeFigureOut">
               <a:rPr lang="en-US" smtClean="0"/>
-              <a:t>3/24/24</a:t>
+              <a:t>4/2/24</a:t>
             </a:fld>
             <a:endParaRPr lang="en-US"/>
           </a:p>
@@ -4613,7 +4613,7 @@
           <p:nvPr>
             <p:extLst>
               <p:ext uri="{D42A27DB-BD31-4B8C-83A1-F6EECF244321}">
-                <p14:modId xmlns:p14="http://schemas.microsoft.com/office/powerpoint/2010/main" val="562994974"/>
+                <p14:modId xmlns:p14="http://schemas.microsoft.com/office/powerpoint/2010/main" val="2021805278"/>
               </p:ext>
             </p:extLst>
           </p:nvPr>
@@ -5297,8 +5297,8 @@
         </p:nvSpPr>
         <p:spPr>
           <a:xfrm>
-            <a:off x="12338278" y="2031965"/>
-            <a:ext cx="1061594" cy="1292662"/>
+            <a:off x="4686917" y="3470613"/>
+            <a:ext cx="2252484" cy="646331"/>
           </a:xfrm>
           <a:prstGeom prst="rect">
             <a:avLst/>
@@ -5314,42 +5314,34 @@
             <a:pPr algn="ctr"/>
             <a:r>
               <a:rPr lang="en-US" sz="1200" dirty="0" err="1"/>
-              <a:t>pwmPin</a:t>
+              <a:t>enaA</a:t>
             </a:r>
             <a:r>
               <a:rPr lang="en-US" sz="1200" dirty="0"/>
-              <a:t> – 13</a:t>
+              <a:t>   –   A2    </a:t>
+            </a:r>
+            <a:r>
+              <a:rPr lang="en-US" sz="1200" dirty="0" err="1"/>
+              <a:t>enaB</a:t>
+            </a:r>
+            <a:r>
+              <a:rPr lang="en-US" sz="1200" dirty="0"/>
+              <a:t>   –   A3  </a:t>
             </a:r>
           </a:p>
           <a:p>
             <a:pPr algn="ctr"/>
             <a:r>
               <a:rPr lang="en-US" sz="1200" dirty="0"/>
-              <a:t>out1 – 11</a:t>
-            </a:r>
-          </a:p>
-          <a:p>
-            <a:pPr algn="ctr"/>
-            <a:r>
+              <a:t>out1    –   12    out3     –  10</a:t>
+            </a:r>
+            <a:br>
               <a:rPr lang="en-US" sz="1200" dirty="0"/>
-              <a:t>out2 – 12</a:t>
-            </a:r>
-          </a:p>
-          <a:p>
-            <a:pPr algn="ctr"/>
+            </a:br>
             <a:r>
               <a:rPr lang="en-US" sz="1200" dirty="0"/>
-              <a:t>out3 - 9</a:t>
-            </a:r>
-          </a:p>
-          <a:p>
-            <a:pPr algn="ctr"/>
-            <a:r>
-              <a:rPr lang="en-US" sz="1200" dirty="0"/>
-              <a:t>out4 - 10</a:t>
-            </a:r>
-          </a:p>
-          <a:p>
+              <a:t>out2    –   11    out4     –  9</a:t>
+            </a:r>
             <a:endParaRPr lang="en-US" dirty="0"/>
           </a:p>
         </p:txBody>

--- a/presentation.pptx
+++ b/presentation.pptx
@@ -6,8 +6,14 @@
   </p:sldMasterIdLst>
   <p:sldIdLst>
     <p:sldId id="256" r:id="rId2"/>
-    <p:sldId id="258" r:id="rId3"/>
-    <p:sldId id="257" r:id="rId4"/>
+    <p:sldId id="259" r:id="rId3"/>
+    <p:sldId id="258" r:id="rId4"/>
+    <p:sldId id="260" r:id="rId5"/>
+    <p:sldId id="261" r:id="rId6"/>
+    <p:sldId id="262" r:id="rId7"/>
+    <p:sldId id="263" r:id="rId8"/>
+    <p:sldId id="264" r:id="rId9"/>
+    <p:sldId id="265" r:id="rId10"/>
   </p:sldIdLst>
   <p:sldSz cx="12192000" cy="6858000"/>
   <p:notesSz cx="6858000" cy="9144000"/>
@@ -261,7 +267,7 @@
           <a:p>
             <a:fld id="{7739300F-9869-A44F-827A-987ECC856302}" type="datetimeFigureOut">
               <a:rPr lang="en-US" smtClean="0"/>
-              <a:t>4/2/24</a:t>
+              <a:t>4/7/24</a:t>
             </a:fld>
             <a:endParaRPr lang="en-US"/>
           </a:p>
@@ -459,7 +465,7 @@
           <a:p>
             <a:fld id="{7739300F-9869-A44F-827A-987ECC856302}" type="datetimeFigureOut">
               <a:rPr lang="en-US" smtClean="0"/>
-              <a:t>4/2/24</a:t>
+              <a:t>4/7/24</a:t>
             </a:fld>
             <a:endParaRPr lang="en-US"/>
           </a:p>
@@ -667,7 +673,7 @@
           <a:p>
             <a:fld id="{7739300F-9869-A44F-827A-987ECC856302}" type="datetimeFigureOut">
               <a:rPr lang="en-US" smtClean="0"/>
-              <a:t>4/2/24</a:t>
+              <a:t>4/7/24</a:t>
             </a:fld>
             <a:endParaRPr lang="en-US"/>
           </a:p>
@@ -865,7 +871,7 @@
           <a:p>
             <a:fld id="{7739300F-9869-A44F-827A-987ECC856302}" type="datetimeFigureOut">
               <a:rPr lang="en-US" smtClean="0"/>
-              <a:t>4/2/24</a:t>
+              <a:t>4/7/24</a:t>
             </a:fld>
             <a:endParaRPr lang="en-US"/>
           </a:p>
@@ -1140,7 +1146,7 @@
           <a:p>
             <a:fld id="{7739300F-9869-A44F-827A-987ECC856302}" type="datetimeFigureOut">
               <a:rPr lang="en-US" smtClean="0"/>
-              <a:t>4/2/24</a:t>
+              <a:t>4/7/24</a:t>
             </a:fld>
             <a:endParaRPr lang="en-US"/>
           </a:p>
@@ -1405,7 +1411,7 @@
           <a:p>
             <a:fld id="{7739300F-9869-A44F-827A-987ECC856302}" type="datetimeFigureOut">
               <a:rPr lang="en-US" smtClean="0"/>
-              <a:t>4/2/24</a:t>
+              <a:t>4/7/24</a:t>
             </a:fld>
             <a:endParaRPr lang="en-US"/>
           </a:p>
@@ -1817,7 +1823,7 @@
           <a:p>
             <a:fld id="{7739300F-9869-A44F-827A-987ECC856302}" type="datetimeFigureOut">
               <a:rPr lang="en-US" smtClean="0"/>
-              <a:t>4/2/24</a:t>
+              <a:t>4/7/24</a:t>
             </a:fld>
             <a:endParaRPr lang="en-US"/>
           </a:p>
@@ -1958,7 +1964,7 @@
           <a:p>
             <a:fld id="{7739300F-9869-A44F-827A-987ECC856302}" type="datetimeFigureOut">
               <a:rPr lang="en-US" smtClean="0"/>
-              <a:t>4/2/24</a:t>
+              <a:t>4/7/24</a:t>
             </a:fld>
             <a:endParaRPr lang="en-US"/>
           </a:p>
@@ -2071,7 +2077,7 @@
           <a:p>
             <a:fld id="{7739300F-9869-A44F-827A-987ECC856302}" type="datetimeFigureOut">
               <a:rPr lang="en-US" smtClean="0"/>
-              <a:t>4/2/24</a:t>
+              <a:t>4/7/24</a:t>
             </a:fld>
             <a:endParaRPr lang="en-US"/>
           </a:p>
@@ -2382,7 +2388,7 @@
           <a:p>
             <a:fld id="{7739300F-9869-A44F-827A-987ECC856302}" type="datetimeFigureOut">
               <a:rPr lang="en-US" smtClean="0"/>
-              <a:t>4/2/24</a:t>
+              <a:t>4/7/24</a:t>
             </a:fld>
             <a:endParaRPr lang="en-US"/>
           </a:p>
@@ -2670,7 +2676,7 @@
           <a:p>
             <a:fld id="{7739300F-9869-A44F-827A-987ECC856302}" type="datetimeFigureOut">
               <a:rPr lang="en-US" smtClean="0"/>
-              <a:t>4/2/24</a:t>
+              <a:t>4/7/24</a:t>
             </a:fld>
             <a:endParaRPr lang="en-US"/>
           </a:p>
@@ -2911,7 +2917,7 @@
           <a:p>
             <a:fld id="{7739300F-9869-A44F-827A-987ECC856302}" type="datetimeFigureOut">
               <a:rPr lang="en-US" smtClean="0"/>
-              <a:t>4/2/24</a:t>
+              <a:t>4/7/24</a:t>
             </a:fld>
             <a:endParaRPr lang="en-US"/>
           </a:p>
@@ -5376,60 +5382,1266 @@
           <a:chExt cx="0" cy="0"/>
         </a:xfrm>
       </p:grpSpPr>
+      <p:pic>
+        <p:nvPicPr>
+          <p:cNvPr id="4" name="Picture 3">
+            <a:extLst>
+              <a:ext uri="{FF2B5EF4-FFF2-40B4-BE49-F238E27FC236}">
+                <a16:creationId xmlns:a16="http://schemas.microsoft.com/office/drawing/2014/main" id="{A3C162F9-71DF-6138-3197-690597AEC8D4}"/>
+              </a:ext>
+            </a:extLst>
+          </p:cNvPr>
+          <p:cNvPicPr>
+            <a:picLocks noChangeAspect="1"/>
+          </p:cNvPicPr>
+          <p:nvPr/>
+        </p:nvPicPr>
+        <p:blipFill>
+          <a:blip r:embed="rId2"/>
+          <a:stretch>
+            <a:fillRect/>
+          </a:stretch>
+        </p:blipFill>
+        <p:spPr>
+          <a:xfrm>
+            <a:off x="3676358" y="3999511"/>
+            <a:ext cx="3637248" cy="1762145"/>
+          </a:xfrm>
+          <a:prstGeom prst="rect">
+            <a:avLst/>
+          </a:prstGeom>
+        </p:spPr>
+      </p:pic>
+      <p:pic>
+        <p:nvPicPr>
+          <p:cNvPr id="6" name="Picture 5">
+            <a:extLst>
+              <a:ext uri="{FF2B5EF4-FFF2-40B4-BE49-F238E27FC236}">
+                <a16:creationId xmlns:a16="http://schemas.microsoft.com/office/drawing/2014/main" id="{EF4D6E1C-743B-587E-92CE-95409AFB56C2}"/>
+              </a:ext>
+            </a:extLst>
+          </p:cNvPr>
+          <p:cNvPicPr>
+            <a:picLocks noChangeAspect="1"/>
+          </p:cNvPicPr>
+          <p:nvPr/>
+        </p:nvPicPr>
+        <p:blipFill>
+          <a:blip r:embed="rId3"/>
+          <a:stretch>
+            <a:fillRect/>
+          </a:stretch>
+        </p:blipFill>
+        <p:spPr>
+          <a:xfrm>
+            <a:off x="7055796" y="0"/>
+            <a:ext cx="1369564" cy="1198369"/>
+          </a:xfrm>
+          <a:prstGeom prst="rect">
+            <a:avLst/>
+          </a:prstGeom>
+        </p:spPr>
+      </p:pic>
+      <p:pic>
+        <p:nvPicPr>
+          <p:cNvPr id="7" name="Picture 6">
+            <a:extLst>
+              <a:ext uri="{FF2B5EF4-FFF2-40B4-BE49-F238E27FC236}">
+                <a16:creationId xmlns:a16="http://schemas.microsoft.com/office/drawing/2014/main" id="{144B3434-80DB-117F-3B14-35C279C24ADF}"/>
+              </a:ext>
+            </a:extLst>
+          </p:cNvPr>
+          <p:cNvPicPr>
+            <a:picLocks noChangeAspect="1"/>
+          </p:cNvPicPr>
+          <p:nvPr/>
+        </p:nvPicPr>
+        <p:blipFill>
+          <a:blip r:embed="rId3"/>
+          <a:stretch>
+            <a:fillRect/>
+          </a:stretch>
+        </p:blipFill>
+        <p:spPr>
+          <a:xfrm flipH="1">
+            <a:off x="2057046" y="37048"/>
+            <a:ext cx="1457702" cy="1216559"/>
+          </a:xfrm>
+          <a:prstGeom prst="rect">
+            <a:avLst/>
+          </a:prstGeom>
+        </p:spPr>
+      </p:pic>
+      <p:pic>
+        <p:nvPicPr>
+          <p:cNvPr id="10" name="Picture 9">
+            <a:extLst>
+              <a:ext uri="{FF2B5EF4-FFF2-40B4-BE49-F238E27FC236}">
+                <a16:creationId xmlns:a16="http://schemas.microsoft.com/office/drawing/2014/main" id="{CBD17077-03BB-0483-4A8C-A0A20286F8C8}"/>
+              </a:ext>
+            </a:extLst>
+          </p:cNvPr>
+          <p:cNvPicPr>
+            <a:picLocks noChangeAspect="1"/>
+          </p:cNvPicPr>
+          <p:nvPr/>
+        </p:nvPicPr>
+        <p:blipFill>
+          <a:blip r:embed="rId4"/>
+          <a:stretch>
+            <a:fillRect/>
+          </a:stretch>
+        </p:blipFill>
+        <p:spPr>
+          <a:xfrm rot="16200000">
+            <a:off x="4065086" y="915036"/>
+            <a:ext cx="2566714" cy="2041911"/>
+          </a:xfrm>
+          <a:prstGeom prst="rect">
+            <a:avLst/>
+          </a:prstGeom>
+        </p:spPr>
+      </p:pic>
+      <p:pic>
+        <p:nvPicPr>
+          <p:cNvPr id="12" name="Picture 11">
+            <a:extLst>
+              <a:ext uri="{FF2B5EF4-FFF2-40B4-BE49-F238E27FC236}">
+                <a16:creationId xmlns:a16="http://schemas.microsoft.com/office/drawing/2014/main" id="{EBC5B583-A16E-9F57-D6C0-5C38462CBA56}"/>
+              </a:ext>
+            </a:extLst>
+          </p:cNvPr>
+          <p:cNvPicPr>
+            <a:picLocks noChangeAspect="1"/>
+          </p:cNvPicPr>
+          <p:nvPr/>
+        </p:nvPicPr>
+        <p:blipFill>
+          <a:blip r:embed="rId5"/>
+          <a:stretch>
+            <a:fillRect/>
+          </a:stretch>
+        </p:blipFill>
+        <p:spPr>
+          <a:xfrm>
+            <a:off x="7257229" y="2045930"/>
+            <a:ext cx="1223134" cy="1099748"/>
+          </a:xfrm>
+          <a:prstGeom prst="rect">
+            <a:avLst/>
+          </a:prstGeom>
+        </p:spPr>
+      </p:pic>
+      <p:cxnSp>
+        <p:nvCxnSpPr>
+          <p:cNvPr id="18" name="Elbow Connector 17">
+            <a:extLst>
+              <a:ext uri="{FF2B5EF4-FFF2-40B4-BE49-F238E27FC236}">
+                <a16:creationId xmlns:a16="http://schemas.microsoft.com/office/drawing/2014/main" id="{D77EFBD9-720C-890F-FDE9-BD1D783E49B8}"/>
+              </a:ext>
+            </a:extLst>
+          </p:cNvPr>
+          <p:cNvCxnSpPr/>
+          <p:nvPr/>
+        </p:nvCxnSpPr>
+        <p:spPr>
+          <a:xfrm flipV="1">
+            <a:off x="5697051" y="442415"/>
+            <a:ext cx="1358745" cy="210219"/>
+          </a:xfrm>
+          <a:prstGeom prst="bentConnector3">
+            <a:avLst>
+              <a:gd name="adj1" fmla="val -1226"/>
+            </a:avLst>
+          </a:prstGeom>
+          <a:ln w="31750">
+            <a:solidFill>
+              <a:srgbClr val="FF0000"/>
+            </a:solidFill>
+            <a:tailEnd type="triangle"/>
+          </a:ln>
+        </p:spPr>
+        <p:style>
+          <a:lnRef idx="1">
+            <a:schemeClr val="accent1"/>
+          </a:lnRef>
+          <a:fillRef idx="0">
+            <a:schemeClr val="accent1"/>
+          </a:fillRef>
+          <a:effectRef idx="0">
+            <a:schemeClr val="accent1"/>
+          </a:effectRef>
+          <a:fontRef idx="minor">
+            <a:schemeClr val="tx1"/>
+          </a:fontRef>
+        </p:style>
+      </p:cxnSp>
+      <p:cxnSp>
+        <p:nvCxnSpPr>
+          <p:cNvPr id="21" name="Elbow Connector 20">
+            <a:extLst>
+              <a:ext uri="{FF2B5EF4-FFF2-40B4-BE49-F238E27FC236}">
+                <a16:creationId xmlns:a16="http://schemas.microsoft.com/office/drawing/2014/main" id="{F1106F2B-AFD0-566E-6950-E33835BBAC21}"/>
+              </a:ext>
+            </a:extLst>
+          </p:cNvPr>
+          <p:cNvCxnSpPr/>
+          <p:nvPr/>
+        </p:nvCxnSpPr>
+        <p:spPr>
+          <a:xfrm rot="10800000">
+            <a:off x="3711077" y="375606"/>
+            <a:ext cx="1189965" cy="327546"/>
+          </a:xfrm>
+          <a:prstGeom prst="bentConnector3">
+            <a:avLst>
+              <a:gd name="adj1" fmla="val 4124"/>
+            </a:avLst>
+          </a:prstGeom>
+          <a:ln w="31750">
+            <a:solidFill>
+              <a:srgbClr val="FF0000"/>
+            </a:solidFill>
+            <a:tailEnd type="triangle"/>
+          </a:ln>
+        </p:spPr>
+        <p:style>
+          <a:lnRef idx="1">
+            <a:schemeClr val="accent1"/>
+          </a:lnRef>
+          <a:fillRef idx="0">
+            <a:schemeClr val="accent1"/>
+          </a:fillRef>
+          <a:effectRef idx="0">
+            <a:schemeClr val="accent1"/>
+          </a:effectRef>
+          <a:fontRef idx="minor">
+            <a:schemeClr val="tx1"/>
+          </a:fontRef>
+        </p:style>
+      </p:cxnSp>
+      <p:grpSp>
+        <p:nvGrpSpPr>
+          <p:cNvPr id="41" name="Group 40">
+            <a:extLst>
+              <a:ext uri="{FF2B5EF4-FFF2-40B4-BE49-F238E27FC236}">
+                <a16:creationId xmlns:a16="http://schemas.microsoft.com/office/drawing/2014/main" id="{7649960C-60B5-1C34-0510-FE34C617FF7C}"/>
+              </a:ext>
+            </a:extLst>
+          </p:cNvPr>
+          <p:cNvGrpSpPr/>
+          <p:nvPr/>
+        </p:nvGrpSpPr>
+        <p:grpSpPr>
+          <a:xfrm>
+            <a:off x="6013519" y="1901472"/>
+            <a:ext cx="2337237" cy="1388664"/>
+            <a:chOff x="8936182" y="2462567"/>
+            <a:chExt cx="2337237" cy="1388664"/>
+          </a:xfrm>
+        </p:grpSpPr>
+        <p:cxnSp>
+          <p:nvCxnSpPr>
+            <p:cNvPr id="30" name="Straight Connector 29">
+              <a:extLst>
+                <a:ext uri="{FF2B5EF4-FFF2-40B4-BE49-F238E27FC236}">
+                  <a16:creationId xmlns:a16="http://schemas.microsoft.com/office/drawing/2014/main" id="{4DE54442-2001-8483-0E53-7CFA092D0A5E}"/>
+                </a:ext>
+              </a:extLst>
+            </p:cNvPr>
+            <p:cNvCxnSpPr>
+              <a:cxnSpLocks/>
+            </p:cNvCxnSpPr>
+            <p:nvPr/>
+          </p:nvCxnSpPr>
+          <p:spPr>
+            <a:xfrm>
+              <a:off x="11273419" y="2462567"/>
+              <a:ext cx="0" cy="217579"/>
+            </a:xfrm>
+            <a:prstGeom prst="line">
+              <a:avLst/>
+            </a:prstGeom>
+            <a:ln w="28575">
+              <a:solidFill>
+                <a:schemeClr val="tx1"/>
+              </a:solidFill>
+            </a:ln>
+          </p:spPr>
+          <p:style>
+            <a:lnRef idx="1">
+              <a:schemeClr val="accent1"/>
+            </a:lnRef>
+            <a:fillRef idx="0">
+              <a:schemeClr val="accent1"/>
+            </a:fillRef>
+            <a:effectRef idx="0">
+              <a:schemeClr val="accent1"/>
+            </a:effectRef>
+            <a:fontRef idx="minor">
+              <a:schemeClr val="tx1"/>
+            </a:fontRef>
+          </p:style>
+        </p:cxnSp>
+        <p:cxnSp>
+          <p:nvCxnSpPr>
+            <p:cNvPr id="33" name="Straight Connector 32">
+              <a:extLst>
+                <a:ext uri="{FF2B5EF4-FFF2-40B4-BE49-F238E27FC236}">
+                  <a16:creationId xmlns:a16="http://schemas.microsoft.com/office/drawing/2014/main" id="{398C0F43-6D28-A81B-0DAD-C3CC06B70E26}"/>
+                </a:ext>
+              </a:extLst>
+            </p:cNvPr>
+            <p:cNvCxnSpPr/>
+            <p:nvPr/>
+          </p:nvCxnSpPr>
+          <p:spPr>
+            <a:xfrm>
+              <a:off x="8936182" y="3672254"/>
+              <a:ext cx="0" cy="178977"/>
+            </a:xfrm>
+            <a:prstGeom prst="line">
+              <a:avLst/>
+            </a:prstGeom>
+            <a:ln w="28575">
+              <a:solidFill>
+                <a:schemeClr val="tx1"/>
+              </a:solidFill>
+            </a:ln>
+          </p:spPr>
+          <p:style>
+            <a:lnRef idx="1">
+              <a:schemeClr val="accent1"/>
+            </a:lnRef>
+            <a:fillRef idx="0">
+              <a:schemeClr val="accent1"/>
+            </a:fillRef>
+            <a:effectRef idx="0">
+              <a:schemeClr val="accent1"/>
+            </a:effectRef>
+            <a:fontRef idx="minor">
+              <a:schemeClr val="tx1"/>
+            </a:fontRef>
+          </p:style>
+        </p:cxnSp>
+        <p:cxnSp>
+          <p:nvCxnSpPr>
+            <p:cNvPr id="35" name="Straight Connector 34">
+              <a:extLst>
+                <a:ext uri="{FF2B5EF4-FFF2-40B4-BE49-F238E27FC236}">
+                  <a16:creationId xmlns:a16="http://schemas.microsoft.com/office/drawing/2014/main" id="{6C1A00BE-B838-4715-BD41-B08237A8821C}"/>
+                </a:ext>
+              </a:extLst>
+            </p:cNvPr>
+            <p:cNvCxnSpPr/>
+            <p:nvPr/>
+          </p:nvCxnSpPr>
+          <p:spPr>
+            <a:xfrm>
+              <a:off x="8936182" y="3851231"/>
+              <a:ext cx="1061596" cy="0"/>
+            </a:xfrm>
+            <a:prstGeom prst="line">
+              <a:avLst/>
+            </a:prstGeom>
+            <a:ln w="28575">
+              <a:solidFill>
+                <a:schemeClr val="tx1"/>
+              </a:solidFill>
+            </a:ln>
+          </p:spPr>
+          <p:style>
+            <a:lnRef idx="1">
+              <a:schemeClr val="accent1"/>
+            </a:lnRef>
+            <a:fillRef idx="0">
+              <a:schemeClr val="accent1"/>
+            </a:fillRef>
+            <a:effectRef idx="0">
+              <a:schemeClr val="accent1"/>
+            </a:effectRef>
+            <a:fontRef idx="minor">
+              <a:schemeClr val="tx1"/>
+            </a:fontRef>
+          </p:style>
+        </p:cxnSp>
+        <p:cxnSp>
+          <p:nvCxnSpPr>
+            <p:cNvPr id="37" name="Straight Connector 36">
+              <a:extLst>
+                <a:ext uri="{FF2B5EF4-FFF2-40B4-BE49-F238E27FC236}">
+                  <a16:creationId xmlns:a16="http://schemas.microsoft.com/office/drawing/2014/main" id="{7ED86959-C73F-1834-0AAA-91C5058BC012}"/>
+                </a:ext>
+              </a:extLst>
+            </p:cNvPr>
+            <p:cNvCxnSpPr/>
+            <p:nvPr/>
+          </p:nvCxnSpPr>
+          <p:spPr>
+            <a:xfrm flipV="1">
+              <a:off x="9997778" y="2462567"/>
+              <a:ext cx="0" cy="1388664"/>
+            </a:xfrm>
+            <a:prstGeom prst="line">
+              <a:avLst/>
+            </a:prstGeom>
+            <a:ln w="28575">
+              <a:solidFill>
+                <a:schemeClr val="tx1"/>
+              </a:solidFill>
+            </a:ln>
+          </p:spPr>
+          <p:style>
+            <a:lnRef idx="1">
+              <a:schemeClr val="accent1"/>
+            </a:lnRef>
+            <a:fillRef idx="0">
+              <a:schemeClr val="accent1"/>
+            </a:fillRef>
+            <a:effectRef idx="0">
+              <a:schemeClr val="accent1"/>
+            </a:effectRef>
+            <a:fontRef idx="minor">
+              <a:schemeClr val="tx1"/>
+            </a:fontRef>
+          </p:style>
+        </p:cxnSp>
+        <p:cxnSp>
+          <p:nvCxnSpPr>
+            <p:cNvPr id="39" name="Straight Connector 38">
+              <a:extLst>
+                <a:ext uri="{FF2B5EF4-FFF2-40B4-BE49-F238E27FC236}">
+                  <a16:creationId xmlns:a16="http://schemas.microsoft.com/office/drawing/2014/main" id="{E17A920C-0611-98B9-97C0-B78B19FEF9C0}"/>
+                </a:ext>
+              </a:extLst>
+            </p:cNvPr>
+            <p:cNvCxnSpPr/>
+            <p:nvPr/>
+          </p:nvCxnSpPr>
+          <p:spPr>
+            <a:xfrm>
+              <a:off x="9997778" y="2462567"/>
+              <a:ext cx="1272579" cy="0"/>
+            </a:xfrm>
+            <a:prstGeom prst="line">
+              <a:avLst/>
+            </a:prstGeom>
+            <a:ln w="28575">
+              <a:solidFill>
+                <a:schemeClr val="tx1"/>
+              </a:solidFill>
+            </a:ln>
+          </p:spPr>
+          <p:style>
+            <a:lnRef idx="1">
+              <a:schemeClr val="accent1"/>
+            </a:lnRef>
+            <a:fillRef idx="0">
+              <a:schemeClr val="accent1"/>
+            </a:fillRef>
+            <a:effectRef idx="0">
+              <a:schemeClr val="accent1"/>
+            </a:effectRef>
+            <a:fontRef idx="minor">
+              <a:schemeClr val="tx1"/>
+            </a:fontRef>
+          </p:style>
+        </p:cxnSp>
+      </p:grpSp>
+      <p:grpSp>
+        <p:nvGrpSpPr>
+          <p:cNvPr id="42" name="Group 41">
+            <a:extLst>
+              <a:ext uri="{FF2B5EF4-FFF2-40B4-BE49-F238E27FC236}">
+                <a16:creationId xmlns:a16="http://schemas.microsoft.com/office/drawing/2014/main" id="{F18F99BE-B01D-ED6D-6182-D1356115ED7F}"/>
+              </a:ext>
+            </a:extLst>
+          </p:cNvPr>
+          <p:cNvGrpSpPr/>
+          <p:nvPr/>
+        </p:nvGrpSpPr>
+        <p:grpSpPr>
+          <a:xfrm>
+            <a:off x="5768414" y="2010261"/>
+            <a:ext cx="1695245" cy="1388664"/>
+            <a:chOff x="8936182" y="2462567"/>
+            <a:chExt cx="1695245" cy="1388664"/>
+          </a:xfrm>
+        </p:grpSpPr>
+        <p:cxnSp>
+          <p:nvCxnSpPr>
+            <p:cNvPr id="43" name="Straight Connector 42">
+              <a:extLst>
+                <a:ext uri="{FF2B5EF4-FFF2-40B4-BE49-F238E27FC236}">
+                  <a16:creationId xmlns:a16="http://schemas.microsoft.com/office/drawing/2014/main" id="{1A0596A1-EE89-6FB5-F71F-412469C66A5B}"/>
+                </a:ext>
+              </a:extLst>
+            </p:cNvPr>
+            <p:cNvCxnSpPr>
+              <a:cxnSpLocks/>
+            </p:cNvCxnSpPr>
+            <p:nvPr/>
+          </p:nvCxnSpPr>
+          <p:spPr>
+            <a:xfrm>
+              <a:off x="10613665" y="2462567"/>
+              <a:ext cx="0" cy="217579"/>
+            </a:xfrm>
+            <a:prstGeom prst="line">
+              <a:avLst/>
+            </a:prstGeom>
+            <a:ln w="28575">
+              <a:solidFill>
+                <a:srgbClr val="FF0000"/>
+              </a:solidFill>
+            </a:ln>
+          </p:spPr>
+          <p:style>
+            <a:lnRef idx="1">
+              <a:schemeClr val="accent1"/>
+            </a:lnRef>
+            <a:fillRef idx="0">
+              <a:schemeClr val="accent1"/>
+            </a:fillRef>
+            <a:effectRef idx="0">
+              <a:schemeClr val="accent1"/>
+            </a:effectRef>
+            <a:fontRef idx="minor">
+              <a:schemeClr val="tx1"/>
+            </a:fontRef>
+          </p:style>
+        </p:cxnSp>
+        <p:cxnSp>
+          <p:nvCxnSpPr>
+            <p:cNvPr id="44" name="Straight Connector 43">
+              <a:extLst>
+                <a:ext uri="{FF2B5EF4-FFF2-40B4-BE49-F238E27FC236}">
+                  <a16:creationId xmlns:a16="http://schemas.microsoft.com/office/drawing/2014/main" id="{2C4CC75A-6639-D029-2714-6299022759D6}"/>
+                </a:ext>
+              </a:extLst>
+            </p:cNvPr>
+            <p:cNvCxnSpPr/>
+            <p:nvPr/>
+          </p:nvCxnSpPr>
+          <p:spPr>
+            <a:xfrm>
+              <a:off x="8936182" y="3672254"/>
+              <a:ext cx="0" cy="178977"/>
+            </a:xfrm>
+            <a:prstGeom prst="line">
+              <a:avLst/>
+            </a:prstGeom>
+            <a:ln w="28575">
+              <a:solidFill>
+                <a:srgbClr val="FF0000"/>
+              </a:solidFill>
+            </a:ln>
+          </p:spPr>
+          <p:style>
+            <a:lnRef idx="1">
+              <a:schemeClr val="accent1"/>
+            </a:lnRef>
+            <a:fillRef idx="0">
+              <a:schemeClr val="accent1"/>
+            </a:fillRef>
+            <a:effectRef idx="0">
+              <a:schemeClr val="accent1"/>
+            </a:effectRef>
+            <a:fontRef idx="minor">
+              <a:schemeClr val="tx1"/>
+            </a:fontRef>
+          </p:style>
+        </p:cxnSp>
+        <p:cxnSp>
+          <p:nvCxnSpPr>
+            <p:cNvPr id="45" name="Straight Connector 44">
+              <a:extLst>
+                <a:ext uri="{FF2B5EF4-FFF2-40B4-BE49-F238E27FC236}">
+                  <a16:creationId xmlns:a16="http://schemas.microsoft.com/office/drawing/2014/main" id="{7DFD7C4D-7707-816F-D162-6ED0A7CB4887}"/>
+                </a:ext>
+              </a:extLst>
+            </p:cNvPr>
+            <p:cNvCxnSpPr/>
+            <p:nvPr/>
+          </p:nvCxnSpPr>
+          <p:spPr>
+            <a:xfrm>
+              <a:off x="8936182" y="3851231"/>
+              <a:ext cx="1061596" cy="0"/>
+            </a:xfrm>
+            <a:prstGeom prst="line">
+              <a:avLst/>
+            </a:prstGeom>
+            <a:ln w="28575">
+              <a:solidFill>
+                <a:srgbClr val="FF0000"/>
+              </a:solidFill>
+            </a:ln>
+          </p:spPr>
+          <p:style>
+            <a:lnRef idx="1">
+              <a:schemeClr val="accent1"/>
+            </a:lnRef>
+            <a:fillRef idx="0">
+              <a:schemeClr val="accent1"/>
+            </a:fillRef>
+            <a:effectRef idx="0">
+              <a:schemeClr val="accent1"/>
+            </a:effectRef>
+            <a:fontRef idx="minor">
+              <a:schemeClr val="tx1"/>
+            </a:fontRef>
+          </p:style>
+        </p:cxnSp>
+        <p:cxnSp>
+          <p:nvCxnSpPr>
+            <p:cNvPr id="46" name="Straight Connector 45">
+              <a:extLst>
+                <a:ext uri="{FF2B5EF4-FFF2-40B4-BE49-F238E27FC236}">
+                  <a16:creationId xmlns:a16="http://schemas.microsoft.com/office/drawing/2014/main" id="{6A45635C-82C4-6CAE-4EEF-AD1111B1A790}"/>
+                </a:ext>
+              </a:extLst>
+            </p:cNvPr>
+            <p:cNvCxnSpPr/>
+            <p:nvPr/>
+          </p:nvCxnSpPr>
+          <p:spPr>
+            <a:xfrm flipV="1">
+              <a:off x="9997778" y="2462567"/>
+              <a:ext cx="0" cy="1388664"/>
+            </a:xfrm>
+            <a:prstGeom prst="line">
+              <a:avLst/>
+            </a:prstGeom>
+            <a:ln w="28575">
+              <a:solidFill>
+                <a:srgbClr val="FF0000"/>
+              </a:solidFill>
+            </a:ln>
+          </p:spPr>
+          <p:style>
+            <a:lnRef idx="1">
+              <a:schemeClr val="accent1"/>
+            </a:lnRef>
+            <a:fillRef idx="0">
+              <a:schemeClr val="accent1"/>
+            </a:fillRef>
+            <a:effectRef idx="0">
+              <a:schemeClr val="accent1"/>
+            </a:effectRef>
+            <a:fontRef idx="minor">
+              <a:schemeClr val="tx1"/>
+            </a:fontRef>
+          </p:style>
+        </p:cxnSp>
+        <p:cxnSp>
+          <p:nvCxnSpPr>
+            <p:cNvPr id="47" name="Straight Connector 46">
+              <a:extLst>
+                <a:ext uri="{FF2B5EF4-FFF2-40B4-BE49-F238E27FC236}">
+                  <a16:creationId xmlns:a16="http://schemas.microsoft.com/office/drawing/2014/main" id="{6085430B-7739-044A-C1F7-ACDA8182DDE1}"/>
+                </a:ext>
+              </a:extLst>
+            </p:cNvPr>
+            <p:cNvCxnSpPr>
+              <a:cxnSpLocks/>
+            </p:cNvCxnSpPr>
+            <p:nvPr/>
+          </p:nvCxnSpPr>
+          <p:spPr>
+            <a:xfrm>
+              <a:off x="9997778" y="2462567"/>
+              <a:ext cx="633649" cy="0"/>
+            </a:xfrm>
+            <a:prstGeom prst="line">
+              <a:avLst/>
+            </a:prstGeom>
+            <a:ln w="28575">
+              <a:solidFill>
+                <a:srgbClr val="FF0000"/>
+              </a:solidFill>
+            </a:ln>
+          </p:spPr>
+          <p:style>
+            <a:lnRef idx="1">
+              <a:schemeClr val="accent1"/>
+            </a:lnRef>
+            <a:fillRef idx="0">
+              <a:schemeClr val="accent1"/>
+            </a:fillRef>
+            <a:effectRef idx="0">
+              <a:schemeClr val="accent1"/>
+            </a:effectRef>
+            <a:fontRef idx="minor">
+              <a:schemeClr val="tx1"/>
+            </a:fontRef>
+          </p:style>
+        </p:cxnSp>
+      </p:grpSp>
       <p:sp>
         <p:nvSpPr>
-          <p:cNvPr id="2" name="Title 1">
-            <a:extLst>
-              <a:ext uri="{FF2B5EF4-FFF2-40B4-BE49-F238E27FC236}">
-                <a16:creationId xmlns:a16="http://schemas.microsoft.com/office/drawing/2014/main" id="{B66E113D-E228-DD43-0341-7070966817FC}"/>
-              </a:ext>
-            </a:extLst>
-          </p:cNvPr>
-          <p:cNvSpPr>
-            <a:spLocks noGrp="1"/>
-          </p:cNvSpPr>
-          <p:nvPr>
-            <p:ph type="title"/>
-          </p:nvPr>
+          <p:cNvPr id="49" name="TextBox 48">
+            <a:extLst>
+              <a:ext uri="{FF2B5EF4-FFF2-40B4-BE49-F238E27FC236}">
+                <a16:creationId xmlns:a16="http://schemas.microsoft.com/office/drawing/2014/main" id="{007AD2FD-D6ED-D689-B219-D1869C48926D}"/>
+              </a:ext>
+            </a:extLst>
+          </p:cNvPr>
+          <p:cNvSpPr txBox="1"/>
+          <p:nvPr/>
         </p:nvSpPr>
-        <p:spPr/>
+        <p:spPr>
+          <a:xfrm>
+            <a:off x="7315232" y="3168092"/>
+            <a:ext cx="1032462" cy="461665"/>
+          </a:xfrm>
+          <a:prstGeom prst="rect">
+            <a:avLst/>
+          </a:prstGeom>
+          <a:noFill/>
+        </p:spPr>
         <p:txBody>
-          <a:bodyPr/>
+          <a:bodyPr wrap="none" rtlCol="0">
+            <a:spAutoFit/>
+          </a:bodyPr>
           <a:lstStyle/>
           <a:p>
-            <a:endParaRPr lang="en-US"/>
+            <a:pPr algn="ctr"/>
+            <a:r>
+              <a:rPr lang="en-US" sz="1200" dirty="0"/>
+              <a:t>24V-DC</a:t>
+            </a:r>
+          </a:p>
+          <a:p>
+            <a:pPr algn="ctr"/>
+            <a:r>
+              <a:rPr lang="en-US" sz="1200" dirty="0"/>
+              <a:t>Power Supply</a:t>
+            </a:r>
           </a:p>
         </p:txBody>
       </p:sp>
       <p:sp>
         <p:nvSpPr>
-          <p:cNvPr id="3" name="Content Placeholder 2">
-            <a:extLst>
-              <a:ext uri="{FF2B5EF4-FFF2-40B4-BE49-F238E27FC236}">
-                <a16:creationId xmlns:a16="http://schemas.microsoft.com/office/drawing/2014/main" id="{0E469529-995B-DF3C-8BB6-0F34E7FF76AC}"/>
-              </a:ext>
-            </a:extLst>
-          </p:cNvPr>
-          <p:cNvSpPr>
-            <a:spLocks noGrp="1"/>
-          </p:cNvSpPr>
-          <p:nvPr>
-            <p:ph idx="1"/>
-          </p:nvPr>
+          <p:cNvPr id="50" name="TextBox 49">
+            <a:extLst>
+              <a:ext uri="{FF2B5EF4-FFF2-40B4-BE49-F238E27FC236}">
+                <a16:creationId xmlns:a16="http://schemas.microsoft.com/office/drawing/2014/main" id="{19E939FB-2737-460A-2743-B4E4090CEF40}"/>
+              </a:ext>
+            </a:extLst>
+          </p:cNvPr>
+          <p:cNvSpPr txBox="1"/>
+          <p:nvPr/>
         </p:nvSpPr>
-        <p:spPr/>
+        <p:spPr>
+          <a:xfrm>
+            <a:off x="7448914" y="1129963"/>
+            <a:ext cx="1061957" cy="276999"/>
+          </a:xfrm>
+          <a:prstGeom prst="rect">
+            <a:avLst/>
+          </a:prstGeom>
+          <a:noFill/>
+        </p:spPr>
         <p:txBody>
-          <a:bodyPr/>
+          <a:bodyPr wrap="none" rtlCol="0">
+            <a:spAutoFit/>
+          </a:bodyPr>
           <a:lstStyle/>
           <a:p>
-            <a:endParaRPr lang="en-US"/>
+            <a:pPr algn="ctr"/>
+            <a:r>
+              <a:rPr lang="en-US" sz="1200" dirty="0"/>
+              <a:t>24V-DC-250W</a:t>
+            </a:r>
+          </a:p>
+        </p:txBody>
+      </p:sp>
+      <p:sp>
+        <p:nvSpPr>
+          <p:cNvPr id="51" name="TextBox 50">
+            <a:extLst>
+              <a:ext uri="{FF2B5EF4-FFF2-40B4-BE49-F238E27FC236}">
+                <a16:creationId xmlns:a16="http://schemas.microsoft.com/office/drawing/2014/main" id="{627D5039-FC7D-D131-B00E-03840AE45A5E}"/>
+              </a:ext>
+            </a:extLst>
+          </p:cNvPr>
+          <p:cNvSpPr txBox="1"/>
+          <p:nvPr/>
+        </p:nvSpPr>
+        <p:spPr>
+          <a:xfrm>
+            <a:off x="2092061" y="1218988"/>
+            <a:ext cx="1061957" cy="276999"/>
+          </a:xfrm>
+          <a:prstGeom prst="rect">
+            <a:avLst/>
+          </a:prstGeom>
+          <a:noFill/>
+        </p:spPr>
+        <p:txBody>
+          <a:bodyPr wrap="none" rtlCol="0">
+            <a:spAutoFit/>
+          </a:bodyPr>
+          <a:lstStyle/>
+          <a:p>
+            <a:pPr algn="ctr"/>
+            <a:r>
+              <a:rPr lang="en-US" sz="1200" dirty="0"/>
+              <a:t>24V-DC-250W</a:t>
+            </a:r>
+          </a:p>
+        </p:txBody>
+      </p:sp>
+      <p:cxnSp>
+        <p:nvCxnSpPr>
+          <p:cNvPr id="53" name="Straight Connector 52">
+            <a:extLst>
+              <a:ext uri="{FF2B5EF4-FFF2-40B4-BE49-F238E27FC236}">
+                <a16:creationId xmlns:a16="http://schemas.microsoft.com/office/drawing/2014/main" id="{536DD049-59E2-A171-8A2A-A97E8244D263}"/>
+              </a:ext>
+            </a:extLst>
+          </p:cNvPr>
+          <p:cNvCxnSpPr/>
+          <p:nvPr/>
+        </p:nvCxnSpPr>
+        <p:spPr>
+          <a:xfrm>
+            <a:off x="4686917" y="2797301"/>
+            <a:ext cx="0" cy="266978"/>
+          </a:xfrm>
+          <a:prstGeom prst="line">
+            <a:avLst/>
+          </a:prstGeom>
+          <a:ln w="28575">
+            <a:solidFill>
+              <a:srgbClr val="FF0000"/>
+            </a:solidFill>
+          </a:ln>
+        </p:spPr>
+        <p:style>
+          <a:lnRef idx="1">
+            <a:schemeClr val="accent1"/>
+          </a:lnRef>
+          <a:fillRef idx="0">
+            <a:schemeClr val="accent1"/>
+          </a:fillRef>
+          <a:effectRef idx="0">
+            <a:schemeClr val="accent1"/>
+          </a:effectRef>
+          <a:fontRef idx="minor">
+            <a:schemeClr val="tx1"/>
+          </a:fontRef>
+        </p:style>
+      </p:cxnSp>
+      <p:cxnSp>
+        <p:nvCxnSpPr>
+          <p:cNvPr id="54" name="Straight Connector 53">
+            <a:extLst>
+              <a:ext uri="{FF2B5EF4-FFF2-40B4-BE49-F238E27FC236}">
+                <a16:creationId xmlns:a16="http://schemas.microsoft.com/office/drawing/2014/main" id="{2446225E-0C2A-1E8C-CC9F-7DBD19436AFD}"/>
+              </a:ext>
+            </a:extLst>
+          </p:cNvPr>
+          <p:cNvCxnSpPr/>
+          <p:nvPr/>
+        </p:nvCxnSpPr>
+        <p:spPr>
+          <a:xfrm>
+            <a:off x="5047337" y="2797463"/>
+            <a:ext cx="0" cy="266978"/>
+          </a:xfrm>
+          <a:prstGeom prst="line">
+            <a:avLst/>
+          </a:prstGeom>
+          <a:ln w="28575">
+            <a:solidFill>
+              <a:schemeClr val="tx1"/>
+            </a:solidFill>
+          </a:ln>
+        </p:spPr>
+        <p:style>
+          <a:lnRef idx="1">
+            <a:schemeClr val="accent1"/>
+          </a:lnRef>
+          <a:fillRef idx="0">
+            <a:schemeClr val="accent1"/>
+          </a:fillRef>
+          <a:effectRef idx="0">
+            <a:schemeClr val="accent1"/>
+          </a:effectRef>
+          <a:fontRef idx="minor">
+            <a:schemeClr val="tx1"/>
+          </a:fontRef>
+        </p:style>
+      </p:cxnSp>
+      <p:sp>
+        <p:nvSpPr>
+          <p:cNvPr id="55" name="TextBox 54">
+            <a:extLst>
+              <a:ext uri="{FF2B5EF4-FFF2-40B4-BE49-F238E27FC236}">
+                <a16:creationId xmlns:a16="http://schemas.microsoft.com/office/drawing/2014/main" id="{AD207995-6AFC-FD70-2561-EAFBDF62DC7F}"/>
+              </a:ext>
+            </a:extLst>
+          </p:cNvPr>
+          <p:cNvSpPr txBox="1"/>
+          <p:nvPr/>
+        </p:nvSpPr>
+        <p:spPr>
+          <a:xfrm>
+            <a:off x="4284705" y="2910512"/>
+            <a:ext cx="426720" cy="276999"/>
+          </a:xfrm>
+          <a:prstGeom prst="rect">
+            <a:avLst/>
+          </a:prstGeom>
+          <a:noFill/>
+        </p:spPr>
+        <p:txBody>
+          <a:bodyPr wrap="none" rtlCol="0">
+            <a:spAutoFit/>
+          </a:bodyPr>
+          <a:lstStyle/>
+          <a:p>
+            <a:pPr algn="ctr"/>
+            <a:r>
+              <a:rPr lang="en-US" sz="1200" dirty="0"/>
+              <a:t>+5V</a:t>
+            </a:r>
+          </a:p>
+        </p:txBody>
+      </p:sp>
+      <p:sp>
+        <p:nvSpPr>
+          <p:cNvPr id="56" name="TextBox 55">
+            <a:extLst>
+              <a:ext uri="{FF2B5EF4-FFF2-40B4-BE49-F238E27FC236}">
+                <a16:creationId xmlns:a16="http://schemas.microsoft.com/office/drawing/2014/main" id="{B2423412-42D1-8B33-7F61-CB221C640B97}"/>
+              </a:ext>
+            </a:extLst>
+          </p:cNvPr>
+          <p:cNvSpPr txBox="1"/>
+          <p:nvPr/>
+        </p:nvSpPr>
+        <p:spPr>
+          <a:xfrm>
+            <a:off x="5028566" y="2926557"/>
+            <a:ext cx="476412" cy="276999"/>
+          </a:xfrm>
+          <a:prstGeom prst="rect">
+            <a:avLst/>
+          </a:prstGeom>
+          <a:noFill/>
+        </p:spPr>
+        <p:txBody>
+          <a:bodyPr wrap="none" rtlCol="0">
+            <a:spAutoFit/>
+          </a:bodyPr>
+          <a:lstStyle/>
+          <a:p>
+            <a:pPr algn="ctr"/>
+            <a:r>
+              <a:rPr lang="en-US" sz="1200" dirty="0"/>
+              <a:t>GND</a:t>
+            </a:r>
+          </a:p>
+        </p:txBody>
+      </p:sp>
+      <p:cxnSp>
+        <p:nvCxnSpPr>
+          <p:cNvPr id="60" name="Straight Arrow Connector 59">
+            <a:extLst>
+              <a:ext uri="{FF2B5EF4-FFF2-40B4-BE49-F238E27FC236}">
+                <a16:creationId xmlns:a16="http://schemas.microsoft.com/office/drawing/2014/main" id="{2D80CFE5-1E1A-3D74-0B07-6D30C346CE13}"/>
+              </a:ext>
+            </a:extLst>
+          </p:cNvPr>
+          <p:cNvCxnSpPr/>
+          <p:nvPr/>
+        </p:nvCxnSpPr>
+        <p:spPr>
+          <a:xfrm flipV="1">
+            <a:off x="4845771" y="2910512"/>
+            <a:ext cx="0" cy="1247993"/>
+          </a:xfrm>
+          <a:prstGeom prst="straightConnector1">
+            <a:avLst/>
+          </a:prstGeom>
+          <a:ln w="57150">
+            <a:solidFill>
+              <a:srgbClr val="00B050"/>
+            </a:solidFill>
+            <a:tailEnd type="triangle"/>
+          </a:ln>
+        </p:spPr>
+        <p:style>
+          <a:lnRef idx="1">
+            <a:schemeClr val="accent1"/>
+          </a:lnRef>
+          <a:fillRef idx="0">
+            <a:schemeClr val="accent1"/>
+          </a:fillRef>
+          <a:effectRef idx="0">
+            <a:schemeClr val="accent1"/>
+          </a:effectRef>
+          <a:fontRef idx="minor">
+            <a:schemeClr val="tx1"/>
+          </a:fontRef>
+        </p:style>
+      </p:cxnSp>
+      <p:pic>
+        <p:nvPicPr>
+          <p:cNvPr id="5" name="Picture 4">
+            <a:extLst>
+              <a:ext uri="{FF2B5EF4-FFF2-40B4-BE49-F238E27FC236}">
+                <a16:creationId xmlns:a16="http://schemas.microsoft.com/office/drawing/2014/main" id="{DC36ED78-6D07-0744-ECB0-467D591F8C31}"/>
+              </a:ext>
+            </a:extLst>
+          </p:cNvPr>
+          <p:cNvPicPr>
+            <a:picLocks noChangeAspect="1"/>
+          </p:cNvPicPr>
+          <p:nvPr/>
+        </p:nvPicPr>
+        <p:blipFill>
+          <a:blip r:embed="rId6"/>
+          <a:stretch>
+            <a:fillRect/>
+          </a:stretch>
+        </p:blipFill>
+        <p:spPr>
+          <a:xfrm rot="5400000">
+            <a:off x="8218517" y="3629757"/>
+            <a:ext cx="3016343" cy="3016343"/>
+          </a:xfrm>
+          <a:prstGeom prst="rect">
+            <a:avLst/>
+          </a:prstGeom>
+        </p:spPr>
+      </p:pic>
+      <p:cxnSp>
+        <p:nvCxnSpPr>
+          <p:cNvPr id="14" name="Straight Arrow Connector 13">
+            <a:extLst>
+              <a:ext uri="{FF2B5EF4-FFF2-40B4-BE49-F238E27FC236}">
+                <a16:creationId xmlns:a16="http://schemas.microsoft.com/office/drawing/2014/main" id="{9D887D2F-C4B2-0D8F-ABBB-D3841F9B13B9}"/>
+              </a:ext>
+            </a:extLst>
+          </p:cNvPr>
+          <p:cNvCxnSpPr>
+            <a:cxnSpLocks/>
+          </p:cNvCxnSpPr>
+          <p:nvPr/>
+        </p:nvCxnSpPr>
+        <p:spPr>
+          <a:xfrm flipH="1">
+            <a:off x="7396015" y="4880583"/>
+            <a:ext cx="1805135" cy="0"/>
+          </a:xfrm>
+          <a:prstGeom prst="straightConnector1">
+            <a:avLst/>
+          </a:prstGeom>
+          <a:ln w="57150">
+            <a:solidFill>
+              <a:srgbClr val="00B050"/>
+            </a:solidFill>
+            <a:tailEnd type="triangle"/>
+          </a:ln>
+        </p:spPr>
+        <p:style>
+          <a:lnRef idx="1">
+            <a:schemeClr val="accent1"/>
+          </a:lnRef>
+          <a:fillRef idx="0">
+            <a:schemeClr val="accent1"/>
+          </a:fillRef>
+          <a:effectRef idx="0">
+            <a:schemeClr val="accent1"/>
+          </a:effectRef>
+          <a:fontRef idx="minor">
+            <a:schemeClr val="tx1"/>
+          </a:fontRef>
+        </p:style>
+      </p:cxnSp>
+      <p:sp>
+        <p:nvSpPr>
+          <p:cNvPr id="17" name="TextBox 16">
+            <a:extLst>
+              <a:ext uri="{FF2B5EF4-FFF2-40B4-BE49-F238E27FC236}">
+                <a16:creationId xmlns:a16="http://schemas.microsoft.com/office/drawing/2014/main" id="{C14A9DA1-88DE-7688-E232-2FD61412B667}"/>
+              </a:ext>
+            </a:extLst>
+          </p:cNvPr>
+          <p:cNvSpPr txBox="1"/>
+          <p:nvPr/>
+        </p:nvSpPr>
+        <p:spPr>
+          <a:xfrm>
+            <a:off x="4887277" y="3551447"/>
+            <a:ext cx="2252484" cy="646331"/>
+          </a:xfrm>
+          <a:prstGeom prst="rect">
+            <a:avLst/>
+          </a:prstGeom>
+          <a:noFill/>
+        </p:spPr>
+        <p:txBody>
+          <a:bodyPr wrap="square" rtlCol="0">
+            <a:spAutoFit/>
+          </a:bodyPr>
+          <a:lstStyle/>
+          <a:p>
+            <a:pPr algn="ctr"/>
+            <a:r>
+              <a:rPr lang="en-US" sz="1200" dirty="0" err="1"/>
+              <a:t>enaA</a:t>
+            </a:r>
+            <a:r>
+              <a:rPr lang="en-US" sz="1200" dirty="0"/>
+              <a:t>   –   A2    </a:t>
+            </a:r>
+            <a:r>
+              <a:rPr lang="en-US" sz="1200" dirty="0" err="1"/>
+              <a:t>enaB</a:t>
+            </a:r>
+            <a:r>
+              <a:rPr lang="en-US" sz="1200" dirty="0"/>
+              <a:t>   –   A3  </a:t>
+            </a:r>
+          </a:p>
+          <a:p>
+            <a:pPr algn="ctr"/>
+            <a:r>
+              <a:rPr lang="en-US" sz="1200" dirty="0"/>
+              <a:t>out1    –   12    out3     –  10</a:t>
+            </a:r>
+            <a:br>
+              <a:rPr lang="en-US" sz="1200" dirty="0"/>
+            </a:br>
+            <a:r>
+              <a:rPr lang="en-US" sz="1200" dirty="0"/>
+              <a:t>out2    –   11    out4     –  9</a:t>
+            </a:r>
+            <a:endParaRPr lang="en-US" dirty="0"/>
+          </a:p>
+        </p:txBody>
+      </p:sp>
+      <p:sp>
+        <p:nvSpPr>
+          <p:cNvPr id="2" name="TextBox 1">
+            <a:extLst>
+              <a:ext uri="{FF2B5EF4-FFF2-40B4-BE49-F238E27FC236}">
+                <a16:creationId xmlns:a16="http://schemas.microsoft.com/office/drawing/2014/main" id="{8A1F87C5-754C-A6C7-2E31-5AE37192A9FD}"/>
+              </a:ext>
+            </a:extLst>
+          </p:cNvPr>
+          <p:cNvSpPr txBox="1"/>
+          <p:nvPr/>
+        </p:nvSpPr>
+        <p:spPr>
+          <a:xfrm>
+            <a:off x="7095515" y="5205983"/>
+            <a:ext cx="2291373" cy="1015663"/>
+          </a:xfrm>
+          <a:prstGeom prst="rect">
+            <a:avLst/>
+          </a:prstGeom>
+          <a:noFill/>
+        </p:spPr>
+        <p:txBody>
+          <a:bodyPr wrap="square" rtlCol="0">
+            <a:spAutoFit/>
+          </a:bodyPr>
+          <a:lstStyle/>
+          <a:p>
+            <a:pPr algn="ctr"/>
+            <a:r>
+              <a:rPr lang="en-US" sz="1200" dirty="0"/>
+              <a:t>8 - </a:t>
+            </a:r>
+            <a:r>
+              <a:rPr lang="vi-VN" sz="1200" dirty="0"/>
+              <a:t>lineSensor1</a:t>
+            </a:r>
+            <a:r>
+              <a:rPr lang="en-US" sz="1200" dirty="0"/>
+              <a:t> </a:t>
+            </a:r>
+          </a:p>
+          <a:p>
+            <a:pPr algn="ctr"/>
+            <a:r>
+              <a:rPr lang="en-US" sz="1200" dirty="0"/>
+              <a:t>7 - </a:t>
+            </a:r>
+            <a:r>
+              <a:rPr lang="vi-VN" sz="1200" dirty="0"/>
+              <a:t>lineSensor2</a:t>
+            </a:r>
+          </a:p>
+          <a:p>
+            <a:pPr algn="ctr"/>
+            <a:r>
+              <a:rPr lang="vi-VN" sz="1200" dirty="0"/>
+              <a:t>6 - lineSensor3</a:t>
+            </a:r>
+          </a:p>
+          <a:p>
+            <a:pPr algn="ctr"/>
+            <a:r>
+              <a:rPr lang="vi-VN" sz="1200" dirty="0"/>
+              <a:t>5 – lineSensor4</a:t>
+            </a:r>
+          </a:p>
+          <a:p>
+            <a:pPr algn="ctr"/>
+            <a:r>
+              <a:rPr lang="vi-VN" sz="1200" dirty="0"/>
+              <a:t>4 – lineSensor5</a:t>
+            </a:r>
+          </a:p>
+        </p:txBody>
+      </p:sp>
+      <p:sp>
+        <p:nvSpPr>
+          <p:cNvPr id="19" name="TextBox 18">
+            <a:extLst>
+              <a:ext uri="{FF2B5EF4-FFF2-40B4-BE49-F238E27FC236}">
+                <a16:creationId xmlns:a16="http://schemas.microsoft.com/office/drawing/2014/main" id="{28F725A1-BFDD-8CA5-E94C-DC3E06CE1FED}"/>
+              </a:ext>
+            </a:extLst>
+          </p:cNvPr>
+          <p:cNvSpPr txBox="1"/>
+          <p:nvPr/>
+        </p:nvSpPr>
+        <p:spPr>
+          <a:xfrm>
+            <a:off x="8581001" y="3332972"/>
+            <a:ext cx="2291373" cy="461665"/>
+          </a:xfrm>
+          <a:prstGeom prst="rect">
+            <a:avLst/>
+          </a:prstGeom>
+          <a:noFill/>
+        </p:spPr>
+        <p:txBody>
+          <a:bodyPr wrap="square" rtlCol="0">
+            <a:spAutoFit/>
+          </a:bodyPr>
+          <a:lstStyle/>
+          <a:p>
+            <a:pPr algn="ctr"/>
+            <a:r>
+              <a:rPr lang="vi-VN" sz="1200" dirty="0"/>
+              <a:t>5 Channel Infrared Reflective Sensor TCRT5000</a:t>
+            </a:r>
           </a:p>
         </p:txBody>
       </p:sp>
     </p:spTree>
     <p:extLst>
       <p:ext uri="{BB962C8B-B14F-4D97-AF65-F5344CB8AC3E}">
-        <p14:creationId xmlns:p14="http://schemas.microsoft.com/office/powerpoint/2010/main" val="1694846330"/>
+        <p14:creationId xmlns:p14="http://schemas.microsoft.com/office/powerpoint/2010/main" val="1841422122"/>
       </p:ext>
     </p:extLst>
   </p:cSld>
@@ -5458,105 +6670,4825 @@
       </p:grpSpPr>
       <p:sp>
         <p:nvSpPr>
-          <p:cNvPr id="2" name="Title 1">
-            <a:extLst>
-              <a:ext uri="{FF2B5EF4-FFF2-40B4-BE49-F238E27FC236}">
-                <a16:creationId xmlns:a16="http://schemas.microsoft.com/office/drawing/2014/main" id="{AC082B78-8BD0-685B-AC79-9127FD41FC6A}"/>
-              </a:ext>
-            </a:extLst>
-          </p:cNvPr>
-          <p:cNvSpPr>
-            <a:spLocks noGrp="1"/>
-          </p:cNvSpPr>
-          <p:nvPr>
-            <p:ph type="title"/>
-          </p:nvPr>
+          <p:cNvPr id="25" name="Rectangle 24">
+            <a:extLst>
+              <a:ext uri="{FF2B5EF4-FFF2-40B4-BE49-F238E27FC236}">
+                <a16:creationId xmlns:a16="http://schemas.microsoft.com/office/drawing/2014/main" id="{581054B6-C88C-473D-D174-0CF9AB7EA6E9}"/>
+              </a:ext>
+            </a:extLst>
+          </p:cNvPr>
+          <p:cNvSpPr/>
+          <p:nvPr/>
         </p:nvSpPr>
-        <p:spPr/>
+        <p:spPr>
+          <a:xfrm>
+            <a:off x="3558204" y="571501"/>
+            <a:ext cx="317883" cy="4371975"/>
+          </a:xfrm>
+          <a:prstGeom prst="rect">
+            <a:avLst/>
+          </a:prstGeom>
+        </p:spPr>
+        <p:style>
+          <a:lnRef idx="2">
+            <a:schemeClr val="dk1">
+              <a:shade val="15000"/>
+            </a:schemeClr>
+          </a:lnRef>
+          <a:fillRef idx="1">
+            <a:schemeClr val="dk1"/>
+          </a:fillRef>
+          <a:effectRef idx="0">
+            <a:schemeClr val="dk1"/>
+          </a:effectRef>
+          <a:fontRef idx="minor">
+            <a:schemeClr val="lt1"/>
+          </a:fontRef>
+        </p:style>
         <p:txBody>
-          <a:bodyPr/>
+          <a:bodyPr rtlCol="0" anchor="ctr"/>
           <a:lstStyle/>
           <a:p>
+            <a:pPr algn="ctr"/>
+            <a:endParaRPr lang="en-US" dirty="0"/>
+          </a:p>
+        </p:txBody>
+      </p:sp>
+      <p:grpSp>
+        <p:nvGrpSpPr>
+          <p:cNvPr id="24" name="Group 23">
+            <a:extLst>
+              <a:ext uri="{FF2B5EF4-FFF2-40B4-BE49-F238E27FC236}">
+                <a16:creationId xmlns:a16="http://schemas.microsoft.com/office/drawing/2014/main" id="{C6471F5F-37DF-2D29-7157-10209CD7664B}"/>
+              </a:ext>
+            </a:extLst>
+          </p:cNvPr>
+          <p:cNvGrpSpPr/>
+          <p:nvPr/>
+        </p:nvGrpSpPr>
+        <p:grpSpPr>
+          <a:xfrm>
+            <a:off x="1326372" y="1947744"/>
+            <a:ext cx="4769628" cy="2419588"/>
+            <a:chOff x="3501636" y="537925"/>
+            <a:chExt cx="4769628" cy="2419588"/>
+          </a:xfrm>
+        </p:grpSpPr>
+        <p:sp>
+          <p:nvSpPr>
+            <p:cNvPr id="5" name="Rectangle 4">
+              <a:extLst>
+                <a:ext uri="{FF2B5EF4-FFF2-40B4-BE49-F238E27FC236}">
+                  <a16:creationId xmlns:a16="http://schemas.microsoft.com/office/drawing/2014/main" id="{FA1DDE33-5BA6-46BF-F154-D4427F977AC5}"/>
+                </a:ext>
+              </a:extLst>
+            </p:cNvPr>
+            <p:cNvSpPr/>
+            <p:nvPr/>
+          </p:nvSpPr>
+          <p:spPr>
+            <a:xfrm>
+              <a:off x="3501636" y="1343025"/>
+              <a:ext cx="4769628" cy="1614488"/>
+            </a:xfrm>
+            <a:prstGeom prst="rect">
+              <a:avLst/>
+            </a:prstGeom>
+            <a:solidFill>
+              <a:srgbClr val="00B0F0"/>
+            </a:solidFill>
+          </p:spPr>
+          <p:style>
+            <a:lnRef idx="2">
+              <a:schemeClr val="accent1">
+                <a:shade val="15000"/>
+              </a:schemeClr>
+            </a:lnRef>
+            <a:fillRef idx="1">
+              <a:schemeClr val="accent1"/>
+            </a:fillRef>
+            <a:effectRef idx="0">
+              <a:schemeClr val="accent1"/>
+            </a:effectRef>
+            <a:fontRef idx="minor">
+              <a:schemeClr val="lt1"/>
+            </a:fontRef>
+          </p:style>
+          <p:txBody>
+            <a:bodyPr rtlCol="0" anchor="ctr"/>
+            <a:lstStyle/>
+            <a:p>
+              <a:pPr algn="ctr"/>
+              <a:r>
+                <a:rPr lang="en-US" dirty="0"/>
+                <a:t>Wheelchair</a:t>
+              </a:r>
+            </a:p>
+          </p:txBody>
+        </p:sp>
+        <p:sp>
+          <p:nvSpPr>
+            <p:cNvPr id="10" name="Oval 9">
+              <a:extLst>
+                <a:ext uri="{FF2B5EF4-FFF2-40B4-BE49-F238E27FC236}">
+                  <a16:creationId xmlns:a16="http://schemas.microsoft.com/office/drawing/2014/main" id="{603F5B72-382A-B558-FEC4-18ED60FC2C3C}"/>
+                </a:ext>
+              </a:extLst>
+            </p:cNvPr>
+            <p:cNvSpPr/>
+            <p:nvPr/>
+          </p:nvSpPr>
+          <p:spPr>
+            <a:xfrm>
+              <a:off x="3695716" y="942975"/>
+              <a:ext cx="419100" cy="400050"/>
+            </a:xfrm>
+            <a:prstGeom prst="ellipse">
+              <a:avLst/>
+            </a:prstGeom>
+            <a:solidFill>
+              <a:schemeClr val="accent2"/>
+            </a:solidFill>
+          </p:spPr>
+          <p:style>
+            <a:lnRef idx="2">
+              <a:schemeClr val="accent1">
+                <a:shade val="15000"/>
+              </a:schemeClr>
+            </a:lnRef>
+            <a:fillRef idx="1">
+              <a:schemeClr val="accent1"/>
+            </a:fillRef>
+            <a:effectRef idx="0">
+              <a:schemeClr val="accent1"/>
+            </a:effectRef>
+            <a:fontRef idx="minor">
+              <a:schemeClr val="lt1"/>
+            </a:fontRef>
+          </p:style>
+          <p:txBody>
+            <a:bodyPr rtlCol="0" anchor="ctr"/>
+            <a:lstStyle/>
+            <a:p>
+              <a:pPr algn="ctr"/>
+              <a:endParaRPr lang="en-US" dirty="0"/>
+            </a:p>
+          </p:txBody>
+        </p:sp>
+        <p:sp>
+          <p:nvSpPr>
+            <p:cNvPr id="13" name="Oval 12">
+              <a:extLst>
+                <a:ext uri="{FF2B5EF4-FFF2-40B4-BE49-F238E27FC236}">
+                  <a16:creationId xmlns:a16="http://schemas.microsoft.com/office/drawing/2014/main" id="{652106BB-68D8-09AA-C1C2-2C79A34C64BE}"/>
+                </a:ext>
+              </a:extLst>
+            </p:cNvPr>
+            <p:cNvSpPr/>
+            <p:nvPr/>
+          </p:nvSpPr>
+          <p:spPr>
+            <a:xfrm>
+              <a:off x="4686308" y="942975"/>
+              <a:ext cx="419100" cy="400050"/>
+            </a:xfrm>
+            <a:prstGeom prst="ellipse">
+              <a:avLst/>
+            </a:prstGeom>
+            <a:solidFill>
+              <a:schemeClr val="accent2"/>
+            </a:solidFill>
+          </p:spPr>
+          <p:style>
+            <a:lnRef idx="2">
+              <a:schemeClr val="accent1">
+                <a:shade val="15000"/>
+              </a:schemeClr>
+            </a:lnRef>
+            <a:fillRef idx="1">
+              <a:schemeClr val="accent1"/>
+            </a:fillRef>
+            <a:effectRef idx="0">
+              <a:schemeClr val="accent1"/>
+            </a:effectRef>
+            <a:fontRef idx="minor">
+              <a:schemeClr val="lt1"/>
+            </a:fontRef>
+          </p:style>
+          <p:txBody>
+            <a:bodyPr rtlCol="0" anchor="ctr"/>
+            <a:lstStyle/>
+            <a:p>
+              <a:pPr algn="ctr"/>
+              <a:endParaRPr lang="en-US"/>
+            </a:p>
+          </p:txBody>
+        </p:sp>
+        <p:sp>
+          <p:nvSpPr>
+            <p:cNvPr id="14" name="Oval 13">
+              <a:extLst>
+                <a:ext uri="{FF2B5EF4-FFF2-40B4-BE49-F238E27FC236}">
+                  <a16:creationId xmlns:a16="http://schemas.microsoft.com/office/drawing/2014/main" id="{524E6A75-0209-4273-787B-F5293A573D64}"/>
+                </a:ext>
+              </a:extLst>
+            </p:cNvPr>
+            <p:cNvSpPr/>
+            <p:nvPr/>
+          </p:nvSpPr>
+          <p:spPr>
+            <a:xfrm>
+              <a:off x="5676900" y="942975"/>
+              <a:ext cx="419100" cy="400050"/>
+            </a:xfrm>
+            <a:prstGeom prst="ellipse">
+              <a:avLst/>
+            </a:prstGeom>
+            <a:solidFill>
+              <a:schemeClr val="accent2"/>
+            </a:solidFill>
+          </p:spPr>
+          <p:style>
+            <a:lnRef idx="2">
+              <a:schemeClr val="accent1">
+                <a:shade val="15000"/>
+              </a:schemeClr>
+            </a:lnRef>
+            <a:fillRef idx="1">
+              <a:schemeClr val="accent1"/>
+            </a:fillRef>
+            <a:effectRef idx="0">
+              <a:schemeClr val="accent1"/>
+            </a:effectRef>
+            <a:fontRef idx="minor">
+              <a:schemeClr val="lt1"/>
+            </a:fontRef>
+          </p:style>
+          <p:txBody>
+            <a:bodyPr rtlCol="0" anchor="ctr"/>
+            <a:lstStyle/>
+            <a:p>
+              <a:pPr algn="ctr"/>
+              <a:endParaRPr lang="en-US"/>
+            </a:p>
+          </p:txBody>
+        </p:sp>
+        <p:sp>
+          <p:nvSpPr>
+            <p:cNvPr id="15" name="Oval 14">
+              <a:extLst>
+                <a:ext uri="{FF2B5EF4-FFF2-40B4-BE49-F238E27FC236}">
+                  <a16:creationId xmlns:a16="http://schemas.microsoft.com/office/drawing/2014/main" id="{AA20921D-83A1-E1D3-6B8B-F78363755D38}"/>
+                </a:ext>
+              </a:extLst>
+            </p:cNvPr>
+            <p:cNvSpPr/>
+            <p:nvPr/>
+          </p:nvSpPr>
+          <p:spPr>
+            <a:xfrm>
+              <a:off x="6667492" y="942975"/>
+              <a:ext cx="419100" cy="400050"/>
+            </a:xfrm>
+            <a:prstGeom prst="ellipse">
+              <a:avLst/>
+            </a:prstGeom>
+            <a:solidFill>
+              <a:schemeClr val="accent2"/>
+            </a:solidFill>
+          </p:spPr>
+          <p:style>
+            <a:lnRef idx="2">
+              <a:schemeClr val="accent1">
+                <a:shade val="15000"/>
+              </a:schemeClr>
+            </a:lnRef>
+            <a:fillRef idx="1">
+              <a:schemeClr val="accent1"/>
+            </a:fillRef>
+            <a:effectRef idx="0">
+              <a:schemeClr val="accent1"/>
+            </a:effectRef>
+            <a:fontRef idx="minor">
+              <a:schemeClr val="lt1"/>
+            </a:fontRef>
+          </p:style>
+          <p:txBody>
+            <a:bodyPr rtlCol="0" anchor="ctr"/>
+            <a:lstStyle/>
+            <a:p>
+              <a:pPr algn="ctr"/>
+              <a:endParaRPr lang="en-US"/>
+            </a:p>
+          </p:txBody>
+        </p:sp>
+        <p:sp>
+          <p:nvSpPr>
+            <p:cNvPr id="16" name="Oval 15">
+              <a:extLst>
+                <a:ext uri="{FF2B5EF4-FFF2-40B4-BE49-F238E27FC236}">
+                  <a16:creationId xmlns:a16="http://schemas.microsoft.com/office/drawing/2014/main" id="{CB40BE91-A77C-6285-FE30-9DB1ABE3126F}"/>
+                </a:ext>
+              </a:extLst>
+            </p:cNvPr>
+            <p:cNvSpPr/>
+            <p:nvPr/>
+          </p:nvSpPr>
+          <p:spPr>
+            <a:xfrm>
+              <a:off x="7658084" y="942975"/>
+              <a:ext cx="419100" cy="400050"/>
+            </a:xfrm>
+            <a:prstGeom prst="ellipse">
+              <a:avLst/>
+            </a:prstGeom>
+            <a:solidFill>
+              <a:schemeClr val="accent2"/>
+            </a:solidFill>
+          </p:spPr>
+          <p:style>
+            <a:lnRef idx="2">
+              <a:schemeClr val="accent1">
+                <a:shade val="15000"/>
+              </a:schemeClr>
+            </a:lnRef>
+            <a:fillRef idx="1">
+              <a:schemeClr val="accent1"/>
+            </a:fillRef>
+            <a:effectRef idx="0">
+              <a:schemeClr val="accent1"/>
+            </a:effectRef>
+            <a:fontRef idx="minor">
+              <a:schemeClr val="lt1"/>
+            </a:fontRef>
+          </p:style>
+          <p:txBody>
+            <a:bodyPr rtlCol="0" anchor="ctr"/>
+            <a:lstStyle/>
+            <a:p>
+              <a:pPr algn="ctr"/>
+              <a:endParaRPr lang="en-US"/>
+            </a:p>
+          </p:txBody>
+        </p:sp>
+        <p:sp>
+          <p:nvSpPr>
+            <p:cNvPr id="19" name="TextBox 18">
+              <a:extLst>
+                <a:ext uri="{FF2B5EF4-FFF2-40B4-BE49-F238E27FC236}">
+                  <a16:creationId xmlns:a16="http://schemas.microsoft.com/office/drawing/2014/main" id="{E1ACABE2-E474-9003-38F0-BC0B8E33C1F0}"/>
+                </a:ext>
+              </a:extLst>
+            </p:cNvPr>
+            <p:cNvSpPr txBox="1"/>
+            <p:nvPr/>
+          </p:nvSpPr>
+          <p:spPr>
+            <a:xfrm>
+              <a:off x="4729186" y="545604"/>
+              <a:ext cx="508390" cy="369332"/>
+            </a:xfrm>
+            <a:prstGeom prst="rect">
+              <a:avLst/>
+            </a:prstGeom>
+            <a:noFill/>
+          </p:spPr>
+          <p:txBody>
+            <a:bodyPr wrap="square">
+              <a:spAutoFit/>
+            </a:bodyPr>
+            <a:lstStyle/>
+            <a:p>
+              <a:r>
+                <a:rPr lang="en-US" dirty="0"/>
+                <a:t>s2</a:t>
+              </a:r>
+            </a:p>
+          </p:txBody>
+        </p:sp>
+        <p:sp>
+          <p:nvSpPr>
+            <p:cNvPr id="20" name="TextBox 19">
+              <a:extLst>
+                <a:ext uri="{FF2B5EF4-FFF2-40B4-BE49-F238E27FC236}">
+                  <a16:creationId xmlns:a16="http://schemas.microsoft.com/office/drawing/2014/main" id="{0DF84858-DAAD-7F9D-D7CE-44BD420EB9B2}"/>
+                </a:ext>
+              </a:extLst>
+            </p:cNvPr>
+            <p:cNvSpPr txBox="1"/>
+            <p:nvPr/>
+          </p:nvSpPr>
+          <p:spPr>
+            <a:xfrm>
+              <a:off x="5729295" y="537925"/>
+              <a:ext cx="419100" cy="369332"/>
+            </a:xfrm>
+            <a:prstGeom prst="rect">
+              <a:avLst/>
+            </a:prstGeom>
+            <a:noFill/>
+          </p:spPr>
+          <p:txBody>
+            <a:bodyPr wrap="square">
+              <a:spAutoFit/>
+            </a:bodyPr>
+            <a:lstStyle/>
+            <a:p>
+              <a:r>
+                <a:rPr lang="en-US" dirty="0"/>
+                <a:t>s3</a:t>
+              </a:r>
+            </a:p>
+          </p:txBody>
+        </p:sp>
+        <p:sp>
+          <p:nvSpPr>
+            <p:cNvPr id="21" name="TextBox 20">
+              <a:extLst>
+                <a:ext uri="{FF2B5EF4-FFF2-40B4-BE49-F238E27FC236}">
+                  <a16:creationId xmlns:a16="http://schemas.microsoft.com/office/drawing/2014/main" id="{77550C9F-1186-0D6B-BE96-7E87F63090BB}"/>
+                </a:ext>
+              </a:extLst>
+            </p:cNvPr>
+            <p:cNvSpPr txBox="1"/>
+            <p:nvPr/>
+          </p:nvSpPr>
+          <p:spPr>
+            <a:xfrm>
+              <a:off x="6657975" y="550605"/>
+              <a:ext cx="771525" cy="369332"/>
+            </a:xfrm>
+            <a:prstGeom prst="rect">
+              <a:avLst/>
+            </a:prstGeom>
+            <a:noFill/>
+          </p:spPr>
+          <p:txBody>
+            <a:bodyPr wrap="square">
+              <a:spAutoFit/>
+            </a:bodyPr>
+            <a:lstStyle/>
+            <a:p>
+              <a:r>
+                <a:rPr lang="en-US" dirty="0"/>
+                <a:t>s4</a:t>
+              </a:r>
+            </a:p>
+          </p:txBody>
+        </p:sp>
+        <p:sp>
+          <p:nvSpPr>
+            <p:cNvPr id="22" name="TextBox 21">
+              <a:extLst>
+                <a:ext uri="{FF2B5EF4-FFF2-40B4-BE49-F238E27FC236}">
+                  <a16:creationId xmlns:a16="http://schemas.microsoft.com/office/drawing/2014/main" id="{84A7C88C-FA9E-C229-DF55-88F0D7C2E137}"/>
+                </a:ext>
+              </a:extLst>
+            </p:cNvPr>
+            <p:cNvSpPr txBox="1"/>
+            <p:nvPr/>
+          </p:nvSpPr>
+          <p:spPr>
+            <a:xfrm>
+              <a:off x="7658084" y="558284"/>
+              <a:ext cx="508390" cy="369332"/>
+            </a:xfrm>
+            <a:prstGeom prst="rect">
+              <a:avLst/>
+            </a:prstGeom>
+            <a:noFill/>
+          </p:spPr>
+          <p:txBody>
+            <a:bodyPr wrap="square">
+              <a:spAutoFit/>
+            </a:bodyPr>
+            <a:lstStyle/>
+            <a:p>
+              <a:r>
+                <a:rPr lang="en-US" dirty="0"/>
+                <a:t>s5</a:t>
+              </a:r>
+            </a:p>
+          </p:txBody>
+        </p:sp>
+        <p:sp>
+          <p:nvSpPr>
+            <p:cNvPr id="23" name="TextBox 22">
+              <a:extLst>
+                <a:ext uri="{FF2B5EF4-FFF2-40B4-BE49-F238E27FC236}">
+                  <a16:creationId xmlns:a16="http://schemas.microsoft.com/office/drawing/2014/main" id="{C6A5DEDF-7070-E405-0454-53DF10E7F21A}"/>
+                </a:ext>
+              </a:extLst>
+            </p:cNvPr>
+            <p:cNvSpPr txBox="1"/>
+            <p:nvPr/>
+          </p:nvSpPr>
+          <p:spPr>
+            <a:xfrm>
+              <a:off x="3729077" y="586323"/>
+              <a:ext cx="579819" cy="369332"/>
+            </a:xfrm>
+            <a:prstGeom prst="rect">
+              <a:avLst/>
+            </a:prstGeom>
+            <a:noFill/>
+          </p:spPr>
+          <p:txBody>
+            <a:bodyPr wrap="square">
+              <a:spAutoFit/>
+            </a:bodyPr>
+            <a:lstStyle/>
+            <a:p>
+              <a:r>
+                <a:rPr lang="en-US" dirty="0"/>
+                <a:t>s1</a:t>
+              </a:r>
+            </a:p>
+          </p:txBody>
+        </p:sp>
+      </p:grpSp>
+    </p:spTree>
+    <p:extLst>
+      <p:ext uri="{BB962C8B-B14F-4D97-AF65-F5344CB8AC3E}">
+        <p14:creationId xmlns:p14="http://schemas.microsoft.com/office/powerpoint/2010/main" val="1694846330"/>
+      </p:ext>
+    </p:extLst>
+  </p:cSld>
+  <p:clrMapOvr>
+    <a:masterClrMapping/>
+  </p:clrMapOvr>
+</p:sld>
+</file>
+
+<file path=ppt/slides/slide4.xml><?xml version="1.0" encoding="utf-8"?>
+<p:sld xmlns:a="http://schemas.openxmlformats.org/drawingml/2006/main" xmlns:r="http://schemas.openxmlformats.org/officeDocument/2006/relationships" xmlns:p="http://schemas.openxmlformats.org/presentationml/2006/main">
+  <p:cSld>
+    <p:spTree>
+      <p:nvGrpSpPr>
+        <p:cNvPr id="1" name=""/>
+        <p:cNvGrpSpPr/>
+        <p:nvPr/>
+      </p:nvGrpSpPr>
+      <p:grpSpPr>
+        <a:xfrm>
+          <a:off x="0" y="0"/>
+          <a:ext cx="0" cy="0"/>
+          <a:chOff x="0" y="0"/>
+          <a:chExt cx="0" cy="0"/>
+        </a:xfrm>
+      </p:grpSpPr>
+      <p:sp>
+        <p:nvSpPr>
+          <p:cNvPr id="25" name="Rectangle 24">
+            <a:extLst>
+              <a:ext uri="{FF2B5EF4-FFF2-40B4-BE49-F238E27FC236}">
+                <a16:creationId xmlns:a16="http://schemas.microsoft.com/office/drawing/2014/main" id="{581054B6-C88C-473D-D174-0CF9AB7EA6E9}"/>
+              </a:ext>
+            </a:extLst>
+          </p:cNvPr>
+          <p:cNvSpPr/>
+          <p:nvPr/>
+        </p:nvSpPr>
+        <p:spPr>
+          <a:xfrm>
+            <a:off x="3558204" y="571501"/>
+            <a:ext cx="317883" cy="4371975"/>
+          </a:xfrm>
+          <a:prstGeom prst="rect">
+            <a:avLst/>
+          </a:prstGeom>
+        </p:spPr>
+        <p:style>
+          <a:lnRef idx="2">
+            <a:schemeClr val="dk1">
+              <a:shade val="15000"/>
+            </a:schemeClr>
+          </a:lnRef>
+          <a:fillRef idx="1">
+            <a:schemeClr val="dk1"/>
+          </a:fillRef>
+          <a:effectRef idx="0">
+            <a:schemeClr val="dk1"/>
+          </a:effectRef>
+          <a:fontRef idx="minor">
+            <a:schemeClr val="lt1"/>
+          </a:fontRef>
+        </p:style>
+        <p:txBody>
+          <a:bodyPr rtlCol="0" anchor="ctr"/>
+          <a:lstStyle/>
+          <a:p>
+            <a:pPr algn="ctr"/>
+            <a:endParaRPr lang="en-US" dirty="0"/>
+          </a:p>
+        </p:txBody>
+      </p:sp>
+      <p:grpSp>
+        <p:nvGrpSpPr>
+          <p:cNvPr id="24" name="Group 23">
+            <a:extLst>
+              <a:ext uri="{FF2B5EF4-FFF2-40B4-BE49-F238E27FC236}">
+                <a16:creationId xmlns:a16="http://schemas.microsoft.com/office/drawing/2014/main" id="{C6471F5F-37DF-2D29-7157-10209CD7664B}"/>
+              </a:ext>
+            </a:extLst>
+          </p:cNvPr>
+          <p:cNvGrpSpPr/>
+          <p:nvPr/>
+        </p:nvGrpSpPr>
+        <p:grpSpPr>
+          <a:xfrm rot="1966519">
+            <a:off x="1691296" y="1547694"/>
+            <a:ext cx="4769628" cy="2419588"/>
+            <a:chOff x="3501636" y="537925"/>
+            <a:chExt cx="4769628" cy="2419588"/>
+          </a:xfrm>
+        </p:grpSpPr>
+        <p:sp>
+          <p:nvSpPr>
+            <p:cNvPr id="5" name="Rectangle 4">
+              <a:extLst>
+                <a:ext uri="{FF2B5EF4-FFF2-40B4-BE49-F238E27FC236}">
+                  <a16:creationId xmlns:a16="http://schemas.microsoft.com/office/drawing/2014/main" id="{FA1DDE33-5BA6-46BF-F154-D4427F977AC5}"/>
+                </a:ext>
+              </a:extLst>
+            </p:cNvPr>
+            <p:cNvSpPr/>
+            <p:nvPr/>
+          </p:nvSpPr>
+          <p:spPr>
+            <a:xfrm>
+              <a:off x="3501636" y="1343025"/>
+              <a:ext cx="4769628" cy="1614488"/>
+            </a:xfrm>
+            <a:prstGeom prst="rect">
+              <a:avLst/>
+            </a:prstGeom>
+            <a:solidFill>
+              <a:srgbClr val="00B0F0"/>
+            </a:solidFill>
+          </p:spPr>
+          <p:style>
+            <a:lnRef idx="2">
+              <a:schemeClr val="accent1">
+                <a:shade val="15000"/>
+              </a:schemeClr>
+            </a:lnRef>
+            <a:fillRef idx="1">
+              <a:schemeClr val="accent1"/>
+            </a:fillRef>
+            <a:effectRef idx="0">
+              <a:schemeClr val="accent1"/>
+            </a:effectRef>
+            <a:fontRef idx="minor">
+              <a:schemeClr val="lt1"/>
+            </a:fontRef>
+          </p:style>
+          <p:txBody>
+            <a:bodyPr rtlCol="0" anchor="ctr"/>
+            <a:lstStyle/>
+            <a:p>
+              <a:pPr algn="ctr"/>
+              <a:r>
+                <a:rPr lang="en-US" dirty="0"/>
+                <a:t>Wheelchair</a:t>
+              </a:r>
+            </a:p>
+          </p:txBody>
+        </p:sp>
+        <p:sp>
+          <p:nvSpPr>
+            <p:cNvPr id="10" name="Oval 9">
+              <a:extLst>
+                <a:ext uri="{FF2B5EF4-FFF2-40B4-BE49-F238E27FC236}">
+                  <a16:creationId xmlns:a16="http://schemas.microsoft.com/office/drawing/2014/main" id="{603F5B72-382A-B558-FEC4-18ED60FC2C3C}"/>
+                </a:ext>
+              </a:extLst>
+            </p:cNvPr>
+            <p:cNvSpPr/>
+            <p:nvPr/>
+          </p:nvSpPr>
+          <p:spPr>
+            <a:xfrm>
+              <a:off x="3695716" y="942975"/>
+              <a:ext cx="419100" cy="400050"/>
+            </a:xfrm>
+            <a:prstGeom prst="ellipse">
+              <a:avLst/>
+            </a:prstGeom>
+            <a:solidFill>
+              <a:schemeClr val="accent2"/>
+            </a:solidFill>
+          </p:spPr>
+          <p:style>
+            <a:lnRef idx="2">
+              <a:schemeClr val="accent1">
+                <a:shade val="15000"/>
+              </a:schemeClr>
+            </a:lnRef>
+            <a:fillRef idx="1">
+              <a:schemeClr val="accent1"/>
+            </a:fillRef>
+            <a:effectRef idx="0">
+              <a:schemeClr val="accent1"/>
+            </a:effectRef>
+            <a:fontRef idx="minor">
+              <a:schemeClr val="lt1"/>
+            </a:fontRef>
+          </p:style>
+          <p:txBody>
+            <a:bodyPr rtlCol="0" anchor="ctr"/>
+            <a:lstStyle/>
+            <a:p>
+              <a:pPr algn="ctr"/>
+              <a:endParaRPr lang="en-US" dirty="0"/>
+            </a:p>
+          </p:txBody>
+        </p:sp>
+        <p:sp>
+          <p:nvSpPr>
+            <p:cNvPr id="13" name="Oval 12">
+              <a:extLst>
+                <a:ext uri="{FF2B5EF4-FFF2-40B4-BE49-F238E27FC236}">
+                  <a16:creationId xmlns:a16="http://schemas.microsoft.com/office/drawing/2014/main" id="{652106BB-68D8-09AA-C1C2-2C79A34C64BE}"/>
+                </a:ext>
+              </a:extLst>
+            </p:cNvPr>
+            <p:cNvSpPr/>
+            <p:nvPr/>
+          </p:nvSpPr>
+          <p:spPr>
+            <a:xfrm>
+              <a:off x="4686308" y="942975"/>
+              <a:ext cx="419100" cy="400050"/>
+            </a:xfrm>
+            <a:prstGeom prst="ellipse">
+              <a:avLst/>
+            </a:prstGeom>
+            <a:solidFill>
+              <a:schemeClr val="accent2"/>
+            </a:solidFill>
+          </p:spPr>
+          <p:style>
+            <a:lnRef idx="2">
+              <a:schemeClr val="accent1">
+                <a:shade val="15000"/>
+              </a:schemeClr>
+            </a:lnRef>
+            <a:fillRef idx="1">
+              <a:schemeClr val="accent1"/>
+            </a:fillRef>
+            <a:effectRef idx="0">
+              <a:schemeClr val="accent1"/>
+            </a:effectRef>
+            <a:fontRef idx="minor">
+              <a:schemeClr val="lt1"/>
+            </a:fontRef>
+          </p:style>
+          <p:txBody>
+            <a:bodyPr rtlCol="0" anchor="ctr"/>
+            <a:lstStyle/>
+            <a:p>
+              <a:pPr algn="ctr"/>
+              <a:endParaRPr lang="en-US"/>
+            </a:p>
+          </p:txBody>
+        </p:sp>
+        <p:sp>
+          <p:nvSpPr>
+            <p:cNvPr id="14" name="Oval 13">
+              <a:extLst>
+                <a:ext uri="{FF2B5EF4-FFF2-40B4-BE49-F238E27FC236}">
+                  <a16:creationId xmlns:a16="http://schemas.microsoft.com/office/drawing/2014/main" id="{524E6A75-0209-4273-787B-F5293A573D64}"/>
+                </a:ext>
+              </a:extLst>
+            </p:cNvPr>
+            <p:cNvSpPr/>
+            <p:nvPr/>
+          </p:nvSpPr>
+          <p:spPr>
+            <a:xfrm>
+              <a:off x="5676900" y="942975"/>
+              <a:ext cx="419100" cy="400050"/>
+            </a:xfrm>
+            <a:prstGeom prst="ellipse">
+              <a:avLst/>
+            </a:prstGeom>
+            <a:solidFill>
+              <a:schemeClr val="accent2"/>
+            </a:solidFill>
+          </p:spPr>
+          <p:style>
+            <a:lnRef idx="2">
+              <a:schemeClr val="accent1">
+                <a:shade val="15000"/>
+              </a:schemeClr>
+            </a:lnRef>
+            <a:fillRef idx="1">
+              <a:schemeClr val="accent1"/>
+            </a:fillRef>
+            <a:effectRef idx="0">
+              <a:schemeClr val="accent1"/>
+            </a:effectRef>
+            <a:fontRef idx="minor">
+              <a:schemeClr val="lt1"/>
+            </a:fontRef>
+          </p:style>
+          <p:txBody>
+            <a:bodyPr rtlCol="0" anchor="ctr"/>
+            <a:lstStyle/>
+            <a:p>
+              <a:pPr algn="ctr"/>
+              <a:endParaRPr lang="en-US"/>
+            </a:p>
+          </p:txBody>
+        </p:sp>
+        <p:sp>
+          <p:nvSpPr>
+            <p:cNvPr id="15" name="Oval 14">
+              <a:extLst>
+                <a:ext uri="{FF2B5EF4-FFF2-40B4-BE49-F238E27FC236}">
+                  <a16:creationId xmlns:a16="http://schemas.microsoft.com/office/drawing/2014/main" id="{AA20921D-83A1-E1D3-6B8B-F78363755D38}"/>
+                </a:ext>
+              </a:extLst>
+            </p:cNvPr>
+            <p:cNvSpPr/>
+            <p:nvPr/>
+          </p:nvSpPr>
+          <p:spPr>
+            <a:xfrm>
+              <a:off x="6667492" y="942975"/>
+              <a:ext cx="419100" cy="400050"/>
+            </a:xfrm>
+            <a:prstGeom prst="ellipse">
+              <a:avLst/>
+            </a:prstGeom>
+            <a:solidFill>
+              <a:schemeClr val="accent2"/>
+            </a:solidFill>
+          </p:spPr>
+          <p:style>
+            <a:lnRef idx="2">
+              <a:schemeClr val="accent1">
+                <a:shade val="15000"/>
+              </a:schemeClr>
+            </a:lnRef>
+            <a:fillRef idx="1">
+              <a:schemeClr val="accent1"/>
+            </a:fillRef>
+            <a:effectRef idx="0">
+              <a:schemeClr val="accent1"/>
+            </a:effectRef>
+            <a:fontRef idx="minor">
+              <a:schemeClr val="lt1"/>
+            </a:fontRef>
+          </p:style>
+          <p:txBody>
+            <a:bodyPr rtlCol="0" anchor="ctr"/>
+            <a:lstStyle/>
+            <a:p>
+              <a:pPr algn="ctr"/>
+              <a:endParaRPr lang="en-US"/>
+            </a:p>
+          </p:txBody>
+        </p:sp>
+        <p:sp>
+          <p:nvSpPr>
+            <p:cNvPr id="16" name="Oval 15">
+              <a:extLst>
+                <a:ext uri="{FF2B5EF4-FFF2-40B4-BE49-F238E27FC236}">
+                  <a16:creationId xmlns:a16="http://schemas.microsoft.com/office/drawing/2014/main" id="{CB40BE91-A77C-6285-FE30-9DB1ABE3126F}"/>
+                </a:ext>
+              </a:extLst>
+            </p:cNvPr>
+            <p:cNvSpPr/>
+            <p:nvPr/>
+          </p:nvSpPr>
+          <p:spPr>
+            <a:xfrm>
+              <a:off x="7658084" y="942975"/>
+              <a:ext cx="419100" cy="400050"/>
+            </a:xfrm>
+            <a:prstGeom prst="ellipse">
+              <a:avLst/>
+            </a:prstGeom>
+            <a:solidFill>
+              <a:schemeClr val="accent2"/>
+            </a:solidFill>
+          </p:spPr>
+          <p:style>
+            <a:lnRef idx="2">
+              <a:schemeClr val="accent1">
+                <a:shade val="15000"/>
+              </a:schemeClr>
+            </a:lnRef>
+            <a:fillRef idx="1">
+              <a:schemeClr val="accent1"/>
+            </a:fillRef>
+            <a:effectRef idx="0">
+              <a:schemeClr val="accent1"/>
+            </a:effectRef>
+            <a:fontRef idx="minor">
+              <a:schemeClr val="lt1"/>
+            </a:fontRef>
+          </p:style>
+          <p:txBody>
+            <a:bodyPr rtlCol="0" anchor="ctr"/>
+            <a:lstStyle/>
+            <a:p>
+              <a:pPr algn="ctr"/>
+              <a:endParaRPr lang="en-US"/>
+            </a:p>
+          </p:txBody>
+        </p:sp>
+        <p:sp>
+          <p:nvSpPr>
+            <p:cNvPr id="19" name="TextBox 18">
+              <a:extLst>
+                <a:ext uri="{FF2B5EF4-FFF2-40B4-BE49-F238E27FC236}">
+                  <a16:creationId xmlns:a16="http://schemas.microsoft.com/office/drawing/2014/main" id="{E1ACABE2-E474-9003-38F0-BC0B8E33C1F0}"/>
+                </a:ext>
+              </a:extLst>
+            </p:cNvPr>
+            <p:cNvSpPr txBox="1"/>
+            <p:nvPr/>
+          </p:nvSpPr>
+          <p:spPr>
+            <a:xfrm>
+              <a:off x="4729186" y="545604"/>
+              <a:ext cx="508390" cy="369332"/>
+            </a:xfrm>
+            <a:prstGeom prst="rect">
+              <a:avLst/>
+            </a:prstGeom>
+            <a:noFill/>
+          </p:spPr>
+          <p:txBody>
+            <a:bodyPr wrap="square">
+              <a:spAutoFit/>
+            </a:bodyPr>
+            <a:lstStyle/>
+            <a:p>
+              <a:r>
+                <a:rPr lang="en-US" dirty="0"/>
+                <a:t>s2</a:t>
+              </a:r>
+            </a:p>
+          </p:txBody>
+        </p:sp>
+        <p:sp>
+          <p:nvSpPr>
+            <p:cNvPr id="20" name="TextBox 19">
+              <a:extLst>
+                <a:ext uri="{FF2B5EF4-FFF2-40B4-BE49-F238E27FC236}">
+                  <a16:creationId xmlns:a16="http://schemas.microsoft.com/office/drawing/2014/main" id="{0DF84858-DAAD-7F9D-D7CE-44BD420EB9B2}"/>
+                </a:ext>
+              </a:extLst>
+            </p:cNvPr>
+            <p:cNvSpPr txBox="1"/>
+            <p:nvPr/>
+          </p:nvSpPr>
+          <p:spPr>
+            <a:xfrm>
+              <a:off x="5729295" y="537925"/>
+              <a:ext cx="419100" cy="369332"/>
+            </a:xfrm>
+            <a:prstGeom prst="rect">
+              <a:avLst/>
+            </a:prstGeom>
+            <a:noFill/>
+          </p:spPr>
+          <p:txBody>
+            <a:bodyPr wrap="square">
+              <a:spAutoFit/>
+            </a:bodyPr>
+            <a:lstStyle/>
+            <a:p>
+              <a:r>
+                <a:rPr lang="en-US" dirty="0"/>
+                <a:t>s3</a:t>
+              </a:r>
+            </a:p>
+          </p:txBody>
+        </p:sp>
+        <p:sp>
+          <p:nvSpPr>
+            <p:cNvPr id="21" name="TextBox 20">
+              <a:extLst>
+                <a:ext uri="{FF2B5EF4-FFF2-40B4-BE49-F238E27FC236}">
+                  <a16:creationId xmlns:a16="http://schemas.microsoft.com/office/drawing/2014/main" id="{77550C9F-1186-0D6B-BE96-7E87F63090BB}"/>
+                </a:ext>
+              </a:extLst>
+            </p:cNvPr>
+            <p:cNvSpPr txBox="1"/>
+            <p:nvPr/>
+          </p:nvSpPr>
+          <p:spPr>
+            <a:xfrm>
+              <a:off x="6657975" y="550605"/>
+              <a:ext cx="771525" cy="369332"/>
+            </a:xfrm>
+            <a:prstGeom prst="rect">
+              <a:avLst/>
+            </a:prstGeom>
+            <a:noFill/>
+          </p:spPr>
+          <p:txBody>
+            <a:bodyPr wrap="square">
+              <a:spAutoFit/>
+            </a:bodyPr>
+            <a:lstStyle/>
+            <a:p>
+              <a:r>
+                <a:rPr lang="en-US" dirty="0"/>
+                <a:t>s4</a:t>
+              </a:r>
+            </a:p>
+          </p:txBody>
+        </p:sp>
+        <p:sp>
+          <p:nvSpPr>
+            <p:cNvPr id="22" name="TextBox 21">
+              <a:extLst>
+                <a:ext uri="{FF2B5EF4-FFF2-40B4-BE49-F238E27FC236}">
+                  <a16:creationId xmlns:a16="http://schemas.microsoft.com/office/drawing/2014/main" id="{84A7C88C-FA9E-C229-DF55-88F0D7C2E137}"/>
+                </a:ext>
+              </a:extLst>
+            </p:cNvPr>
+            <p:cNvSpPr txBox="1"/>
+            <p:nvPr/>
+          </p:nvSpPr>
+          <p:spPr>
+            <a:xfrm>
+              <a:off x="7658084" y="558284"/>
+              <a:ext cx="508390" cy="369332"/>
+            </a:xfrm>
+            <a:prstGeom prst="rect">
+              <a:avLst/>
+            </a:prstGeom>
+            <a:noFill/>
+          </p:spPr>
+          <p:txBody>
+            <a:bodyPr wrap="square">
+              <a:spAutoFit/>
+            </a:bodyPr>
+            <a:lstStyle/>
+            <a:p>
+              <a:r>
+                <a:rPr lang="en-US" dirty="0"/>
+                <a:t>s5</a:t>
+              </a:r>
+            </a:p>
+          </p:txBody>
+        </p:sp>
+        <p:sp>
+          <p:nvSpPr>
+            <p:cNvPr id="23" name="TextBox 22">
+              <a:extLst>
+                <a:ext uri="{FF2B5EF4-FFF2-40B4-BE49-F238E27FC236}">
+                  <a16:creationId xmlns:a16="http://schemas.microsoft.com/office/drawing/2014/main" id="{C6A5DEDF-7070-E405-0454-53DF10E7F21A}"/>
+                </a:ext>
+              </a:extLst>
+            </p:cNvPr>
+            <p:cNvSpPr txBox="1"/>
+            <p:nvPr/>
+          </p:nvSpPr>
+          <p:spPr>
+            <a:xfrm>
+              <a:off x="3729077" y="586323"/>
+              <a:ext cx="579819" cy="369332"/>
+            </a:xfrm>
+            <a:prstGeom prst="rect">
+              <a:avLst/>
+            </a:prstGeom>
+            <a:noFill/>
+          </p:spPr>
+          <p:txBody>
+            <a:bodyPr wrap="square">
+              <a:spAutoFit/>
+            </a:bodyPr>
+            <a:lstStyle/>
+            <a:p>
+              <a:r>
+                <a:rPr lang="en-US" dirty="0"/>
+                <a:t>s1</a:t>
+              </a:r>
+            </a:p>
+          </p:txBody>
+        </p:sp>
+      </p:grpSp>
+    </p:spTree>
+    <p:extLst>
+      <p:ext uri="{BB962C8B-B14F-4D97-AF65-F5344CB8AC3E}">
+        <p14:creationId xmlns:p14="http://schemas.microsoft.com/office/powerpoint/2010/main" val="497919796"/>
+      </p:ext>
+    </p:extLst>
+  </p:cSld>
+  <p:clrMapOvr>
+    <a:masterClrMapping/>
+  </p:clrMapOvr>
+</p:sld>
+</file>
+
+<file path=ppt/slides/slide5.xml><?xml version="1.0" encoding="utf-8"?>
+<p:sld xmlns:a="http://schemas.openxmlformats.org/drawingml/2006/main" xmlns:r="http://schemas.openxmlformats.org/officeDocument/2006/relationships" xmlns:p="http://schemas.openxmlformats.org/presentationml/2006/main">
+  <p:cSld>
+    <p:spTree>
+      <p:nvGrpSpPr>
+        <p:cNvPr id="1" name=""/>
+        <p:cNvGrpSpPr/>
+        <p:nvPr/>
+      </p:nvGrpSpPr>
+      <p:grpSpPr>
+        <a:xfrm>
+          <a:off x="0" y="0"/>
+          <a:ext cx="0" cy="0"/>
+          <a:chOff x="0" y="0"/>
+          <a:chExt cx="0" cy="0"/>
+        </a:xfrm>
+      </p:grpSpPr>
+      <p:sp>
+        <p:nvSpPr>
+          <p:cNvPr id="25" name="Rectangle 24">
+            <a:extLst>
+              <a:ext uri="{FF2B5EF4-FFF2-40B4-BE49-F238E27FC236}">
+                <a16:creationId xmlns:a16="http://schemas.microsoft.com/office/drawing/2014/main" id="{581054B6-C88C-473D-D174-0CF9AB7EA6E9}"/>
+              </a:ext>
+            </a:extLst>
+          </p:cNvPr>
+          <p:cNvSpPr/>
+          <p:nvPr/>
+        </p:nvSpPr>
+        <p:spPr>
+          <a:xfrm>
+            <a:off x="3558204" y="571501"/>
+            <a:ext cx="317883" cy="4371975"/>
+          </a:xfrm>
+          <a:prstGeom prst="rect">
+            <a:avLst/>
+          </a:prstGeom>
+        </p:spPr>
+        <p:style>
+          <a:lnRef idx="2">
+            <a:schemeClr val="dk1">
+              <a:shade val="15000"/>
+            </a:schemeClr>
+          </a:lnRef>
+          <a:fillRef idx="1">
+            <a:schemeClr val="dk1"/>
+          </a:fillRef>
+          <a:effectRef idx="0">
+            <a:schemeClr val="dk1"/>
+          </a:effectRef>
+          <a:fontRef idx="minor">
+            <a:schemeClr val="lt1"/>
+          </a:fontRef>
+        </p:style>
+        <p:txBody>
+          <a:bodyPr rtlCol="0" anchor="ctr"/>
+          <a:lstStyle/>
+          <a:p>
+            <a:pPr algn="ctr"/>
+            <a:endParaRPr lang="en-US" dirty="0"/>
+          </a:p>
+        </p:txBody>
+      </p:sp>
+      <p:grpSp>
+        <p:nvGrpSpPr>
+          <p:cNvPr id="24" name="Group 23">
+            <a:extLst>
+              <a:ext uri="{FF2B5EF4-FFF2-40B4-BE49-F238E27FC236}">
+                <a16:creationId xmlns:a16="http://schemas.microsoft.com/office/drawing/2014/main" id="{C6471F5F-37DF-2D29-7157-10209CD7664B}"/>
+              </a:ext>
+            </a:extLst>
+          </p:cNvPr>
+          <p:cNvGrpSpPr/>
+          <p:nvPr/>
+        </p:nvGrpSpPr>
+        <p:grpSpPr>
+          <a:xfrm rot="2691606">
+            <a:off x="2191358" y="1901442"/>
+            <a:ext cx="4769628" cy="2419588"/>
+            <a:chOff x="3501636" y="537925"/>
+            <a:chExt cx="4769628" cy="2419588"/>
+          </a:xfrm>
+        </p:grpSpPr>
+        <p:sp>
+          <p:nvSpPr>
+            <p:cNvPr id="5" name="Rectangle 4">
+              <a:extLst>
+                <a:ext uri="{FF2B5EF4-FFF2-40B4-BE49-F238E27FC236}">
+                  <a16:creationId xmlns:a16="http://schemas.microsoft.com/office/drawing/2014/main" id="{FA1DDE33-5BA6-46BF-F154-D4427F977AC5}"/>
+                </a:ext>
+              </a:extLst>
+            </p:cNvPr>
+            <p:cNvSpPr/>
+            <p:nvPr/>
+          </p:nvSpPr>
+          <p:spPr>
+            <a:xfrm>
+              <a:off x="3501636" y="1343025"/>
+              <a:ext cx="4769628" cy="1614488"/>
+            </a:xfrm>
+            <a:prstGeom prst="rect">
+              <a:avLst/>
+            </a:prstGeom>
+            <a:solidFill>
+              <a:srgbClr val="00B0F0"/>
+            </a:solidFill>
+          </p:spPr>
+          <p:style>
+            <a:lnRef idx="2">
+              <a:schemeClr val="accent1">
+                <a:shade val="15000"/>
+              </a:schemeClr>
+            </a:lnRef>
+            <a:fillRef idx="1">
+              <a:schemeClr val="accent1"/>
+            </a:fillRef>
+            <a:effectRef idx="0">
+              <a:schemeClr val="accent1"/>
+            </a:effectRef>
+            <a:fontRef idx="minor">
+              <a:schemeClr val="lt1"/>
+            </a:fontRef>
+          </p:style>
+          <p:txBody>
+            <a:bodyPr rtlCol="0" anchor="ctr"/>
+            <a:lstStyle/>
+            <a:p>
+              <a:pPr algn="ctr"/>
+              <a:r>
+                <a:rPr lang="en-US" dirty="0"/>
+                <a:t>Wheelchair</a:t>
+              </a:r>
+            </a:p>
+          </p:txBody>
+        </p:sp>
+        <p:sp>
+          <p:nvSpPr>
+            <p:cNvPr id="10" name="Oval 9">
+              <a:extLst>
+                <a:ext uri="{FF2B5EF4-FFF2-40B4-BE49-F238E27FC236}">
+                  <a16:creationId xmlns:a16="http://schemas.microsoft.com/office/drawing/2014/main" id="{603F5B72-382A-B558-FEC4-18ED60FC2C3C}"/>
+                </a:ext>
+              </a:extLst>
+            </p:cNvPr>
+            <p:cNvSpPr/>
+            <p:nvPr/>
+          </p:nvSpPr>
+          <p:spPr>
+            <a:xfrm>
+              <a:off x="3695716" y="942975"/>
+              <a:ext cx="419100" cy="400050"/>
+            </a:xfrm>
+            <a:prstGeom prst="ellipse">
+              <a:avLst/>
+            </a:prstGeom>
+            <a:solidFill>
+              <a:schemeClr val="accent2"/>
+            </a:solidFill>
+          </p:spPr>
+          <p:style>
+            <a:lnRef idx="2">
+              <a:schemeClr val="accent1">
+                <a:shade val="15000"/>
+              </a:schemeClr>
+            </a:lnRef>
+            <a:fillRef idx="1">
+              <a:schemeClr val="accent1"/>
+            </a:fillRef>
+            <a:effectRef idx="0">
+              <a:schemeClr val="accent1"/>
+            </a:effectRef>
+            <a:fontRef idx="minor">
+              <a:schemeClr val="lt1"/>
+            </a:fontRef>
+          </p:style>
+          <p:txBody>
+            <a:bodyPr rtlCol="0" anchor="ctr"/>
+            <a:lstStyle/>
+            <a:p>
+              <a:pPr algn="ctr"/>
+              <a:endParaRPr lang="en-US" dirty="0"/>
+            </a:p>
+          </p:txBody>
+        </p:sp>
+        <p:sp>
+          <p:nvSpPr>
+            <p:cNvPr id="13" name="Oval 12">
+              <a:extLst>
+                <a:ext uri="{FF2B5EF4-FFF2-40B4-BE49-F238E27FC236}">
+                  <a16:creationId xmlns:a16="http://schemas.microsoft.com/office/drawing/2014/main" id="{652106BB-68D8-09AA-C1C2-2C79A34C64BE}"/>
+                </a:ext>
+              </a:extLst>
+            </p:cNvPr>
+            <p:cNvSpPr/>
+            <p:nvPr/>
+          </p:nvSpPr>
+          <p:spPr>
+            <a:xfrm>
+              <a:off x="4686308" y="942975"/>
+              <a:ext cx="419100" cy="400050"/>
+            </a:xfrm>
+            <a:prstGeom prst="ellipse">
+              <a:avLst/>
+            </a:prstGeom>
+            <a:solidFill>
+              <a:schemeClr val="accent2"/>
+            </a:solidFill>
+          </p:spPr>
+          <p:style>
+            <a:lnRef idx="2">
+              <a:schemeClr val="accent1">
+                <a:shade val="15000"/>
+              </a:schemeClr>
+            </a:lnRef>
+            <a:fillRef idx="1">
+              <a:schemeClr val="accent1"/>
+            </a:fillRef>
+            <a:effectRef idx="0">
+              <a:schemeClr val="accent1"/>
+            </a:effectRef>
+            <a:fontRef idx="minor">
+              <a:schemeClr val="lt1"/>
+            </a:fontRef>
+          </p:style>
+          <p:txBody>
+            <a:bodyPr rtlCol="0" anchor="ctr"/>
+            <a:lstStyle/>
+            <a:p>
+              <a:pPr algn="ctr"/>
+              <a:endParaRPr lang="en-US"/>
+            </a:p>
+          </p:txBody>
+        </p:sp>
+        <p:sp>
+          <p:nvSpPr>
+            <p:cNvPr id="14" name="Oval 13">
+              <a:extLst>
+                <a:ext uri="{FF2B5EF4-FFF2-40B4-BE49-F238E27FC236}">
+                  <a16:creationId xmlns:a16="http://schemas.microsoft.com/office/drawing/2014/main" id="{524E6A75-0209-4273-787B-F5293A573D64}"/>
+                </a:ext>
+              </a:extLst>
+            </p:cNvPr>
+            <p:cNvSpPr/>
+            <p:nvPr/>
+          </p:nvSpPr>
+          <p:spPr>
+            <a:xfrm>
+              <a:off x="5676900" y="942975"/>
+              <a:ext cx="419100" cy="400050"/>
+            </a:xfrm>
+            <a:prstGeom prst="ellipse">
+              <a:avLst/>
+            </a:prstGeom>
+            <a:solidFill>
+              <a:schemeClr val="accent2"/>
+            </a:solidFill>
+          </p:spPr>
+          <p:style>
+            <a:lnRef idx="2">
+              <a:schemeClr val="accent1">
+                <a:shade val="15000"/>
+              </a:schemeClr>
+            </a:lnRef>
+            <a:fillRef idx="1">
+              <a:schemeClr val="accent1"/>
+            </a:fillRef>
+            <a:effectRef idx="0">
+              <a:schemeClr val="accent1"/>
+            </a:effectRef>
+            <a:fontRef idx="minor">
+              <a:schemeClr val="lt1"/>
+            </a:fontRef>
+          </p:style>
+          <p:txBody>
+            <a:bodyPr rtlCol="0" anchor="ctr"/>
+            <a:lstStyle/>
+            <a:p>
+              <a:pPr algn="ctr"/>
+              <a:endParaRPr lang="en-US"/>
+            </a:p>
+          </p:txBody>
+        </p:sp>
+        <p:sp>
+          <p:nvSpPr>
+            <p:cNvPr id="15" name="Oval 14">
+              <a:extLst>
+                <a:ext uri="{FF2B5EF4-FFF2-40B4-BE49-F238E27FC236}">
+                  <a16:creationId xmlns:a16="http://schemas.microsoft.com/office/drawing/2014/main" id="{AA20921D-83A1-E1D3-6B8B-F78363755D38}"/>
+                </a:ext>
+              </a:extLst>
+            </p:cNvPr>
+            <p:cNvSpPr/>
+            <p:nvPr/>
+          </p:nvSpPr>
+          <p:spPr>
+            <a:xfrm>
+              <a:off x="6667492" y="942975"/>
+              <a:ext cx="419100" cy="400050"/>
+            </a:xfrm>
+            <a:prstGeom prst="ellipse">
+              <a:avLst/>
+            </a:prstGeom>
+            <a:solidFill>
+              <a:schemeClr val="accent2"/>
+            </a:solidFill>
+          </p:spPr>
+          <p:style>
+            <a:lnRef idx="2">
+              <a:schemeClr val="accent1">
+                <a:shade val="15000"/>
+              </a:schemeClr>
+            </a:lnRef>
+            <a:fillRef idx="1">
+              <a:schemeClr val="accent1"/>
+            </a:fillRef>
+            <a:effectRef idx="0">
+              <a:schemeClr val="accent1"/>
+            </a:effectRef>
+            <a:fontRef idx="minor">
+              <a:schemeClr val="lt1"/>
+            </a:fontRef>
+          </p:style>
+          <p:txBody>
+            <a:bodyPr rtlCol="0" anchor="ctr"/>
+            <a:lstStyle/>
+            <a:p>
+              <a:pPr algn="ctr"/>
+              <a:endParaRPr lang="en-US"/>
+            </a:p>
+          </p:txBody>
+        </p:sp>
+        <p:sp>
+          <p:nvSpPr>
+            <p:cNvPr id="16" name="Oval 15">
+              <a:extLst>
+                <a:ext uri="{FF2B5EF4-FFF2-40B4-BE49-F238E27FC236}">
+                  <a16:creationId xmlns:a16="http://schemas.microsoft.com/office/drawing/2014/main" id="{CB40BE91-A77C-6285-FE30-9DB1ABE3126F}"/>
+                </a:ext>
+              </a:extLst>
+            </p:cNvPr>
+            <p:cNvSpPr/>
+            <p:nvPr/>
+          </p:nvSpPr>
+          <p:spPr>
+            <a:xfrm>
+              <a:off x="7658084" y="942975"/>
+              <a:ext cx="419100" cy="400050"/>
+            </a:xfrm>
+            <a:prstGeom prst="ellipse">
+              <a:avLst/>
+            </a:prstGeom>
+            <a:solidFill>
+              <a:schemeClr val="accent2"/>
+            </a:solidFill>
+          </p:spPr>
+          <p:style>
+            <a:lnRef idx="2">
+              <a:schemeClr val="accent1">
+                <a:shade val="15000"/>
+              </a:schemeClr>
+            </a:lnRef>
+            <a:fillRef idx="1">
+              <a:schemeClr val="accent1"/>
+            </a:fillRef>
+            <a:effectRef idx="0">
+              <a:schemeClr val="accent1"/>
+            </a:effectRef>
+            <a:fontRef idx="minor">
+              <a:schemeClr val="lt1"/>
+            </a:fontRef>
+          </p:style>
+          <p:txBody>
+            <a:bodyPr rtlCol="0" anchor="ctr"/>
+            <a:lstStyle/>
+            <a:p>
+              <a:pPr algn="ctr"/>
+              <a:endParaRPr lang="en-US"/>
+            </a:p>
+          </p:txBody>
+        </p:sp>
+        <p:sp>
+          <p:nvSpPr>
+            <p:cNvPr id="19" name="TextBox 18">
+              <a:extLst>
+                <a:ext uri="{FF2B5EF4-FFF2-40B4-BE49-F238E27FC236}">
+                  <a16:creationId xmlns:a16="http://schemas.microsoft.com/office/drawing/2014/main" id="{E1ACABE2-E474-9003-38F0-BC0B8E33C1F0}"/>
+                </a:ext>
+              </a:extLst>
+            </p:cNvPr>
+            <p:cNvSpPr txBox="1"/>
+            <p:nvPr/>
+          </p:nvSpPr>
+          <p:spPr>
+            <a:xfrm>
+              <a:off x="4729186" y="545604"/>
+              <a:ext cx="508390" cy="369332"/>
+            </a:xfrm>
+            <a:prstGeom prst="rect">
+              <a:avLst/>
+            </a:prstGeom>
+            <a:noFill/>
+          </p:spPr>
+          <p:txBody>
+            <a:bodyPr wrap="square">
+              <a:spAutoFit/>
+            </a:bodyPr>
+            <a:lstStyle/>
+            <a:p>
+              <a:r>
+                <a:rPr lang="en-US" dirty="0"/>
+                <a:t>s2</a:t>
+              </a:r>
+            </a:p>
+          </p:txBody>
+        </p:sp>
+        <p:sp>
+          <p:nvSpPr>
+            <p:cNvPr id="20" name="TextBox 19">
+              <a:extLst>
+                <a:ext uri="{FF2B5EF4-FFF2-40B4-BE49-F238E27FC236}">
+                  <a16:creationId xmlns:a16="http://schemas.microsoft.com/office/drawing/2014/main" id="{0DF84858-DAAD-7F9D-D7CE-44BD420EB9B2}"/>
+                </a:ext>
+              </a:extLst>
+            </p:cNvPr>
+            <p:cNvSpPr txBox="1"/>
+            <p:nvPr/>
+          </p:nvSpPr>
+          <p:spPr>
+            <a:xfrm>
+              <a:off x="5729295" y="537925"/>
+              <a:ext cx="419100" cy="369332"/>
+            </a:xfrm>
+            <a:prstGeom prst="rect">
+              <a:avLst/>
+            </a:prstGeom>
+            <a:noFill/>
+          </p:spPr>
+          <p:txBody>
+            <a:bodyPr wrap="square">
+              <a:spAutoFit/>
+            </a:bodyPr>
+            <a:lstStyle/>
+            <a:p>
+              <a:r>
+                <a:rPr lang="en-US" dirty="0"/>
+                <a:t>s3</a:t>
+              </a:r>
+            </a:p>
+          </p:txBody>
+        </p:sp>
+        <p:sp>
+          <p:nvSpPr>
+            <p:cNvPr id="21" name="TextBox 20">
+              <a:extLst>
+                <a:ext uri="{FF2B5EF4-FFF2-40B4-BE49-F238E27FC236}">
+                  <a16:creationId xmlns:a16="http://schemas.microsoft.com/office/drawing/2014/main" id="{77550C9F-1186-0D6B-BE96-7E87F63090BB}"/>
+                </a:ext>
+              </a:extLst>
+            </p:cNvPr>
+            <p:cNvSpPr txBox="1"/>
+            <p:nvPr/>
+          </p:nvSpPr>
+          <p:spPr>
+            <a:xfrm>
+              <a:off x="6657975" y="550605"/>
+              <a:ext cx="771525" cy="369332"/>
+            </a:xfrm>
+            <a:prstGeom prst="rect">
+              <a:avLst/>
+            </a:prstGeom>
+            <a:noFill/>
+          </p:spPr>
+          <p:txBody>
+            <a:bodyPr wrap="square">
+              <a:spAutoFit/>
+            </a:bodyPr>
+            <a:lstStyle/>
+            <a:p>
+              <a:r>
+                <a:rPr lang="en-US" dirty="0"/>
+                <a:t>s4</a:t>
+              </a:r>
+            </a:p>
+          </p:txBody>
+        </p:sp>
+        <p:sp>
+          <p:nvSpPr>
+            <p:cNvPr id="22" name="TextBox 21">
+              <a:extLst>
+                <a:ext uri="{FF2B5EF4-FFF2-40B4-BE49-F238E27FC236}">
+                  <a16:creationId xmlns:a16="http://schemas.microsoft.com/office/drawing/2014/main" id="{84A7C88C-FA9E-C229-DF55-88F0D7C2E137}"/>
+                </a:ext>
+              </a:extLst>
+            </p:cNvPr>
+            <p:cNvSpPr txBox="1"/>
+            <p:nvPr/>
+          </p:nvSpPr>
+          <p:spPr>
+            <a:xfrm>
+              <a:off x="7658084" y="558284"/>
+              <a:ext cx="508390" cy="369332"/>
+            </a:xfrm>
+            <a:prstGeom prst="rect">
+              <a:avLst/>
+            </a:prstGeom>
+            <a:noFill/>
+          </p:spPr>
+          <p:txBody>
+            <a:bodyPr wrap="square">
+              <a:spAutoFit/>
+            </a:bodyPr>
+            <a:lstStyle/>
+            <a:p>
+              <a:r>
+                <a:rPr lang="en-US" dirty="0"/>
+                <a:t>s5</a:t>
+              </a:r>
+            </a:p>
+          </p:txBody>
+        </p:sp>
+        <p:sp>
+          <p:nvSpPr>
+            <p:cNvPr id="23" name="TextBox 22">
+              <a:extLst>
+                <a:ext uri="{FF2B5EF4-FFF2-40B4-BE49-F238E27FC236}">
+                  <a16:creationId xmlns:a16="http://schemas.microsoft.com/office/drawing/2014/main" id="{C6A5DEDF-7070-E405-0454-53DF10E7F21A}"/>
+                </a:ext>
+              </a:extLst>
+            </p:cNvPr>
+            <p:cNvSpPr txBox="1"/>
+            <p:nvPr/>
+          </p:nvSpPr>
+          <p:spPr>
+            <a:xfrm>
+              <a:off x="3729077" y="586323"/>
+              <a:ext cx="579819" cy="369332"/>
+            </a:xfrm>
+            <a:prstGeom prst="rect">
+              <a:avLst/>
+            </a:prstGeom>
+            <a:noFill/>
+          </p:spPr>
+          <p:txBody>
+            <a:bodyPr wrap="square">
+              <a:spAutoFit/>
+            </a:bodyPr>
+            <a:lstStyle/>
+            <a:p>
+              <a:r>
+                <a:rPr lang="en-US" dirty="0"/>
+                <a:t>s1</a:t>
+              </a:r>
+            </a:p>
+          </p:txBody>
+        </p:sp>
+      </p:grpSp>
+    </p:spTree>
+    <p:extLst>
+      <p:ext uri="{BB962C8B-B14F-4D97-AF65-F5344CB8AC3E}">
+        <p14:creationId xmlns:p14="http://schemas.microsoft.com/office/powerpoint/2010/main" val="3945464251"/>
+      </p:ext>
+    </p:extLst>
+  </p:cSld>
+  <p:clrMapOvr>
+    <a:masterClrMapping/>
+  </p:clrMapOvr>
+</p:sld>
+</file>
+
+<file path=ppt/slides/slide6.xml><?xml version="1.0" encoding="utf-8"?>
+<p:sld xmlns:a="http://schemas.openxmlformats.org/drawingml/2006/main" xmlns:r="http://schemas.openxmlformats.org/officeDocument/2006/relationships" xmlns:p="http://schemas.openxmlformats.org/presentationml/2006/main">
+  <p:cSld>
+    <p:spTree>
+      <p:nvGrpSpPr>
+        <p:cNvPr id="1" name=""/>
+        <p:cNvGrpSpPr/>
+        <p:nvPr/>
+      </p:nvGrpSpPr>
+      <p:grpSpPr>
+        <a:xfrm>
+          <a:off x="0" y="0"/>
+          <a:ext cx="0" cy="0"/>
+          <a:chOff x="0" y="0"/>
+          <a:chExt cx="0" cy="0"/>
+        </a:xfrm>
+      </p:grpSpPr>
+      <p:sp>
+        <p:nvSpPr>
+          <p:cNvPr id="25" name="Rectangle 24">
+            <a:extLst>
+              <a:ext uri="{FF2B5EF4-FFF2-40B4-BE49-F238E27FC236}">
+                <a16:creationId xmlns:a16="http://schemas.microsoft.com/office/drawing/2014/main" id="{581054B6-C88C-473D-D174-0CF9AB7EA6E9}"/>
+              </a:ext>
+            </a:extLst>
+          </p:cNvPr>
+          <p:cNvSpPr/>
+          <p:nvPr/>
+        </p:nvSpPr>
+        <p:spPr>
+          <a:xfrm>
+            <a:off x="3558204" y="571501"/>
+            <a:ext cx="317883" cy="4371975"/>
+          </a:xfrm>
+          <a:prstGeom prst="rect">
+            <a:avLst/>
+          </a:prstGeom>
+        </p:spPr>
+        <p:style>
+          <a:lnRef idx="2">
+            <a:schemeClr val="dk1">
+              <a:shade val="15000"/>
+            </a:schemeClr>
+          </a:lnRef>
+          <a:fillRef idx="1">
+            <a:schemeClr val="dk1"/>
+          </a:fillRef>
+          <a:effectRef idx="0">
+            <a:schemeClr val="dk1"/>
+          </a:effectRef>
+          <a:fontRef idx="minor">
+            <a:schemeClr val="lt1"/>
+          </a:fontRef>
+        </p:style>
+        <p:txBody>
+          <a:bodyPr rtlCol="0" anchor="ctr"/>
+          <a:lstStyle/>
+          <a:p>
+            <a:pPr algn="ctr"/>
+            <a:endParaRPr lang="en-US" dirty="0"/>
+          </a:p>
+        </p:txBody>
+      </p:sp>
+      <p:grpSp>
+        <p:nvGrpSpPr>
+          <p:cNvPr id="24" name="Group 23">
+            <a:extLst>
+              <a:ext uri="{FF2B5EF4-FFF2-40B4-BE49-F238E27FC236}">
+                <a16:creationId xmlns:a16="http://schemas.microsoft.com/office/drawing/2014/main" id="{C6471F5F-37DF-2D29-7157-10209CD7664B}"/>
+              </a:ext>
+            </a:extLst>
+          </p:cNvPr>
+          <p:cNvGrpSpPr/>
+          <p:nvPr/>
+        </p:nvGrpSpPr>
+        <p:grpSpPr>
+          <a:xfrm rot="20264872">
+            <a:off x="762608" y="1668035"/>
+            <a:ext cx="4769628" cy="2419588"/>
+            <a:chOff x="3501636" y="537925"/>
+            <a:chExt cx="4769628" cy="2419588"/>
+          </a:xfrm>
+        </p:grpSpPr>
+        <p:sp>
+          <p:nvSpPr>
+            <p:cNvPr id="5" name="Rectangle 4">
+              <a:extLst>
+                <a:ext uri="{FF2B5EF4-FFF2-40B4-BE49-F238E27FC236}">
+                  <a16:creationId xmlns:a16="http://schemas.microsoft.com/office/drawing/2014/main" id="{FA1DDE33-5BA6-46BF-F154-D4427F977AC5}"/>
+                </a:ext>
+              </a:extLst>
+            </p:cNvPr>
+            <p:cNvSpPr/>
+            <p:nvPr/>
+          </p:nvSpPr>
+          <p:spPr>
+            <a:xfrm>
+              <a:off x="3501636" y="1343025"/>
+              <a:ext cx="4769628" cy="1614488"/>
+            </a:xfrm>
+            <a:prstGeom prst="rect">
+              <a:avLst/>
+            </a:prstGeom>
+            <a:solidFill>
+              <a:srgbClr val="00B0F0"/>
+            </a:solidFill>
+          </p:spPr>
+          <p:style>
+            <a:lnRef idx="2">
+              <a:schemeClr val="accent1">
+                <a:shade val="15000"/>
+              </a:schemeClr>
+            </a:lnRef>
+            <a:fillRef idx="1">
+              <a:schemeClr val="accent1"/>
+            </a:fillRef>
+            <a:effectRef idx="0">
+              <a:schemeClr val="accent1"/>
+            </a:effectRef>
+            <a:fontRef idx="minor">
+              <a:schemeClr val="lt1"/>
+            </a:fontRef>
+          </p:style>
+          <p:txBody>
+            <a:bodyPr rtlCol="0" anchor="ctr"/>
+            <a:lstStyle/>
+            <a:p>
+              <a:pPr algn="ctr"/>
+              <a:r>
+                <a:rPr lang="en-US" dirty="0"/>
+                <a:t>Wheelchair</a:t>
+              </a:r>
+            </a:p>
+          </p:txBody>
+        </p:sp>
+        <p:sp>
+          <p:nvSpPr>
+            <p:cNvPr id="10" name="Oval 9">
+              <a:extLst>
+                <a:ext uri="{FF2B5EF4-FFF2-40B4-BE49-F238E27FC236}">
+                  <a16:creationId xmlns:a16="http://schemas.microsoft.com/office/drawing/2014/main" id="{603F5B72-382A-B558-FEC4-18ED60FC2C3C}"/>
+                </a:ext>
+              </a:extLst>
+            </p:cNvPr>
+            <p:cNvSpPr/>
+            <p:nvPr/>
+          </p:nvSpPr>
+          <p:spPr>
+            <a:xfrm>
+              <a:off x="3695716" y="942975"/>
+              <a:ext cx="419100" cy="400050"/>
+            </a:xfrm>
+            <a:prstGeom prst="ellipse">
+              <a:avLst/>
+            </a:prstGeom>
+            <a:solidFill>
+              <a:schemeClr val="accent2"/>
+            </a:solidFill>
+          </p:spPr>
+          <p:style>
+            <a:lnRef idx="2">
+              <a:schemeClr val="accent1">
+                <a:shade val="15000"/>
+              </a:schemeClr>
+            </a:lnRef>
+            <a:fillRef idx="1">
+              <a:schemeClr val="accent1"/>
+            </a:fillRef>
+            <a:effectRef idx="0">
+              <a:schemeClr val="accent1"/>
+            </a:effectRef>
+            <a:fontRef idx="minor">
+              <a:schemeClr val="lt1"/>
+            </a:fontRef>
+          </p:style>
+          <p:txBody>
+            <a:bodyPr rtlCol="0" anchor="ctr"/>
+            <a:lstStyle/>
+            <a:p>
+              <a:pPr algn="ctr"/>
+              <a:endParaRPr lang="en-US" dirty="0"/>
+            </a:p>
+          </p:txBody>
+        </p:sp>
+        <p:sp>
+          <p:nvSpPr>
+            <p:cNvPr id="13" name="Oval 12">
+              <a:extLst>
+                <a:ext uri="{FF2B5EF4-FFF2-40B4-BE49-F238E27FC236}">
+                  <a16:creationId xmlns:a16="http://schemas.microsoft.com/office/drawing/2014/main" id="{652106BB-68D8-09AA-C1C2-2C79A34C64BE}"/>
+                </a:ext>
+              </a:extLst>
+            </p:cNvPr>
+            <p:cNvSpPr/>
+            <p:nvPr/>
+          </p:nvSpPr>
+          <p:spPr>
+            <a:xfrm>
+              <a:off x="4686308" y="942975"/>
+              <a:ext cx="419100" cy="400050"/>
+            </a:xfrm>
+            <a:prstGeom prst="ellipse">
+              <a:avLst/>
+            </a:prstGeom>
+            <a:solidFill>
+              <a:schemeClr val="accent2"/>
+            </a:solidFill>
+          </p:spPr>
+          <p:style>
+            <a:lnRef idx="2">
+              <a:schemeClr val="accent1">
+                <a:shade val="15000"/>
+              </a:schemeClr>
+            </a:lnRef>
+            <a:fillRef idx="1">
+              <a:schemeClr val="accent1"/>
+            </a:fillRef>
+            <a:effectRef idx="0">
+              <a:schemeClr val="accent1"/>
+            </a:effectRef>
+            <a:fontRef idx="minor">
+              <a:schemeClr val="lt1"/>
+            </a:fontRef>
+          </p:style>
+          <p:txBody>
+            <a:bodyPr rtlCol="0" anchor="ctr"/>
+            <a:lstStyle/>
+            <a:p>
+              <a:pPr algn="ctr"/>
+              <a:endParaRPr lang="en-US"/>
+            </a:p>
+          </p:txBody>
+        </p:sp>
+        <p:sp>
+          <p:nvSpPr>
+            <p:cNvPr id="14" name="Oval 13">
+              <a:extLst>
+                <a:ext uri="{FF2B5EF4-FFF2-40B4-BE49-F238E27FC236}">
+                  <a16:creationId xmlns:a16="http://schemas.microsoft.com/office/drawing/2014/main" id="{524E6A75-0209-4273-787B-F5293A573D64}"/>
+                </a:ext>
+              </a:extLst>
+            </p:cNvPr>
+            <p:cNvSpPr/>
+            <p:nvPr/>
+          </p:nvSpPr>
+          <p:spPr>
+            <a:xfrm>
+              <a:off x="5676900" y="942975"/>
+              <a:ext cx="419100" cy="400050"/>
+            </a:xfrm>
+            <a:prstGeom prst="ellipse">
+              <a:avLst/>
+            </a:prstGeom>
+            <a:solidFill>
+              <a:schemeClr val="accent2"/>
+            </a:solidFill>
+          </p:spPr>
+          <p:style>
+            <a:lnRef idx="2">
+              <a:schemeClr val="accent1">
+                <a:shade val="15000"/>
+              </a:schemeClr>
+            </a:lnRef>
+            <a:fillRef idx="1">
+              <a:schemeClr val="accent1"/>
+            </a:fillRef>
+            <a:effectRef idx="0">
+              <a:schemeClr val="accent1"/>
+            </a:effectRef>
+            <a:fontRef idx="minor">
+              <a:schemeClr val="lt1"/>
+            </a:fontRef>
+          </p:style>
+          <p:txBody>
+            <a:bodyPr rtlCol="0" anchor="ctr"/>
+            <a:lstStyle/>
+            <a:p>
+              <a:pPr algn="ctr"/>
+              <a:endParaRPr lang="en-US"/>
+            </a:p>
+          </p:txBody>
+        </p:sp>
+        <p:sp>
+          <p:nvSpPr>
+            <p:cNvPr id="15" name="Oval 14">
+              <a:extLst>
+                <a:ext uri="{FF2B5EF4-FFF2-40B4-BE49-F238E27FC236}">
+                  <a16:creationId xmlns:a16="http://schemas.microsoft.com/office/drawing/2014/main" id="{AA20921D-83A1-E1D3-6B8B-F78363755D38}"/>
+                </a:ext>
+              </a:extLst>
+            </p:cNvPr>
+            <p:cNvSpPr/>
+            <p:nvPr/>
+          </p:nvSpPr>
+          <p:spPr>
+            <a:xfrm>
+              <a:off x="6667492" y="942975"/>
+              <a:ext cx="419100" cy="400050"/>
+            </a:xfrm>
+            <a:prstGeom prst="ellipse">
+              <a:avLst/>
+            </a:prstGeom>
+            <a:solidFill>
+              <a:schemeClr val="accent2"/>
+            </a:solidFill>
+          </p:spPr>
+          <p:style>
+            <a:lnRef idx="2">
+              <a:schemeClr val="accent1">
+                <a:shade val="15000"/>
+              </a:schemeClr>
+            </a:lnRef>
+            <a:fillRef idx="1">
+              <a:schemeClr val="accent1"/>
+            </a:fillRef>
+            <a:effectRef idx="0">
+              <a:schemeClr val="accent1"/>
+            </a:effectRef>
+            <a:fontRef idx="minor">
+              <a:schemeClr val="lt1"/>
+            </a:fontRef>
+          </p:style>
+          <p:txBody>
+            <a:bodyPr rtlCol="0" anchor="ctr"/>
+            <a:lstStyle/>
+            <a:p>
+              <a:pPr algn="ctr"/>
+              <a:endParaRPr lang="en-US"/>
+            </a:p>
+          </p:txBody>
+        </p:sp>
+        <p:sp>
+          <p:nvSpPr>
+            <p:cNvPr id="16" name="Oval 15">
+              <a:extLst>
+                <a:ext uri="{FF2B5EF4-FFF2-40B4-BE49-F238E27FC236}">
+                  <a16:creationId xmlns:a16="http://schemas.microsoft.com/office/drawing/2014/main" id="{CB40BE91-A77C-6285-FE30-9DB1ABE3126F}"/>
+                </a:ext>
+              </a:extLst>
+            </p:cNvPr>
+            <p:cNvSpPr/>
+            <p:nvPr/>
+          </p:nvSpPr>
+          <p:spPr>
+            <a:xfrm>
+              <a:off x="7658084" y="942975"/>
+              <a:ext cx="419100" cy="400050"/>
+            </a:xfrm>
+            <a:prstGeom prst="ellipse">
+              <a:avLst/>
+            </a:prstGeom>
+            <a:solidFill>
+              <a:schemeClr val="accent2"/>
+            </a:solidFill>
+          </p:spPr>
+          <p:style>
+            <a:lnRef idx="2">
+              <a:schemeClr val="accent1">
+                <a:shade val="15000"/>
+              </a:schemeClr>
+            </a:lnRef>
+            <a:fillRef idx="1">
+              <a:schemeClr val="accent1"/>
+            </a:fillRef>
+            <a:effectRef idx="0">
+              <a:schemeClr val="accent1"/>
+            </a:effectRef>
+            <a:fontRef idx="minor">
+              <a:schemeClr val="lt1"/>
+            </a:fontRef>
+          </p:style>
+          <p:txBody>
+            <a:bodyPr rtlCol="0" anchor="ctr"/>
+            <a:lstStyle/>
+            <a:p>
+              <a:pPr algn="ctr"/>
+              <a:endParaRPr lang="en-US"/>
+            </a:p>
+          </p:txBody>
+        </p:sp>
+        <p:sp>
+          <p:nvSpPr>
+            <p:cNvPr id="19" name="TextBox 18">
+              <a:extLst>
+                <a:ext uri="{FF2B5EF4-FFF2-40B4-BE49-F238E27FC236}">
+                  <a16:creationId xmlns:a16="http://schemas.microsoft.com/office/drawing/2014/main" id="{E1ACABE2-E474-9003-38F0-BC0B8E33C1F0}"/>
+                </a:ext>
+              </a:extLst>
+            </p:cNvPr>
+            <p:cNvSpPr txBox="1"/>
+            <p:nvPr/>
+          </p:nvSpPr>
+          <p:spPr>
+            <a:xfrm>
+              <a:off x="4729186" y="545604"/>
+              <a:ext cx="508390" cy="369332"/>
+            </a:xfrm>
+            <a:prstGeom prst="rect">
+              <a:avLst/>
+            </a:prstGeom>
+            <a:noFill/>
+          </p:spPr>
+          <p:txBody>
+            <a:bodyPr wrap="square">
+              <a:spAutoFit/>
+            </a:bodyPr>
+            <a:lstStyle/>
+            <a:p>
+              <a:r>
+                <a:rPr lang="en-US" dirty="0"/>
+                <a:t>s2</a:t>
+              </a:r>
+            </a:p>
+          </p:txBody>
+        </p:sp>
+        <p:sp>
+          <p:nvSpPr>
+            <p:cNvPr id="20" name="TextBox 19">
+              <a:extLst>
+                <a:ext uri="{FF2B5EF4-FFF2-40B4-BE49-F238E27FC236}">
+                  <a16:creationId xmlns:a16="http://schemas.microsoft.com/office/drawing/2014/main" id="{0DF84858-DAAD-7F9D-D7CE-44BD420EB9B2}"/>
+                </a:ext>
+              </a:extLst>
+            </p:cNvPr>
+            <p:cNvSpPr txBox="1"/>
+            <p:nvPr/>
+          </p:nvSpPr>
+          <p:spPr>
+            <a:xfrm>
+              <a:off x="5729295" y="537925"/>
+              <a:ext cx="419100" cy="369332"/>
+            </a:xfrm>
+            <a:prstGeom prst="rect">
+              <a:avLst/>
+            </a:prstGeom>
+            <a:noFill/>
+          </p:spPr>
+          <p:txBody>
+            <a:bodyPr wrap="square">
+              <a:spAutoFit/>
+            </a:bodyPr>
+            <a:lstStyle/>
+            <a:p>
+              <a:r>
+                <a:rPr lang="en-US" dirty="0"/>
+                <a:t>s3</a:t>
+              </a:r>
+            </a:p>
+          </p:txBody>
+        </p:sp>
+        <p:sp>
+          <p:nvSpPr>
+            <p:cNvPr id="21" name="TextBox 20">
+              <a:extLst>
+                <a:ext uri="{FF2B5EF4-FFF2-40B4-BE49-F238E27FC236}">
+                  <a16:creationId xmlns:a16="http://schemas.microsoft.com/office/drawing/2014/main" id="{77550C9F-1186-0D6B-BE96-7E87F63090BB}"/>
+                </a:ext>
+              </a:extLst>
+            </p:cNvPr>
+            <p:cNvSpPr txBox="1"/>
+            <p:nvPr/>
+          </p:nvSpPr>
+          <p:spPr>
+            <a:xfrm>
+              <a:off x="6657975" y="550605"/>
+              <a:ext cx="771525" cy="369332"/>
+            </a:xfrm>
+            <a:prstGeom prst="rect">
+              <a:avLst/>
+            </a:prstGeom>
+            <a:noFill/>
+          </p:spPr>
+          <p:txBody>
+            <a:bodyPr wrap="square">
+              <a:spAutoFit/>
+            </a:bodyPr>
+            <a:lstStyle/>
+            <a:p>
+              <a:r>
+                <a:rPr lang="en-US" dirty="0"/>
+                <a:t>s4</a:t>
+              </a:r>
+            </a:p>
+          </p:txBody>
+        </p:sp>
+        <p:sp>
+          <p:nvSpPr>
+            <p:cNvPr id="22" name="TextBox 21">
+              <a:extLst>
+                <a:ext uri="{FF2B5EF4-FFF2-40B4-BE49-F238E27FC236}">
+                  <a16:creationId xmlns:a16="http://schemas.microsoft.com/office/drawing/2014/main" id="{84A7C88C-FA9E-C229-DF55-88F0D7C2E137}"/>
+                </a:ext>
+              </a:extLst>
+            </p:cNvPr>
+            <p:cNvSpPr txBox="1"/>
+            <p:nvPr/>
+          </p:nvSpPr>
+          <p:spPr>
+            <a:xfrm>
+              <a:off x="7658084" y="558284"/>
+              <a:ext cx="508390" cy="369332"/>
+            </a:xfrm>
+            <a:prstGeom prst="rect">
+              <a:avLst/>
+            </a:prstGeom>
+            <a:noFill/>
+          </p:spPr>
+          <p:txBody>
+            <a:bodyPr wrap="square">
+              <a:spAutoFit/>
+            </a:bodyPr>
+            <a:lstStyle/>
+            <a:p>
+              <a:r>
+                <a:rPr lang="en-US" dirty="0"/>
+                <a:t>s5</a:t>
+              </a:r>
+            </a:p>
+          </p:txBody>
+        </p:sp>
+        <p:sp>
+          <p:nvSpPr>
+            <p:cNvPr id="23" name="TextBox 22">
+              <a:extLst>
+                <a:ext uri="{FF2B5EF4-FFF2-40B4-BE49-F238E27FC236}">
+                  <a16:creationId xmlns:a16="http://schemas.microsoft.com/office/drawing/2014/main" id="{C6A5DEDF-7070-E405-0454-53DF10E7F21A}"/>
+                </a:ext>
+              </a:extLst>
+            </p:cNvPr>
+            <p:cNvSpPr txBox="1"/>
+            <p:nvPr/>
+          </p:nvSpPr>
+          <p:spPr>
+            <a:xfrm>
+              <a:off x="3729077" y="586323"/>
+              <a:ext cx="579819" cy="369332"/>
+            </a:xfrm>
+            <a:prstGeom prst="rect">
+              <a:avLst/>
+            </a:prstGeom>
+            <a:noFill/>
+          </p:spPr>
+          <p:txBody>
+            <a:bodyPr wrap="square">
+              <a:spAutoFit/>
+            </a:bodyPr>
+            <a:lstStyle/>
+            <a:p>
+              <a:r>
+                <a:rPr lang="en-US" dirty="0"/>
+                <a:t>s1</a:t>
+              </a:r>
+            </a:p>
+          </p:txBody>
+        </p:sp>
+      </p:grpSp>
+    </p:spTree>
+    <p:extLst>
+      <p:ext uri="{BB962C8B-B14F-4D97-AF65-F5344CB8AC3E}">
+        <p14:creationId xmlns:p14="http://schemas.microsoft.com/office/powerpoint/2010/main" val="2261769760"/>
+      </p:ext>
+    </p:extLst>
+  </p:cSld>
+  <p:clrMapOvr>
+    <a:masterClrMapping/>
+  </p:clrMapOvr>
+</p:sld>
+</file>
+
+<file path=ppt/slides/slide7.xml><?xml version="1.0" encoding="utf-8"?>
+<p:sld xmlns:a="http://schemas.openxmlformats.org/drawingml/2006/main" xmlns:r="http://schemas.openxmlformats.org/officeDocument/2006/relationships" xmlns:p="http://schemas.openxmlformats.org/presentationml/2006/main">
+  <p:cSld>
+    <p:spTree>
+      <p:nvGrpSpPr>
+        <p:cNvPr id="1" name=""/>
+        <p:cNvGrpSpPr/>
+        <p:nvPr/>
+      </p:nvGrpSpPr>
+      <p:grpSpPr>
+        <a:xfrm>
+          <a:off x="0" y="0"/>
+          <a:ext cx="0" cy="0"/>
+          <a:chOff x="0" y="0"/>
+          <a:chExt cx="0" cy="0"/>
+        </a:xfrm>
+      </p:grpSpPr>
+      <p:sp>
+        <p:nvSpPr>
+          <p:cNvPr id="25" name="Rectangle 24">
+            <a:extLst>
+              <a:ext uri="{FF2B5EF4-FFF2-40B4-BE49-F238E27FC236}">
+                <a16:creationId xmlns:a16="http://schemas.microsoft.com/office/drawing/2014/main" id="{581054B6-C88C-473D-D174-0CF9AB7EA6E9}"/>
+              </a:ext>
+            </a:extLst>
+          </p:cNvPr>
+          <p:cNvSpPr/>
+          <p:nvPr/>
+        </p:nvSpPr>
+        <p:spPr>
+          <a:xfrm>
+            <a:off x="3558204" y="571501"/>
+            <a:ext cx="317883" cy="4371975"/>
+          </a:xfrm>
+          <a:prstGeom prst="rect">
+            <a:avLst/>
+          </a:prstGeom>
+        </p:spPr>
+        <p:style>
+          <a:lnRef idx="2">
+            <a:schemeClr val="dk1">
+              <a:shade val="15000"/>
+            </a:schemeClr>
+          </a:lnRef>
+          <a:fillRef idx="1">
+            <a:schemeClr val="dk1"/>
+          </a:fillRef>
+          <a:effectRef idx="0">
+            <a:schemeClr val="dk1"/>
+          </a:effectRef>
+          <a:fontRef idx="minor">
+            <a:schemeClr val="lt1"/>
+          </a:fontRef>
+        </p:style>
+        <p:txBody>
+          <a:bodyPr rtlCol="0" anchor="ctr"/>
+          <a:lstStyle/>
+          <a:p>
+            <a:pPr algn="ctr"/>
+            <a:endParaRPr lang="en-US" dirty="0"/>
+          </a:p>
+        </p:txBody>
+      </p:sp>
+      <p:grpSp>
+        <p:nvGrpSpPr>
+          <p:cNvPr id="24" name="Group 23">
+            <a:extLst>
+              <a:ext uri="{FF2B5EF4-FFF2-40B4-BE49-F238E27FC236}">
+                <a16:creationId xmlns:a16="http://schemas.microsoft.com/office/drawing/2014/main" id="{C6471F5F-37DF-2D29-7157-10209CD7664B}"/>
+              </a:ext>
+            </a:extLst>
+          </p:cNvPr>
+          <p:cNvGrpSpPr/>
+          <p:nvPr/>
+        </p:nvGrpSpPr>
+        <p:grpSpPr>
+          <a:xfrm rot="19189224">
+            <a:off x="362558" y="2076332"/>
+            <a:ext cx="4769628" cy="2419588"/>
+            <a:chOff x="3501636" y="537925"/>
+            <a:chExt cx="4769628" cy="2419588"/>
+          </a:xfrm>
+        </p:grpSpPr>
+        <p:sp>
+          <p:nvSpPr>
+            <p:cNvPr id="5" name="Rectangle 4">
+              <a:extLst>
+                <a:ext uri="{FF2B5EF4-FFF2-40B4-BE49-F238E27FC236}">
+                  <a16:creationId xmlns:a16="http://schemas.microsoft.com/office/drawing/2014/main" id="{FA1DDE33-5BA6-46BF-F154-D4427F977AC5}"/>
+                </a:ext>
+              </a:extLst>
+            </p:cNvPr>
+            <p:cNvSpPr/>
+            <p:nvPr/>
+          </p:nvSpPr>
+          <p:spPr>
+            <a:xfrm>
+              <a:off x="3501636" y="1343025"/>
+              <a:ext cx="4769628" cy="1614488"/>
+            </a:xfrm>
+            <a:prstGeom prst="rect">
+              <a:avLst/>
+            </a:prstGeom>
+            <a:solidFill>
+              <a:srgbClr val="00B0F0"/>
+            </a:solidFill>
+          </p:spPr>
+          <p:style>
+            <a:lnRef idx="2">
+              <a:schemeClr val="accent1">
+                <a:shade val="15000"/>
+              </a:schemeClr>
+            </a:lnRef>
+            <a:fillRef idx="1">
+              <a:schemeClr val="accent1"/>
+            </a:fillRef>
+            <a:effectRef idx="0">
+              <a:schemeClr val="accent1"/>
+            </a:effectRef>
+            <a:fontRef idx="minor">
+              <a:schemeClr val="lt1"/>
+            </a:fontRef>
+          </p:style>
+          <p:txBody>
+            <a:bodyPr rtlCol="0" anchor="ctr"/>
+            <a:lstStyle/>
+            <a:p>
+              <a:pPr algn="ctr"/>
+              <a:r>
+                <a:rPr lang="en-US" dirty="0"/>
+                <a:t>Wheelchair</a:t>
+              </a:r>
+            </a:p>
+          </p:txBody>
+        </p:sp>
+        <p:sp>
+          <p:nvSpPr>
+            <p:cNvPr id="10" name="Oval 9">
+              <a:extLst>
+                <a:ext uri="{FF2B5EF4-FFF2-40B4-BE49-F238E27FC236}">
+                  <a16:creationId xmlns:a16="http://schemas.microsoft.com/office/drawing/2014/main" id="{603F5B72-382A-B558-FEC4-18ED60FC2C3C}"/>
+                </a:ext>
+              </a:extLst>
+            </p:cNvPr>
+            <p:cNvSpPr/>
+            <p:nvPr/>
+          </p:nvSpPr>
+          <p:spPr>
+            <a:xfrm>
+              <a:off x="3695716" y="942975"/>
+              <a:ext cx="419100" cy="400050"/>
+            </a:xfrm>
+            <a:prstGeom prst="ellipse">
+              <a:avLst/>
+            </a:prstGeom>
+            <a:solidFill>
+              <a:schemeClr val="accent2"/>
+            </a:solidFill>
+          </p:spPr>
+          <p:style>
+            <a:lnRef idx="2">
+              <a:schemeClr val="accent1">
+                <a:shade val="15000"/>
+              </a:schemeClr>
+            </a:lnRef>
+            <a:fillRef idx="1">
+              <a:schemeClr val="accent1"/>
+            </a:fillRef>
+            <a:effectRef idx="0">
+              <a:schemeClr val="accent1"/>
+            </a:effectRef>
+            <a:fontRef idx="minor">
+              <a:schemeClr val="lt1"/>
+            </a:fontRef>
+          </p:style>
+          <p:txBody>
+            <a:bodyPr rtlCol="0" anchor="ctr"/>
+            <a:lstStyle/>
+            <a:p>
+              <a:pPr algn="ctr"/>
+              <a:endParaRPr lang="en-US" dirty="0"/>
+            </a:p>
+          </p:txBody>
+        </p:sp>
+        <p:sp>
+          <p:nvSpPr>
+            <p:cNvPr id="13" name="Oval 12">
+              <a:extLst>
+                <a:ext uri="{FF2B5EF4-FFF2-40B4-BE49-F238E27FC236}">
+                  <a16:creationId xmlns:a16="http://schemas.microsoft.com/office/drawing/2014/main" id="{652106BB-68D8-09AA-C1C2-2C79A34C64BE}"/>
+                </a:ext>
+              </a:extLst>
+            </p:cNvPr>
+            <p:cNvSpPr/>
+            <p:nvPr/>
+          </p:nvSpPr>
+          <p:spPr>
+            <a:xfrm>
+              <a:off x="4686308" y="942975"/>
+              <a:ext cx="419100" cy="400050"/>
+            </a:xfrm>
+            <a:prstGeom prst="ellipse">
+              <a:avLst/>
+            </a:prstGeom>
+            <a:solidFill>
+              <a:schemeClr val="accent2"/>
+            </a:solidFill>
+          </p:spPr>
+          <p:style>
+            <a:lnRef idx="2">
+              <a:schemeClr val="accent1">
+                <a:shade val="15000"/>
+              </a:schemeClr>
+            </a:lnRef>
+            <a:fillRef idx="1">
+              <a:schemeClr val="accent1"/>
+            </a:fillRef>
+            <a:effectRef idx="0">
+              <a:schemeClr val="accent1"/>
+            </a:effectRef>
+            <a:fontRef idx="minor">
+              <a:schemeClr val="lt1"/>
+            </a:fontRef>
+          </p:style>
+          <p:txBody>
+            <a:bodyPr rtlCol="0" anchor="ctr"/>
+            <a:lstStyle/>
+            <a:p>
+              <a:pPr algn="ctr"/>
+              <a:endParaRPr lang="en-US"/>
+            </a:p>
+          </p:txBody>
+        </p:sp>
+        <p:sp>
+          <p:nvSpPr>
+            <p:cNvPr id="14" name="Oval 13">
+              <a:extLst>
+                <a:ext uri="{FF2B5EF4-FFF2-40B4-BE49-F238E27FC236}">
+                  <a16:creationId xmlns:a16="http://schemas.microsoft.com/office/drawing/2014/main" id="{524E6A75-0209-4273-787B-F5293A573D64}"/>
+                </a:ext>
+              </a:extLst>
+            </p:cNvPr>
+            <p:cNvSpPr/>
+            <p:nvPr/>
+          </p:nvSpPr>
+          <p:spPr>
+            <a:xfrm>
+              <a:off x="5676900" y="942975"/>
+              <a:ext cx="419100" cy="400050"/>
+            </a:xfrm>
+            <a:prstGeom prst="ellipse">
+              <a:avLst/>
+            </a:prstGeom>
+            <a:solidFill>
+              <a:schemeClr val="accent2"/>
+            </a:solidFill>
+          </p:spPr>
+          <p:style>
+            <a:lnRef idx="2">
+              <a:schemeClr val="accent1">
+                <a:shade val="15000"/>
+              </a:schemeClr>
+            </a:lnRef>
+            <a:fillRef idx="1">
+              <a:schemeClr val="accent1"/>
+            </a:fillRef>
+            <a:effectRef idx="0">
+              <a:schemeClr val="accent1"/>
+            </a:effectRef>
+            <a:fontRef idx="minor">
+              <a:schemeClr val="lt1"/>
+            </a:fontRef>
+          </p:style>
+          <p:txBody>
+            <a:bodyPr rtlCol="0" anchor="ctr"/>
+            <a:lstStyle/>
+            <a:p>
+              <a:pPr algn="ctr"/>
+              <a:endParaRPr lang="en-US"/>
+            </a:p>
+          </p:txBody>
+        </p:sp>
+        <p:sp>
+          <p:nvSpPr>
+            <p:cNvPr id="15" name="Oval 14">
+              <a:extLst>
+                <a:ext uri="{FF2B5EF4-FFF2-40B4-BE49-F238E27FC236}">
+                  <a16:creationId xmlns:a16="http://schemas.microsoft.com/office/drawing/2014/main" id="{AA20921D-83A1-E1D3-6B8B-F78363755D38}"/>
+                </a:ext>
+              </a:extLst>
+            </p:cNvPr>
+            <p:cNvSpPr/>
+            <p:nvPr/>
+          </p:nvSpPr>
+          <p:spPr>
+            <a:xfrm>
+              <a:off x="6667492" y="942975"/>
+              <a:ext cx="419100" cy="400050"/>
+            </a:xfrm>
+            <a:prstGeom prst="ellipse">
+              <a:avLst/>
+            </a:prstGeom>
+            <a:solidFill>
+              <a:schemeClr val="accent2"/>
+            </a:solidFill>
+          </p:spPr>
+          <p:style>
+            <a:lnRef idx="2">
+              <a:schemeClr val="accent1">
+                <a:shade val="15000"/>
+              </a:schemeClr>
+            </a:lnRef>
+            <a:fillRef idx="1">
+              <a:schemeClr val="accent1"/>
+            </a:fillRef>
+            <a:effectRef idx="0">
+              <a:schemeClr val="accent1"/>
+            </a:effectRef>
+            <a:fontRef idx="minor">
+              <a:schemeClr val="lt1"/>
+            </a:fontRef>
+          </p:style>
+          <p:txBody>
+            <a:bodyPr rtlCol="0" anchor="ctr"/>
+            <a:lstStyle/>
+            <a:p>
+              <a:pPr algn="ctr"/>
+              <a:endParaRPr lang="en-US"/>
+            </a:p>
+          </p:txBody>
+        </p:sp>
+        <p:sp>
+          <p:nvSpPr>
+            <p:cNvPr id="16" name="Oval 15">
+              <a:extLst>
+                <a:ext uri="{FF2B5EF4-FFF2-40B4-BE49-F238E27FC236}">
+                  <a16:creationId xmlns:a16="http://schemas.microsoft.com/office/drawing/2014/main" id="{CB40BE91-A77C-6285-FE30-9DB1ABE3126F}"/>
+                </a:ext>
+              </a:extLst>
+            </p:cNvPr>
+            <p:cNvSpPr/>
+            <p:nvPr/>
+          </p:nvSpPr>
+          <p:spPr>
+            <a:xfrm>
+              <a:off x="7658084" y="942975"/>
+              <a:ext cx="419100" cy="400050"/>
+            </a:xfrm>
+            <a:prstGeom prst="ellipse">
+              <a:avLst/>
+            </a:prstGeom>
+            <a:solidFill>
+              <a:schemeClr val="accent2"/>
+            </a:solidFill>
+          </p:spPr>
+          <p:style>
+            <a:lnRef idx="2">
+              <a:schemeClr val="accent1">
+                <a:shade val="15000"/>
+              </a:schemeClr>
+            </a:lnRef>
+            <a:fillRef idx="1">
+              <a:schemeClr val="accent1"/>
+            </a:fillRef>
+            <a:effectRef idx="0">
+              <a:schemeClr val="accent1"/>
+            </a:effectRef>
+            <a:fontRef idx="minor">
+              <a:schemeClr val="lt1"/>
+            </a:fontRef>
+          </p:style>
+          <p:txBody>
+            <a:bodyPr rtlCol="0" anchor="ctr"/>
+            <a:lstStyle/>
+            <a:p>
+              <a:pPr algn="ctr"/>
+              <a:endParaRPr lang="en-US"/>
+            </a:p>
+          </p:txBody>
+        </p:sp>
+        <p:sp>
+          <p:nvSpPr>
+            <p:cNvPr id="19" name="TextBox 18">
+              <a:extLst>
+                <a:ext uri="{FF2B5EF4-FFF2-40B4-BE49-F238E27FC236}">
+                  <a16:creationId xmlns:a16="http://schemas.microsoft.com/office/drawing/2014/main" id="{E1ACABE2-E474-9003-38F0-BC0B8E33C1F0}"/>
+                </a:ext>
+              </a:extLst>
+            </p:cNvPr>
+            <p:cNvSpPr txBox="1"/>
+            <p:nvPr/>
+          </p:nvSpPr>
+          <p:spPr>
+            <a:xfrm>
+              <a:off x="4729186" y="545604"/>
+              <a:ext cx="508390" cy="369332"/>
+            </a:xfrm>
+            <a:prstGeom prst="rect">
+              <a:avLst/>
+            </a:prstGeom>
+            <a:noFill/>
+          </p:spPr>
+          <p:txBody>
+            <a:bodyPr wrap="square">
+              <a:spAutoFit/>
+            </a:bodyPr>
+            <a:lstStyle/>
+            <a:p>
+              <a:r>
+                <a:rPr lang="en-US" dirty="0"/>
+                <a:t>s2</a:t>
+              </a:r>
+            </a:p>
+          </p:txBody>
+        </p:sp>
+        <p:sp>
+          <p:nvSpPr>
+            <p:cNvPr id="20" name="TextBox 19">
+              <a:extLst>
+                <a:ext uri="{FF2B5EF4-FFF2-40B4-BE49-F238E27FC236}">
+                  <a16:creationId xmlns:a16="http://schemas.microsoft.com/office/drawing/2014/main" id="{0DF84858-DAAD-7F9D-D7CE-44BD420EB9B2}"/>
+                </a:ext>
+              </a:extLst>
+            </p:cNvPr>
+            <p:cNvSpPr txBox="1"/>
+            <p:nvPr/>
+          </p:nvSpPr>
+          <p:spPr>
+            <a:xfrm>
+              <a:off x="5729295" y="537925"/>
+              <a:ext cx="419100" cy="369332"/>
+            </a:xfrm>
+            <a:prstGeom prst="rect">
+              <a:avLst/>
+            </a:prstGeom>
+            <a:noFill/>
+          </p:spPr>
+          <p:txBody>
+            <a:bodyPr wrap="square">
+              <a:spAutoFit/>
+            </a:bodyPr>
+            <a:lstStyle/>
+            <a:p>
+              <a:r>
+                <a:rPr lang="en-US" dirty="0"/>
+                <a:t>s3</a:t>
+              </a:r>
+            </a:p>
+          </p:txBody>
+        </p:sp>
+        <p:sp>
+          <p:nvSpPr>
+            <p:cNvPr id="21" name="TextBox 20">
+              <a:extLst>
+                <a:ext uri="{FF2B5EF4-FFF2-40B4-BE49-F238E27FC236}">
+                  <a16:creationId xmlns:a16="http://schemas.microsoft.com/office/drawing/2014/main" id="{77550C9F-1186-0D6B-BE96-7E87F63090BB}"/>
+                </a:ext>
+              </a:extLst>
+            </p:cNvPr>
+            <p:cNvSpPr txBox="1"/>
+            <p:nvPr/>
+          </p:nvSpPr>
+          <p:spPr>
+            <a:xfrm>
+              <a:off x="6657975" y="550605"/>
+              <a:ext cx="771525" cy="369332"/>
+            </a:xfrm>
+            <a:prstGeom prst="rect">
+              <a:avLst/>
+            </a:prstGeom>
+            <a:noFill/>
+          </p:spPr>
+          <p:txBody>
+            <a:bodyPr wrap="square">
+              <a:spAutoFit/>
+            </a:bodyPr>
+            <a:lstStyle/>
+            <a:p>
+              <a:r>
+                <a:rPr lang="en-US" dirty="0"/>
+                <a:t>s4</a:t>
+              </a:r>
+            </a:p>
+          </p:txBody>
+        </p:sp>
+        <p:sp>
+          <p:nvSpPr>
+            <p:cNvPr id="22" name="TextBox 21">
+              <a:extLst>
+                <a:ext uri="{FF2B5EF4-FFF2-40B4-BE49-F238E27FC236}">
+                  <a16:creationId xmlns:a16="http://schemas.microsoft.com/office/drawing/2014/main" id="{84A7C88C-FA9E-C229-DF55-88F0D7C2E137}"/>
+                </a:ext>
+              </a:extLst>
+            </p:cNvPr>
+            <p:cNvSpPr txBox="1"/>
+            <p:nvPr/>
+          </p:nvSpPr>
+          <p:spPr>
+            <a:xfrm>
+              <a:off x="7658084" y="558284"/>
+              <a:ext cx="508390" cy="369332"/>
+            </a:xfrm>
+            <a:prstGeom prst="rect">
+              <a:avLst/>
+            </a:prstGeom>
+            <a:noFill/>
+          </p:spPr>
+          <p:txBody>
+            <a:bodyPr wrap="square">
+              <a:spAutoFit/>
+            </a:bodyPr>
+            <a:lstStyle/>
+            <a:p>
+              <a:r>
+                <a:rPr lang="en-US" dirty="0"/>
+                <a:t>s5</a:t>
+              </a:r>
+            </a:p>
+          </p:txBody>
+        </p:sp>
+        <p:sp>
+          <p:nvSpPr>
+            <p:cNvPr id="23" name="TextBox 22">
+              <a:extLst>
+                <a:ext uri="{FF2B5EF4-FFF2-40B4-BE49-F238E27FC236}">
+                  <a16:creationId xmlns:a16="http://schemas.microsoft.com/office/drawing/2014/main" id="{C6A5DEDF-7070-E405-0454-53DF10E7F21A}"/>
+                </a:ext>
+              </a:extLst>
+            </p:cNvPr>
+            <p:cNvSpPr txBox="1"/>
+            <p:nvPr/>
+          </p:nvSpPr>
+          <p:spPr>
+            <a:xfrm>
+              <a:off x="3729077" y="586323"/>
+              <a:ext cx="579819" cy="369332"/>
+            </a:xfrm>
+            <a:prstGeom prst="rect">
+              <a:avLst/>
+            </a:prstGeom>
+            <a:noFill/>
+          </p:spPr>
+          <p:txBody>
+            <a:bodyPr wrap="square">
+              <a:spAutoFit/>
+            </a:bodyPr>
+            <a:lstStyle/>
+            <a:p>
+              <a:r>
+                <a:rPr lang="en-US" dirty="0"/>
+                <a:t>s1</a:t>
+              </a:r>
+            </a:p>
+          </p:txBody>
+        </p:sp>
+      </p:grpSp>
+    </p:spTree>
+    <p:extLst>
+      <p:ext uri="{BB962C8B-B14F-4D97-AF65-F5344CB8AC3E}">
+        <p14:creationId xmlns:p14="http://schemas.microsoft.com/office/powerpoint/2010/main" val="1154810717"/>
+      </p:ext>
+    </p:extLst>
+  </p:cSld>
+  <p:clrMapOvr>
+    <a:masterClrMapping/>
+  </p:clrMapOvr>
+</p:sld>
+</file>
+
+<file path=ppt/slides/slide8.xml><?xml version="1.0" encoding="utf-8"?>
+<p:sld xmlns:a="http://schemas.openxmlformats.org/drawingml/2006/main" xmlns:r="http://schemas.openxmlformats.org/officeDocument/2006/relationships" xmlns:p="http://schemas.openxmlformats.org/presentationml/2006/main">
+  <p:cSld>
+    <p:spTree>
+      <p:nvGrpSpPr>
+        <p:cNvPr id="1" name=""/>
+        <p:cNvGrpSpPr/>
+        <p:nvPr/>
+      </p:nvGrpSpPr>
+      <p:grpSpPr>
+        <a:xfrm>
+          <a:off x="0" y="0"/>
+          <a:ext cx="0" cy="0"/>
+          <a:chOff x="0" y="0"/>
+          <a:chExt cx="0" cy="0"/>
+        </a:xfrm>
+      </p:grpSpPr>
+      <p:pic>
+        <p:nvPicPr>
+          <p:cNvPr id="24" name="Picture 23">
+            <a:extLst>
+              <a:ext uri="{FF2B5EF4-FFF2-40B4-BE49-F238E27FC236}">
+                <a16:creationId xmlns:a16="http://schemas.microsoft.com/office/drawing/2014/main" id="{0304F9B5-E491-08C0-6CEF-20A1C951D39E}"/>
+              </a:ext>
+            </a:extLst>
+          </p:cNvPr>
+          <p:cNvPicPr>
+            <a:picLocks noChangeAspect="1"/>
+          </p:cNvPicPr>
+          <p:nvPr/>
+        </p:nvPicPr>
+        <p:blipFill rotWithShape="1">
+          <a:blip r:embed="rId2">
+            <a:extLst>
+              <a:ext uri="{BEBA8EAE-BF5A-486C-A8C5-ECC9F3942E4B}">
+                <a14:imgProps xmlns:a14="http://schemas.microsoft.com/office/drawing/2010/main">
+                  <a14:imgLayer r:embed="rId3">
+                    <a14:imgEffect>
+                      <a14:backgroundRemoval t="12335" b="89868" l="16216" r="90991">
+                        <a14:foregroundMark x1="22973" y1="58150" x2="19369" y2="34802"/>
+                        <a14:foregroundMark x1="19369" y1="34802" x2="25225" y2="14537"/>
+                        <a14:foregroundMark x1="25225" y1="14537" x2="45495" y2="10573"/>
+                        <a14:foregroundMark x1="45495" y1="10573" x2="67117" y2="12335"/>
+                        <a14:foregroundMark x1="67117" y1="12335" x2="75676" y2="15419"/>
+                        <a14:foregroundMark x1="19369" y1="31718" x2="17568" y2="16300"/>
+                        <a14:foregroundMark x1="20721" y1="14978" x2="16216" y2="15419"/>
+                      </a14:backgroundRemoval>
+                    </a14:imgEffect>
+                  </a14:imgLayer>
+                </a14:imgProps>
+              </a:ext>
+            </a:extLst>
+          </a:blip>
+          <a:srcRect l="15722" t="3681"/>
+          <a:stretch/>
+        </p:blipFill>
+        <p:spPr>
+          <a:xfrm>
+            <a:off x="7913352" y="3122146"/>
+            <a:ext cx="1950426" cy="2269249"/>
+          </a:xfrm>
+          <a:prstGeom prst="rect">
+            <a:avLst/>
+          </a:prstGeom>
+        </p:spPr>
+      </p:pic>
+      <p:grpSp>
+        <p:nvGrpSpPr>
+          <p:cNvPr id="11" name="Group 10">
+            <a:extLst>
+              <a:ext uri="{FF2B5EF4-FFF2-40B4-BE49-F238E27FC236}">
+                <a16:creationId xmlns:a16="http://schemas.microsoft.com/office/drawing/2014/main" id="{44E4C082-36A5-8394-D077-6E52761D4ED0}"/>
+              </a:ext>
+            </a:extLst>
+          </p:cNvPr>
+          <p:cNvGrpSpPr/>
+          <p:nvPr/>
+        </p:nvGrpSpPr>
+        <p:grpSpPr>
+          <a:xfrm>
+            <a:off x="2147695" y="1006465"/>
+            <a:ext cx="3665932" cy="3414714"/>
+            <a:chOff x="1719070" y="334953"/>
+            <a:chExt cx="3665932" cy="3414714"/>
+          </a:xfrm>
+        </p:grpSpPr>
+        <p:pic>
+          <p:nvPicPr>
+            <p:cNvPr id="12" name="Picture 11">
+              <a:extLst>
+                <a:ext uri="{FF2B5EF4-FFF2-40B4-BE49-F238E27FC236}">
+                  <a16:creationId xmlns:a16="http://schemas.microsoft.com/office/drawing/2014/main" id="{BCA652E9-2EE1-5152-0CF6-ED8A485F493D}"/>
+                </a:ext>
+              </a:extLst>
+            </p:cNvPr>
+            <p:cNvPicPr>
+              <a:picLocks noChangeAspect="1"/>
+            </p:cNvPicPr>
+            <p:nvPr/>
+          </p:nvPicPr>
+          <p:blipFill>
+            <a:blip r:embed="rId4"/>
+            <a:stretch>
+              <a:fillRect/>
+            </a:stretch>
+          </p:blipFill>
+          <p:spPr>
+            <a:xfrm>
+              <a:off x="1719070" y="334953"/>
+              <a:ext cx="3629814" cy="3414714"/>
+            </a:xfrm>
+            <a:prstGeom prst="rect">
+              <a:avLst/>
+            </a:prstGeom>
+          </p:spPr>
+        </p:pic>
+        <p:sp>
+          <p:nvSpPr>
+            <p:cNvPr id="13" name="Oval 12">
+              <a:extLst>
+                <a:ext uri="{FF2B5EF4-FFF2-40B4-BE49-F238E27FC236}">
+                  <a16:creationId xmlns:a16="http://schemas.microsoft.com/office/drawing/2014/main" id="{62AB6AC8-76E6-3521-7C41-291FF954CF57}"/>
+                </a:ext>
+              </a:extLst>
+            </p:cNvPr>
+            <p:cNvSpPr/>
+            <p:nvPr/>
+          </p:nvSpPr>
+          <p:spPr>
+            <a:xfrm rot="20255472">
+              <a:off x="5010516" y="2505078"/>
+              <a:ext cx="318966" cy="168273"/>
+            </a:xfrm>
+            <a:prstGeom prst="ellipse">
+              <a:avLst/>
+            </a:prstGeom>
+            <a:solidFill>
+              <a:srgbClr val="FF0000"/>
+            </a:solidFill>
+          </p:spPr>
+          <p:style>
+            <a:lnRef idx="2">
+              <a:schemeClr val="accent1">
+                <a:shade val="15000"/>
+              </a:schemeClr>
+            </a:lnRef>
+            <a:fillRef idx="1">
+              <a:schemeClr val="accent1"/>
+            </a:fillRef>
+            <a:effectRef idx="0">
+              <a:schemeClr val="accent1"/>
+            </a:effectRef>
+            <a:fontRef idx="minor">
+              <a:schemeClr val="lt1"/>
+            </a:fontRef>
+          </p:style>
+          <p:txBody>
+            <a:bodyPr rtlCol="0" anchor="ctr"/>
+            <a:lstStyle/>
+            <a:p>
+              <a:pPr algn="ctr"/>
+              <a:r>
+                <a:rPr lang="en-US" sz="1300" dirty="0"/>
+                <a:t>  </a:t>
+              </a:r>
+            </a:p>
+          </p:txBody>
+        </p:sp>
+        <p:sp>
+          <p:nvSpPr>
+            <p:cNvPr id="14" name="Oval 13">
+              <a:extLst>
+                <a:ext uri="{FF2B5EF4-FFF2-40B4-BE49-F238E27FC236}">
+                  <a16:creationId xmlns:a16="http://schemas.microsoft.com/office/drawing/2014/main" id="{800C7CE7-CC75-4B1E-F5C0-7C1D60973924}"/>
+                </a:ext>
+              </a:extLst>
+            </p:cNvPr>
+            <p:cNvSpPr/>
+            <p:nvPr/>
+          </p:nvSpPr>
+          <p:spPr>
+            <a:xfrm rot="2161094">
+              <a:off x="4547303" y="3371850"/>
+              <a:ext cx="318966" cy="168273"/>
+            </a:xfrm>
+            <a:prstGeom prst="ellipse">
+              <a:avLst/>
+            </a:prstGeom>
+            <a:solidFill>
+              <a:srgbClr val="FF0000"/>
+            </a:solidFill>
+          </p:spPr>
+          <p:style>
+            <a:lnRef idx="2">
+              <a:schemeClr val="accent1">
+                <a:shade val="15000"/>
+              </a:schemeClr>
+            </a:lnRef>
+            <a:fillRef idx="1">
+              <a:schemeClr val="accent1"/>
+            </a:fillRef>
+            <a:effectRef idx="0">
+              <a:schemeClr val="accent1"/>
+            </a:effectRef>
+            <a:fontRef idx="minor">
+              <a:schemeClr val="lt1"/>
+            </a:fontRef>
+          </p:style>
+          <p:txBody>
+            <a:bodyPr rtlCol="0" anchor="ctr"/>
+            <a:lstStyle/>
+            <a:p>
+              <a:pPr algn="ctr"/>
+              <a:r>
+                <a:rPr lang="en-US" sz="1300" dirty="0"/>
+                <a:t>  </a:t>
+              </a:r>
+            </a:p>
+          </p:txBody>
+        </p:sp>
+        <p:sp>
+          <p:nvSpPr>
+            <p:cNvPr id="15" name="Oval 14">
+              <a:extLst>
+                <a:ext uri="{FF2B5EF4-FFF2-40B4-BE49-F238E27FC236}">
+                  <a16:creationId xmlns:a16="http://schemas.microsoft.com/office/drawing/2014/main" id="{5EB1D24F-B962-6E68-0217-49887872EB0A}"/>
+                </a:ext>
+              </a:extLst>
+            </p:cNvPr>
+            <p:cNvSpPr/>
+            <p:nvPr/>
+          </p:nvSpPr>
+          <p:spPr>
+            <a:xfrm rot="20967788">
+              <a:off x="5129154" y="2905125"/>
+              <a:ext cx="255848" cy="168273"/>
+            </a:xfrm>
+            <a:prstGeom prst="ellipse">
+              <a:avLst/>
+            </a:prstGeom>
+            <a:solidFill>
+              <a:srgbClr val="FF0000"/>
+            </a:solidFill>
+          </p:spPr>
+          <p:style>
+            <a:lnRef idx="2">
+              <a:schemeClr val="accent1">
+                <a:shade val="15000"/>
+              </a:schemeClr>
+            </a:lnRef>
+            <a:fillRef idx="1">
+              <a:schemeClr val="accent1"/>
+            </a:fillRef>
+            <a:effectRef idx="0">
+              <a:schemeClr val="accent1"/>
+            </a:effectRef>
+            <a:fontRef idx="minor">
+              <a:schemeClr val="lt1"/>
+            </a:fontRef>
+          </p:style>
+          <p:txBody>
+            <a:bodyPr rtlCol="0" anchor="ctr"/>
+            <a:lstStyle/>
+            <a:p>
+              <a:pPr algn="ctr"/>
+              <a:r>
+                <a:rPr lang="en-US" sz="1300" dirty="0"/>
+                <a:t>  </a:t>
+              </a:r>
+            </a:p>
+          </p:txBody>
+        </p:sp>
+        <p:sp>
+          <p:nvSpPr>
+            <p:cNvPr id="16" name="Oval 15">
+              <a:extLst>
+                <a:ext uri="{FF2B5EF4-FFF2-40B4-BE49-F238E27FC236}">
+                  <a16:creationId xmlns:a16="http://schemas.microsoft.com/office/drawing/2014/main" id="{BF62DDA3-5662-F995-564B-710521612567}"/>
+                </a:ext>
+              </a:extLst>
+            </p:cNvPr>
+            <p:cNvSpPr/>
+            <p:nvPr/>
+          </p:nvSpPr>
+          <p:spPr>
+            <a:xfrm rot="1343655">
+              <a:off x="5001578" y="3203626"/>
+              <a:ext cx="323142" cy="160948"/>
+            </a:xfrm>
+            <a:prstGeom prst="ellipse">
+              <a:avLst/>
+            </a:prstGeom>
+            <a:solidFill>
+              <a:srgbClr val="FFFF00"/>
+            </a:solidFill>
+          </p:spPr>
+          <p:style>
+            <a:lnRef idx="2">
+              <a:schemeClr val="accent1">
+                <a:shade val="15000"/>
+              </a:schemeClr>
+            </a:lnRef>
+            <a:fillRef idx="1">
+              <a:schemeClr val="accent1"/>
+            </a:fillRef>
+            <a:effectRef idx="0">
+              <a:schemeClr val="accent1"/>
+            </a:effectRef>
+            <a:fontRef idx="minor">
+              <a:schemeClr val="lt1"/>
+            </a:fontRef>
+          </p:style>
+          <p:txBody>
+            <a:bodyPr rtlCol="0" anchor="ctr"/>
+            <a:lstStyle/>
+            <a:p>
+              <a:pPr algn="ctr"/>
+              <a:r>
+                <a:rPr lang="en-US" sz="1300" dirty="0">
+                  <a:highlight>
+                    <a:srgbClr val="FFFF00"/>
+                  </a:highlight>
+                </a:rPr>
+                <a:t>  </a:t>
+              </a:r>
+            </a:p>
+          </p:txBody>
+        </p:sp>
+        <p:sp>
+          <p:nvSpPr>
+            <p:cNvPr id="17" name="Oval 16">
+              <a:extLst>
+                <a:ext uri="{FF2B5EF4-FFF2-40B4-BE49-F238E27FC236}">
+                  <a16:creationId xmlns:a16="http://schemas.microsoft.com/office/drawing/2014/main" id="{8AED0BCC-8A00-7D6B-3185-8BB1D58BC6BB}"/>
+                </a:ext>
+              </a:extLst>
+            </p:cNvPr>
+            <p:cNvSpPr/>
+            <p:nvPr/>
+          </p:nvSpPr>
+          <p:spPr>
+            <a:xfrm rot="20098406">
+              <a:off x="1843736" y="1517150"/>
+              <a:ext cx="560056" cy="181266"/>
+            </a:xfrm>
+            <a:prstGeom prst="ellipse">
+              <a:avLst/>
+            </a:prstGeom>
+            <a:solidFill>
+              <a:srgbClr val="FFFF00"/>
+            </a:solidFill>
+          </p:spPr>
+          <p:style>
+            <a:lnRef idx="2">
+              <a:schemeClr val="accent1">
+                <a:shade val="15000"/>
+              </a:schemeClr>
+            </a:lnRef>
+            <a:fillRef idx="1">
+              <a:schemeClr val="accent1"/>
+            </a:fillRef>
+            <a:effectRef idx="0">
+              <a:schemeClr val="accent1"/>
+            </a:effectRef>
+            <a:fontRef idx="minor">
+              <a:schemeClr val="lt1"/>
+            </a:fontRef>
+          </p:style>
+          <p:txBody>
+            <a:bodyPr rtlCol="0" anchor="ctr"/>
+            <a:lstStyle/>
+            <a:p>
+              <a:pPr algn="ctr"/>
+              <a:r>
+                <a:rPr lang="en-US" sz="1300" dirty="0">
+                  <a:highlight>
+                    <a:srgbClr val="FFFF00"/>
+                  </a:highlight>
+                </a:rPr>
+                <a:t>  </a:t>
+              </a:r>
+            </a:p>
+          </p:txBody>
+        </p:sp>
+      </p:grpSp>
+      <p:sp>
+        <p:nvSpPr>
+          <p:cNvPr id="20" name="Extract 19">
+            <a:extLst>
+              <a:ext uri="{FF2B5EF4-FFF2-40B4-BE49-F238E27FC236}">
+                <a16:creationId xmlns:a16="http://schemas.microsoft.com/office/drawing/2014/main" id="{9DF4AC06-AD67-44A1-FCE8-FB50714E3AD3}"/>
+              </a:ext>
+            </a:extLst>
+          </p:cNvPr>
+          <p:cNvSpPr/>
+          <p:nvPr/>
+        </p:nvSpPr>
+        <p:spPr>
+          <a:xfrm rot="14575331">
+            <a:off x="5936402" y="1710193"/>
+            <a:ext cx="1354428" cy="2007258"/>
+          </a:xfrm>
+          <a:prstGeom prst="flowChartExtract">
+            <a:avLst/>
+          </a:prstGeom>
+          <a:solidFill>
+            <a:schemeClr val="accent6">
+              <a:lumMod val="40000"/>
+              <a:lumOff val="60000"/>
+            </a:schemeClr>
+          </a:solidFill>
+        </p:spPr>
+        <p:style>
+          <a:lnRef idx="2">
+            <a:schemeClr val="accent1">
+              <a:shade val="15000"/>
+            </a:schemeClr>
+          </a:lnRef>
+          <a:fillRef idx="1">
+            <a:schemeClr val="accent1"/>
+          </a:fillRef>
+          <a:effectRef idx="0">
+            <a:schemeClr val="accent1"/>
+          </a:effectRef>
+          <a:fontRef idx="minor">
+            <a:schemeClr val="lt1"/>
+          </a:fontRef>
+        </p:style>
+        <p:txBody>
+          <a:bodyPr rtlCol="0" anchor="ctr"/>
+          <a:lstStyle/>
+          <a:p>
+            <a:pPr algn="ctr"/>
             <a:endParaRPr lang="en-US" dirty="0"/>
           </a:p>
         </p:txBody>
       </p:sp>
       <p:sp>
         <p:nvSpPr>
-          <p:cNvPr id="3" name="Content Placeholder 2">
-            <a:extLst>
-              <a:ext uri="{FF2B5EF4-FFF2-40B4-BE49-F238E27FC236}">
-                <a16:creationId xmlns:a16="http://schemas.microsoft.com/office/drawing/2014/main" id="{BEFC7449-F1AA-DB2C-419C-43171CC8B237}"/>
-              </a:ext>
-            </a:extLst>
-          </p:cNvPr>
-          <p:cNvSpPr>
-            <a:spLocks noGrp="1"/>
-          </p:cNvSpPr>
-          <p:nvPr>
-            <p:ph idx="1"/>
-          </p:nvPr>
+          <p:cNvPr id="21" name="Extract 20">
+            <a:extLst>
+              <a:ext uri="{FF2B5EF4-FFF2-40B4-BE49-F238E27FC236}">
+                <a16:creationId xmlns:a16="http://schemas.microsoft.com/office/drawing/2014/main" id="{1C55FD40-B09C-887A-B220-3E105FDDDC78}"/>
+              </a:ext>
+            </a:extLst>
+          </p:cNvPr>
+          <p:cNvSpPr/>
+          <p:nvPr/>
         </p:nvSpPr>
-        <p:spPr/>
+        <p:spPr>
+          <a:xfrm rot="16955398">
+            <a:off x="6099625" y="2940312"/>
+            <a:ext cx="1354428" cy="1933535"/>
+          </a:xfrm>
+          <a:prstGeom prst="flowChartExtract">
+            <a:avLst/>
+          </a:prstGeom>
+          <a:solidFill>
+            <a:schemeClr val="accent6">
+              <a:lumMod val="40000"/>
+              <a:lumOff val="60000"/>
+            </a:schemeClr>
+          </a:solidFill>
+        </p:spPr>
+        <p:style>
+          <a:lnRef idx="2">
+            <a:schemeClr val="accent1">
+              <a:shade val="15000"/>
+            </a:schemeClr>
+          </a:lnRef>
+          <a:fillRef idx="1">
+            <a:schemeClr val="accent1"/>
+          </a:fillRef>
+          <a:effectRef idx="0">
+            <a:schemeClr val="accent1"/>
+          </a:effectRef>
+          <a:fontRef idx="minor">
+            <a:schemeClr val="lt1"/>
+          </a:fontRef>
+        </p:style>
         <p:txBody>
-          <a:bodyPr/>
+          <a:bodyPr rtlCol="0" anchor="ctr"/>
           <a:lstStyle/>
           <a:p>
-            <a:endParaRPr lang="en-US"/>
+            <a:pPr algn="ctr"/>
+            <a:endParaRPr lang="en-US" dirty="0"/>
           </a:p>
         </p:txBody>
       </p:sp>
-      <p:pic>
-        <p:nvPicPr>
-          <p:cNvPr id="2050" name="Picture 2">
-            <a:extLst>
-              <a:ext uri="{FF2B5EF4-FFF2-40B4-BE49-F238E27FC236}">
-                <a16:creationId xmlns:a16="http://schemas.microsoft.com/office/drawing/2014/main" id="{21FF4C83-3DE4-3D47-D1F7-C1939BBD7D29}"/>
-              </a:ext>
-            </a:extLst>
-          </p:cNvPr>
-          <p:cNvPicPr>
-            <a:picLocks noChangeAspect="1" noChangeArrowheads="1"/>
-          </p:cNvPicPr>
+      <p:sp>
+        <p:nvSpPr>
+          <p:cNvPr id="22" name="Extract 21">
+            <a:extLst>
+              <a:ext uri="{FF2B5EF4-FFF2-40B4-BE49-F238E27FC236}">
+                <a16:creationId xmlns:a16="http://schemas.microsoft.com/office/drawing/2014/main" id="{DF7971AD-F88F-21C9-9C4C-C804D0FE3CC3}"/>
+              </a:ext>
+            </a:extLst>
+          </p:cNvPr>
+          <p:cNvSpPr/>
           <p:nvPr/>
-        </p:nvPicPr>
-        <p:blipFill>
-          <a:blip r:embed="rId2">
-            <a:extLst>
-              <a:ext uri="{28A0092B-C50C-407E-A947-70E740481C1C}">
-                <a14:useLocalDpi xmlns:a14="http://schemas.microsoft.com/office/drawing/2010/main" val="0"/>
-              </a:ext>
-            </a:extLst>
-          </a:blip>
-          <a:srcRect/>
-          <a:stretch>
-            <a:fillRect/>
-          </a:stretch>
-        </p:blipFill>
-        <p:spPr bwMode="auto">
+        </p:nvSpPr>
+        <p:spPr>
+          <a:xfrm rot="19281146">
+            <a:off x="5149641" y="4015418"/>
+            <a:ext cx="1354428" cy="1933535"/>
+          </a:xfrm>
+          <a:prstGeom prst="flowChartExtract">
+            <a:avLst/>
+          </a:prstGeom>
+          <a:solidFill>
+            <a:schemeClr val="accent6">
+              <a:lumMod val="40000"/>
+              <a:lumOff val="60000"/>
+            </a:schemeClr>
+          </a:solidFill>
+        </p:spPr>
+        <p:style>
+          <a:lnRef idx="2">
+            <a:schemeClr val="accent1">
+              <a:shade val="15000"/>
+            </a:schemeClr>
+          </a:lnRef>
+          <a:fillRef idx="1">
+            <a:schemeClr val="accent1"/>
+          </a:fillRef>
+          <a:effectRef idx="0">
+            <a:schemeClr val="accent1"/>
+          </a:effectRef>
+          <a:fontRef idx="minor">
+            <a:schemeClr val="lt1"/>
+          </a:fontRef>
+        </p:style>
+        <p:txBody>
+          <a:bodyPr rtlCol="0" anchor="ctr"/>
+          <a:lstStyle/>
+          <a:p>
+            <a:pPr algn="ctr"/>
+            <a:endParaRPr lang="en-US" dirty="0"/>
+          </a:p>
+        </p:txBody>
+      </p:sp>
+      <p:sp>
+        <p:nvSpPr>
+          <p:cNvPr id="23" name="Extract 22">
+            <a:extLst>
+              <a:ext uri="{FF2B5EF4-FFF2-40B4-BE49-F238E27FC236}">
+                <a16:creationId xmlns:a16="http://schemas.microsoft.com/office/drawing/2014/main" id="{6D9AC603-DDF7-25BB-8666-2B4AB3F34DE6}"/>
+              </a:ext>
+            </a:extLst>
+          </p:cNvPr>
+          <p:cNvSpPr/>
+          <p:nvPr/>
+        </p:nvSpPr>
+        <p:spPr>
+          <a:xfrm rot="4390250">
+            <a:off x="660492" y="1710194"/>
+            <a:ext cx="1354428" cy="2007258"/>
+          </a:xfrm>
+          <a:prstGeom prst="flowChartExtract">
+            <a:avLst/>
+          </a:prstGeom>
+          <a:solidFill>
+            <a:schemeClr val="accent6">
+              <a:lumMod val="40000"/>
+              <a:lumOff val="60000"/>
+            </a:schemeClr>
+          </a:solidFill>
+        </p:spPr>
+        <p:style>
+          <a:lnRef idx="2">
+            <a:schemeClr val="accent1">
+              <a:shade val="15000"/>
+            </a:schemeClr>
+          </a:lnRef>
+          <a:fillRef idx="1">
+            <a:schemeClr val="accent1"/>
+          </a:fillRef>
+          <a:effectRef idx="0">
+            <a:schemeClr val="accent1"/>
+          </a:effectRef>
+          <a:fontRef idx="minor">
+            <a:schemeClr val="lt1"/>
+          </a:fontRef>
+        </p:style>
+        <p:txBody>
+          <a:bodyPr rtlCol="0" anchor="ctr"/>
+          <a:lstStyle/>
+          <a:p>
+            <a:pPr algn="ctr"/>
+            <a:endParaRPr lang="en-US" dirty="0"/>
+          </a:p>
+        </p:txBody>
+      </p:sp>
+    </p:spTree>
+    <p:extLst>
+      <p:ext uri="{BB962C8B-B14F-4D97-AF65-F5344CB8AC3E}">
+        <p14:creationId xmlns:p14="http://schemas.microsoft.com/office/powerpoint/2010/main" val="966471929"/>
+      </p:ext>
+    </p:extLst>
+  </p:cSld>
+  <p:clrMapOvr>
+    <a:masterClrMapping/>
+  </p:clrMapOvr>
+</p:sld>
+</file>
+
+<file path=ppt/slides/slide9.xml><?xml version="1.0" encoding="utf-8"?>
+<p:sld xmlns:a="http://schemas.openxmlformats.org/drawingml/2006/main" xmlns:r="http://schemas.openxmlformats.org/officeDocument/2006/relationships" xmlns:p="http://schemas.openxmlformats.org/presentationml/2006/main">
+  <p:cSld>
+    <p:spTree>
+      <p:nvGrpSpPr>
+        <p:cNvPr id="1" name=""/>
+        <p:cNvGrpSpPr/>
+        <p:nvPr/>
+      </p:nvGrpSpPr>
+      <p:grpSpPr>
+        <a:xfrm>
+          <a:off x="0" y="0"/>
+          <a:ext cx="0" cy="0"/>
+          <a:chOff x="0" y="0"/>
+          <a:chExt cx="0" cy="0"/>
+        </a:xfrm>
+      </p:grpSpPr>
+      <p:grpSp>
+        <p:nvGrpSpPr>
+          <p:cNvPr id="41" name="Group 40">
+            <a:extLst>
+              <a:ext uri="{FF2B5EF4-FFF2-40B4-BE49-F238E27FC236}">
+                <a16:creationId xmlns:a16="http://schemas.microsoft.com/office/drawing/2014/main" id="{C1ABBB44-DB10-982E-8D0B-29426163B076}"/>
+              </a:ext>
+            </a:extLst>
+          </p:cNvPr>
+          <p:cNvGrpSpPr/>
+          <p:nvPr/>
+        </p:nvGrpSpPr>
+        <p:grpSpPr>
           <a:xfrm>
-            <a:off x="1808163" y="0"/>
-            <a:ext cx="8575675" cy="6858000"/>
+            <a:off x="5277480" y="505404"/>
+            <a:ext cx="5661629" cy="5847191"/>
+            <a:chOff x="3911449" y="293258"/>
+            <a:chExt cx="5661629" cy="5847191"/>
+          </a:xfrm>
+        </p:grpSpPr>
+        <p:pic>
+          <p:nvPicPr>
+            <p:cNvPr id="5" name="Picture 4">
+              <a:extLst>
+                <a:ext uri="{FF2B5EF4-FFF2-40B4-BE49-F238E27FC236}">
+                  <a16:creationId xmlns:a16="http://schemas.microsoft.com/office/drawing/2014/main" id="{AC5317E4-83DC-AB10-1C86-37D0028915D9}"/>
+                </a:ext>
+              </a:extLst>
+            </p:cNvPr>
+            <p:cNvPicPr>
+              <a:picLocks noChangeAspect="1"/>
+            </p:cNvPicPr>
+            <p:nvPr/>
+          </p:nvPicPr>
+          <p:blipFill>
+            <a:blip r:embed="rId2"/>
+            <a:stretch>
+              <a:fillRect/>
+            </a:stretch>
+          </p:blipFill>
+          <p:spPr>
+            <a:xfrm rot="5400000">
+              <a:off x="6339090" y="1230809"/>
+              <a:ext cx="3637248" cy="1762145"/>
+            </a:xfrm>
+            <a:prstGeom prst="rect">
+              <a:avLst/>
+            </a:prstGeom>
+          </p:spPr>
+        </p:pic>
+        <p:pic>
+          <p:nvPicPr>
+            <p:cNvPr id="6" name="Picture 5">
+              <a:extLst>
+                <a:ext uri="{FF2B5EF4-FFF2-40B4-BE49-F238E27FC236}">
+                  <a16:creationId xmlns:a16="http://schemas.microsoft.com/office/drawing/2014/main" id="{DFFB6908-45DD-2F25-8C4E-577153429869}"/>
+                </a:ext>
+              </a:extLst>
+            </p:cNvPr>
+            <p:cNvPicPr>
+              <a:picLocks noChangeAspect="1"/>
+            </p:cNvPicPr>
+            <p:nvPr/>
+          </p:nvPicPr>
+          <p:blipFill>
+            <a:blip r:embed="rId3"/>
+            <a:stretch>
+              <a:fillRect/>
+            </a:stretch>
+          </p:blipFill>
+          <p:spPr>
+            <a:xfrm>
+              <a:off x="3911449" y="5114924"/>
+              <a:ext cx="1025525" cy="1025525"/>
+            </a:xfrm>
+            <a:prstGeom prst="rect">
+              <a:avLst/>
+            </a:prstGeom>
+          </p:spPr>
+        </p:pic>
+        <p:pic>
+          <p:nvPicPr>
+            <p:cNvPr id="11" name="Picture 10">
+              <a:extLst>
+                <a:ext uri="{FF2B5EF4-FFF2-40B4-BE49-F238E27FC236}">
+                  <a16:creationId xmlns:a16="http://schemas.microsoft.com/office/drawing/2014/main" id="{1E70D703-3FC8-929D-2B03-ABD4AF1C4514}"/>
+                </a:ext>
+              </a:extLst>
+            </p:cNvPr>
+            <p:cNvPicPr>
+              <a:picLocks noChangeAspect="1"/>
+            </p:cNvPicPr>
+            <p:nvPr/>
+          </p:nvPicPr>
+          <p:blipFill>
+            <a:blip r:embed="rId3"/>
+            <a:stretch>
+              <a:fillRect/>
+            </a:stretch>
+          </p:blipFill>
+          <p:spPr>
+            <a:xfrm>
+              <a:off x="5070475" y="5114923"/>
+              <a:ext cx="1025525" cy="1025525"/>
+            </a:xfrm>
+            <a:prstGeom prst="rect">
+              <a:avLst/>
+            </a:prstGeom>
+          </p:spPr>
+        </p:pic>
+        <p:pic>
+          <p:nvPicPr>
+            <p:cNvPr id="12" name="Picture 11">
+              <a:extLst>
+                <a:ext uri="{FF2B5EF4-FFF2-40B4-BE49-F238E27FC236}">
+                  <a16:creationId xmlns:a16="http://schemas.microsoft.com/office/drawing/2014/main" id="{3062DCD3-9359-4E41-2A05-CACB1B87A1AB}"/>
+                </a:ext>
+              </a:extLst>
+            </p:cNvPr>
+            <p:cNvPicPr>
+              <a:picLocks noChangeAspect="1"/>
+            </p:cNvPicPr>
+            <p:nvPr/>
+          </p:nvPicPr>
+          <p:blipFill>
+            <a:blip r:embed="rId3"/>
+            <a:stretch>
+              <a:fillRect/>
+            </a:stretch>
+          </p:blipFill>
+          <p:spPr>
+            <a:xfrm>
+              <a:off x="6229501" y="5114922"/>
+              <a:ext cx="1025525" cy="1025525"/>
+            </a:xfrm>
+            <a:prstGeom prst="rect">
+              <a:avLst/>
+            </a:prstGeom>
+          </p:spPr>
+        </p:pic>
+        <p:pic>
+          <p:nvPicPr>
+            <p:cNvPr id="13" name="Picture 12">
+              <a:extLst>
+                <a:ext uri="{FF2B5EF4-FFF2-40B4-BE49-F238E27FC236}">
+                  <a16:creationId xmlns:a16="http://schemas.microsoft.com/office/drawing/2014/main" id="{A5019D76-937A-95C4-B4B6-247C9B39FC09}"/>
+                </a:ext>
+              </a:extLst>
+            </p:cNvPr>
+            <p:cNvPicPr>
+              <a:picLocks noChangeAspect="1"/>
+            </p:cNvPicPr>
+            <p:nvPr/>
+          </p:nvPicPr>
+          <p:blipFill>
+            <a:blip r:embed="rId3"/>
+            <a:stretch>
+              <a:fillRect/>
+            </a:stretch>
+          </p:blipFill>
+          <p:spPr>
+            <a:xfrm>
+              <a:off x="7388527" y="5114921"/>
+              <a:ext cx="1025525" cy="1025525"/>
+            </a:xfrm>
+            <a:prstGeom prst="rect">
+              <a:avLst/>
+            </a:prstGeom>
+          </p:spPr>
+        </p:pic>
+        <p:pic>
+          <p:nvPicPr>
+            <p:cNvPr id="14" name="Picture 13">
+              <a:extLst>
+                <a:ext uri="{FF2B5EF4-FFF2-40B4-BE49-F238E27FC236}">
+                  <a16:creationId xmlns:a16="http://schemas.microsoft.com/office/drawing/2014/main" id="{D474DDF0-47C5-6C02-7784-E0FEA92E433B}"/>
+                </a:ext>
+              </a:extLst>
+            </p:cNvPr>
+            <p:cNvPicPr>
+              <a:picLocks noChangeAspect="1"/>
+            </p:cNvPicPr>
+            <p:nvPr/>
+          </p:nvPicPr>
+          <p:blipFill>
+            <a:blip r:embed="rId3"/>
+            <a:stretch>
+              <a:fillRect/>
+            </a:stretch>
+          </p:blipFill>
+          <p:spPr>
+            <a:xfrm>
+              <a:off x="8547553" y="5114920"/>
+              <a:ext cx="1025525" cy="1025525"/>
+            </a:xfrm>
+            <a:prstGeom prst="rect">
+              <a:avLst/>
+            </a:prstGeom>
+          </p:spPr>
+        </p:pic>
+        <p:cxnSp>
+          <p:nvCxnSpPr>
+            <p:cNvPr id="16" name="Straight Arrow Connector 15">
+              <a:extLst>
+                <a:ext uri="{FF2B5EF4-FFF2-40B4-BE49-F238E27FC236}">
+                  <a16:creationId xmlns:a16="http://schemas.microsoft.com/office/drawing/2014/main" id="{CC93B565-C023-FB6A-2675-D00164F3A099}"/>
+                </a:ext>
+              </a:extLst>
+            </p:cNvPr>
+            <p:cNvCxnSpPr>
+              <a:cxnSpLocks/>
+            </p:cNvCxnSpPr>
+            <p:nvPr/>
+          </p:nvCxnSpPr>
+          <p:spPr>
+            <a:xfrm flipV="1">
+              <a:off x="4424211" y="2589215"/>
+              <a:ext cx="2830815" cy="2768598"/>
+            </a:xfrm>
+            <a:prstGeom prst="straightConnector1">
+              <a:avLst/>
+            </a:prstGeom>
+            <a:ln w="25400">
+              <a:solidFill>
+                <a:srgbClr val="FF0000"/>
+              </a:solidFill>
+              <a:tailEnd type="triangle"/>
+            </a:ln>
+          </p:spPr>
+          <p:style>
+            <a:lnRef idx="1">
+              <a:schemeClr val="accent1"/>
+            </a:lnRef>
+            <a:fillRef idx="0">
+              <a:schemeClr val="accent1"/>
+            </a:fillRef>
+            <a:effectRef idx="0">
+              <a:schemeClr val="accent1"/>
+            </a:effectRef>
+            <a:fontRef idx="minor">
+              <a:schemeClr val="tx1"/>
+            </a:fontRef>
+          </p:style>
+        </p:cxnSp>
+        <p:cxnSp>
+          <p:nvCxnSpPr>
+            <p:cNvPr id="17" name="Straight Arrow Connector 16">
+              <a:extLst>
+                <a:ext uri="{FF2B5EF4-FFF2-40B4-BE49-F238E27FC236}">
+                  <a16:creationId xmlns:a16="http://schemas.microsoft.com/office/drawing/2014/main" id="{41887B1F-46BF-AF65-80AC-803D4F630991}"/>
+                </a:ext>
+              </a:extLst>
+            </p:cNvPr>
+            <p:cNvCxnSpPr>
+              <a:cxnSpLocks/>
+            </p:cNvCxnSpPr>
+            <p:nvPr/>
+          </p:nvCxnSpPr>
+          <p:spPr>
+            <a:xfrm flipV="1">
+              <a:off x="5627293" y="3371850"/>
+              <a:ext cx="1627733" cy="1985963"/>
+            </a:xfrm>
+            <a:prstGeom prst="straightConnector1">
+              <a:avLst/>
+            </a:prstGeom>
+            <a:ln w="25400">
+              <a:solidFill>
+                <a:srgbClr val="FF0000"/>
+              </a:solidFill>
+              <a:tailEnd type="triangle"/>
+            </a:ln>
+          </p:spPr>
+          <p:style>
+            <a:lnRef idx="1">
+              <a:schemeClr val="accent1"/>
+            </a:lnRef>
+            <a:fillRef idx="0">
+              <a:schemeClr val="accent1"/>
+            </a:fillRef>
+            <a:effectRef idx="0">
+              <a:schemeClr val="accent1"/>
+            </a:effectRef>
+            <a:fontRef idx="minor">
+              <a:schemeClr val="tx1"/>
+            </a:fontRef>
+          </p:style>
+        </p:cxnSp>
+        <p:cxnSp>
+          <p:nvCxnSpPr>
+            <p:cNvPr id="19" name="Straight Arrow Connector 18">
+              <a:extLst>
+                <a:ext uri="{FF2B5EF4-FFF2-40B4-BE49-F238E27FC236}">
+                  <a16:creationId xmlns:a16="http://schemas.microsoft.com/office/drawing/2014/main" id="{2C8B2872-8729-8489-4A73-70D174C6C176}"/>
+                </a:ext>
+              </a:extLst>
+            </p:cNvPr>
+            <p:cNvCxnSpPr>
+              <a:cxnSpLocks/>
+            </p:cNvCxnSpPr>
+            <p:nvPr/>
+          </p:nvCxnSpPr>
+          <p:spPr>
+            <a:xfrm flipV="1">
+              <a:off x="6708456" y="3872025"/>
+              <a:ext cx="601587" cy="1485788"/>
+            </a:xfrm>
+            <a:prstGeom prst="straightConnector1">
+              <a:avLst/>
+            </a:prstGeom>
+            <a:ln w="25400">
+              <a:solidFill>
+                <a:srgbClr val="FF0000"/>
+              </a:solidFill>
+              <a:tailEnd type="triangle"/>
+            </a:ln>
+          </p:spPr>
+          <p:style>
+            <a:lnRef idx="1">
+              <a:schemeClr val="accent1"/>
+            </a:lnRef>
+            <a:fillRef idx="0">
+              <a:schemeClr val="accent1"/>
+            </a:fillRef>
+            <a:effectRef idx="0">
+              <a:schemeClr val="accent1"/>
+            </a:effectRef>
+            <a:fontRef idx="minor">
+              <a:schemeClr val="tx1"/>
+            </a:fontRef>
+          </p:style>
+        </p:cxnSp>
+        <p:cxnSp>
+          <p:nvCxnSpPr>
+            <p:cNvPr id="25" name="Straight Arrow Connector 24">
+              <a:extLst>
+                <a:ext uri="{FF2B5EF4-FFF2-40B4-BE49-F238E27FC236}">
+                  <a16:creationId xmlns:a16="http://schemas.microsoft.com/office/drawing/2014/main" id="{568844C2-E4CD-35F0-5189-544600FEC0D1}"/>
+                </a:ext>
+              </a:extLst>
+            </p:cNvPr>
+            <p:cNvCxnSpPr>
+              <a:cxnSpLocks/>
+            </p:cNvCxnSpPr>
+            <p:nvPr/>
+          </p:nvCxnSpPr>
+          <p:spPr>
+            <a:xfrm flipV="1">
+              <a:off x="7901289" y="3872025"/>
+              <a:ext cx="21210" cy="1485788"/>
+            </a:xfrm>
+            <a:prstGeom prst="straightConnector1">
+              <a:avLst/>
+            </a:prstGeom>
+            <a:ln w="25400">
+              <a:solidFill>
+                <a:srgbClr val="FF0000"/>
+              </a:solidFill>
+              <a:tailEnd type="triangle"/>
+            </a:ln>
+          </p:spPr>
+          <p:style>
+            <a:lnRef idx="1">
+              <a:schemeClr val="accent1"/>
+            </a:lnRef>
+            <a:fillRef idx="0">
+              <a:schemeClr val="accent1"/>
+            </a:fillRef>
+            <a:effectRef idx="0">
+              <a:schemeClr val="accent1"/>
+            </a:effectRef>
+            <a:fontRef idx="minor">
+              <a:schemeClr val="tx1"/>
+            </a:fontRef>
+          </p:style>
+        </p:cxnSp>
+        <p:cxnSp>
+          <p:nvCxnSpPr>
+            <p:cNvPr id="28" name="Straight Arrow Connector 27">
+              <a:extLst>
+                <a:ext uri="{FF2B5EF4-FFF2-40B4-BE49-F238E27FC236}">
+                  <a16:creationId xmlns:a16="http://schemas.microsoft.com/office/drawing/2014/main" id="{5DBA5291-87C0-67BB-A815-873FA8963801}"/>
+                </a:ext>
+              </a:extLst>
+            </p:cNvPr>
+            <p:cNvCxnSpPr>
+              <a:cxnSpLocks/>
+            </p:cNvCxnSpPr>
+            <p:nvPr/>
+          </p:nvCxnSpPr>
+          <p:spPr>
+            <a:xfrm flipH="1" flipV="1">
+              <a:off x="8470197" y="3852067"/>
+              <a:ext cx="623925" cy="1505746"/>
+            </a:xfrm>
+            <a:prstGeom prst="straightConnector1">
+              <a:avLst/>
+            </a:prstGeom>
+            <a:ln w="25400">
+              <a:solidFill>
+                <a:srgbClr val="FF0000"/>
+              </a:solidFill>
+              <a:tailEnd type="triangle"/>
+            </a:ln>
+          </p:spPr>
+          <p:style>
+            <a:lnRef idx="1">
+              <a:schemeClr val="accent1"/>
+            </a:lnRef>
+            <a:fillRef idx="0">
+              <a:schemeClr val="accent1"/>
+            </a:fillRef>
+            <a:effectRef idx="0">
+              <a:schemeClr val="accent1"/>
+            </a:effectRef>
+            <a:fontRef idx="minor">
+              <a:schemeClr val="tx1"/>
+            </a:fontRef>
+          </p:style>
+        </p:cxnSp>
+      </p:grpSp>
+      <p:sp>
+        <p:nvSpPr>
+          <p:cNvPr id="31" name="Oval 30">
+            <a:extLst>
+              <a:ext uri="{FF2B5EF4-FFF2-40B4-BE49-F238E27FC236}">
+                <a16:creationId xmlns:a16="http://schemas.microsoft.com/office/drawing/2014/main" id="{B07E2BBF-A347-1E5D-51FA-4C85D691895F}"/>
+              </a:ext>
+            </a:extLst>
+          </p:cNvPr>
+          <p:cNvSpPr/>
+          <p:nvPr/>
+        </p:nvSpPr>
+        <p:spPr>
+          <a:xfrm>
+            <a:off x="785813" y="4800600"/>
+            <a:ext cx="370930" cy="314320"/>
+          </a:xfrm>
+          <a:prstGeom prst="ellipse">
+            <a:avLst/>
+          </a:prstGeom>
+          <a:solidFill>
+            <a:srgbClr val="FF0000"/>
+          </a:solidFill>
+        </p:spPr>
+        <p:style>
+          <a:lnRef idx="2">
+            <a:schemeClr val="accent1">
+              <a:shade val="15000"/>
+            </a:schemeClr>
+          </a:lnRef>
+          <a:fillRef idx="1">
+            <a:schemeClr val="accent1"/>
+          </a:fillRef>
+          <a:effectRef idx="0">
+            <a:schemeClr val="accent1"/>
+          </a:effectRef>
+          <a:fontRef idx="minor">
+            <a:schemeClr val="lt1"/>
+          </a:fontRef>
+        </p:style>
+        <p:txBody>
+          <a:bodyPr rtlCol="0" anchor="ctr"/>
+          <a:lstStyle/>
+          <a:p>
+            <a:pPr algn="ctr"/>
+            <a:r>
+              <a:rPr lang="en-US" sz="1300" dirty="0"/>
+              <a:t>  </a:t>
+            </a:r>
+          </a:p>
+        </p:txBody>
+      </p:sp>
+      <p:sp>
+        <p:nvSpPr>
+          <p:cNvPr id="32" name="TextBox 31">
+            <a:extLst>
+              <a:ext uri="{FF2B5EF4-FFF2-40B4-BE49-F238E27FC236}">
+                <a16:creationId xmlns:a16="http://schemas.microsoft.com/office/drawing/2014/main" id="{01AAC4CC-327F-DD5F-4616-55A1843FF93B}"/>
+              </a:ext>
+            </a:extLst>
+          </p:cNvPr>
+          <p:cNvSpPr txBox="1"/>
+          <p:nvPr/>
+        </p:nvSpPr>
+        <p:spPr>
+          <a:xfrm>
+            <a:off x="665230" y="4343730"/>
+            <a:ext cx="983026" cy="292388"/>
           </a:xfrm>
           <a:prstGeom prst="rect">
             <a:avLst/>
           </a:prstGeom>
           <a:noFill/>
-          <a:extLst>
-            <a:ext uri="{909E8E84-426E-40DD-AFC4-6F175D3DCCD1}">
-              <a14:hiddenFill xmlns:a14="http://schemas.microsoft.com/office/drawing/2010/main">
-                <a:solidFill>
-                  <a:srgbClr val="FFFFFF"/>
-                </a:solidFill>
-              </a14:hiddenFill>
-            </a:ext>
-          </a:extLst>
         </p:spPr>
-      </p:pic>
+        <p:txBody>
+          <a:bodyPr wrap="none" rtlCol="0">
+            <a:spAutoFit/>
+          </a:bodyPr>
+          <a:lstStyle/>
+          <a:p>
+            <a:r>
+              <a:rPr lang="en-US" sz="1300" dirty="0"/>
+              <a:t>Explanation</a:t>
+            </a:r>
+          </a:p>
+        </p:txBody>
+      </p:sp>
+      <p:sp>
+        <p:nvSpPr>
+          <p:cNvPr id="33" name="TextBox 32">
+            <a:extLst>
+              <a:ext uri="{FF2B5EF4-FFF2-40B4-BE49-F238E27FC236}">
+                <a16:creationId xmlns:a16="http://schemas.microsoft.com/office/drawing/2014/main" id="{FD282A77-59A2-FFBD-0E8F-C44562E68904}"/>
+              </a:ext>
+            </a:extLst>
+          </p:cNvPr>
+          <p:cNvSpPr txBox="1"/>
+          <p:nvPr/>
+        </p:nvSpPr>
+        <p:spPr>
+          <a:xfrm>
+            <a:off x="1354621" y="4811566"/>
+            <a:ext cx="1962349" cy="492443"/>
+          </a:xfrm>
+          <a:prstGeom prst="rect">
+            <a:avLst/>
+          </a:prstGeom>
+          <a:noFill/>
+        </p:spPr>
+        <p:txBody>
+          <a:bodyPr wrap="square" rtlCol="0">
+            <a:spAutoFit/>
+          </a:bodyPr>
+          <a:lstStyle/>
+          <a:p>
+            <a:r>
+              <a:rPr lang="en-US" sz="1300" dirty="0"/>
+              <a:t>Object detect sensor HC-SR04</a:t>
+            </a:r>
+          </a:p>
+        </p:txBody>
+      </p:sp>
+      <p:sp>
+        <p:nvSpPr>
+          <p:cNvPr id="34" name="TextBox 33">
+            <a:extLst>
+              <a:ext uri="{FF2B5EF4-FFF2-40B4-BE49-F238E27FC236}">
+                <a16:creationId xmlns:a16="http://schemas.microsoft.com/office/drawing/2014/main" id="{F0620C81-2F92-E47A-B051-1661271CB8FF}"/>
+              </a:ext>
+            </a:extLst>
+          </p:cNvPr>
+          <p:cNvSpPr txBox="1"/>
+          <p:nvPr/>
+        </p:nvSpPr>
+        <p:spPr>
+          <a:xfrm>
+            <a:off x="3777948" y="5994251"/>
+            <a:ext cx="184731" cy="292388"/>
+          </a:xfrm>
+          <a:prstGeom prst="rect">
+            <a:avLst/>
+          </a:prstGeom>
+          <a:noFill/>
+        </p:spPr>
+        <p:txBody>
+          <a:bodyPr wrap="none" rtlCol="0">
+            <a:spAutoFit/>
+          </a:bodyPr>
+          <a:lstStyle/>
+          <a:p>
+            <a:endParaRPr lang="en-US" sz="1300" dirty="0"/>
+          </a:p>
+        </p:txBody>
+      </p:sp>
+      <p:cxnSp>
+        <p:nvCxnSpPr>
+          <p:cNvPr id="39" name="Straight Arrow Connector 38">
+            <a:extLst>
+              <a:ext uri="{FF2B5EF4-FFF2-40B4-BE49-F238E27FC236}">
+                <a16:creationId xmlns:a16="http://schemas.microsoft.com/office/drawing/2014/main" id="{7A8B0194-D405-6955-111B-46A2B27EB4B9}"/>
+              </a:ext>
+            </a:extLst>
+          </p:cNvPr>
+          <p:cNvCxnSpPr/>
+          <p:nvPr/>
+        </p:nvCxnSpPr>
+        <p:spPr>
+          <a:xfrm flipH="1">
+            <a:off x="5257078" y="1271588"/>
+            <a:ext cx="838922" cy="1114425"/>
+          </a:xfrm>
+          <a:prstGeom prst="straightConnector1">
+            <a:avLst/>
+          </a:prstGeom>
+          <a:ln>
+            <a:tailEnd type="triangle"/>
+          </a:ln>
+        </p:spPr>
+        <p:style>
+          <a:lnRef idx="1">
+            <a:schemeClr val="accent1"/>
+          </a:lnRef>
+          <a:fillRef idx="0">
+            <a:schemeClr val="accent1"/>
+          </a:fillRef>
+          <a:effectRef idx="0">
+            <a:schemeClr val="accent1"/>
+          </a:effectRef>
+          <a:fontRef idx="minor">
+            <a:schemeClr val="tx1"/>
+          </a:fontRef>
+        </p:style>
+      </p:cxnSp>
+      <p:sp>
+        <p:nvSpPr>
+          <p:cNvPr id="40" name="TextBox 39">
+            <a:extLst>
+              <a:ext uri="{FF2B5EF4-FFF2-40B4-BE49-F238E27FC236}">
+                <a16:creationId xmlns:a16="http://schemas.microsoft.com/office/drawing/2014/main" id="{7090B4F8-B0AF-AB7F-E1F3-B7562E115F38}"/>
+              </a:ext>
+            </a:extLst>
+          </p:cNvPr>
+          <p:cNvSpPr txBox="1"/>
+          <p:nvPr/>
+        </p:nvSpPr>
+        <p:spPr>
+          <a:xfrm>
+            <a:off x="5239666" y="984488"/>
+            <a:ext cx="1977464" cy="292388"/>
+          </a:xfrm>
+          <a:prstGeom prst="rect">
+            <a:avLst/>
+          </a:prstGeom>
+          <a:noFill/>
+        </p:spPr>
+        <p:txBody>
+          <a:bodyPr wrap="none" rtlCol="0">
+            <a:spAutoFit/>
+          </a:bodyPr>
+          <a:lstStyle/>
+          <a:p>
+            <a:r>
+              <a:rPr lang="en-US" sz="1300" dirty="0"/>
+              <a:t>Detects objects on the left</a:t>
+            </a:r>
+          </a:p>
+        </p:txBody>
+      </p:sp>
+      <p:sp>
+        <p:nvSpPr>
+          <p:cNvPr id="42" name="TextBox 41">
+            <a:extLst>
+              <a:ext uri="{FF2B5EF4-FFF2-40B4-BE49-F238E27FC236}">
+                <a16:creationId xmlns:a16="http://schemas.microsoft.com/office/drawing/2014/main" id="{7817CF39-375C-2114-1AD4-0834EB379823}"/>
+              </a:ext>
+            </a:extLst>
+          </p:cNvPr>
+          <p:cNvSpPr txBox="1"/>
+          <p:nvPr/>
+        </p:nvSpPr>
+        <p:spPr>
+          <a:xfrm>
+            <a:off x="4516689" y="4471988"/>
+            <a:ext cx="1977464" cy="292388"/>
+          </a:xfrm>
+          <a:prstGeom prst="rect">
+            <a:avLst/>
+          </a:prstGeom>
+          <a:noFill/>
+        </p:spPr>
+        <p:txBody>
+          <a:bodyPr wrap="none" rtlCol="0">
+            <a:spAutoFit/>
+          </a:bodyPr>
+          <a:lstStyle/>
+          <a:p>
+            <a:r>
+              <a:rPr lang="en-US" sz="1300" dirty="0"/>
+              <a:t>Detects objects on the left</a:t>
+            </a:r>
+          </a:p>
+        </p:txBody>
+      </p:sp>
+      <p:cxnSp>
+        <p:nvCxnSpPr>
+          <p:cNvPr id="43" name="Straight Arrow Connector 42">
+            <a:extLst>
+              <a:ext uri="{FF2B5EF4-FFF2-40B4-BE49-F238E27FC236}">
+                <a16:creationId xmlns:a16="http://schemas.microsoft.com/office/drawing/2014/main" id="{5CD2B204-B64B-1D11-D51F-A35DEFE6E375}"/>
+              </a:ext>
+            </a:extLst>
+          </p:cNvPr>
+          <p:cNvCxnSpPr>
+            <a:cxnSpLocks/>
+            <a:stCxn id="42" idx="0"/>
+          </p:cNvCxnSpPr>
+          <p:nvPr/>
+        </p:nvCxnSpPr>
+        <p:spPr>
+          <a:xfrm flipH="1" flipV="1">
+            <a:off x="4908912" y="3553615"/>
+            <a:ext cx="596509" cy="918373"/>
+          </a:xfrm>
+          <a:prstGeom prst="straightConnector1">
+            <a:avLst/>
+          </a:prstGeom>
+          <a:ln>
+            <a:tailEnd type="triangle"/>
+          </a:ln>
+        </p:spPr>
+        <p:style>
+          <a:lnRef idx="1">
+            <a:schemeClr val="accent1"/>
+          </a:lnRef>
+          <a:fillRef idx="0">
+            <a:schemeClr val="accent1"/>
+          </a:fillRef>
+          <a:effectRef idx="0">
+            <a:schemeClr val="accent1"/>
+          </a:effectRef>
+          <a:fontRef idx="minor">
+            <a:schemeClr val="tx1"/>
+          </a:fontRef>
+        </p:style>
+      </p:cxnSp>
+      <p:cxnSp>
+        <p:nvCxnSpPr>
+          <p:cNvPr id="45" name="Straight Arrow Connector 44">
+            <a:extLst>
+              <a:ext uri="{FF2B5EF4-FFF2-40B4-BE49-F238E27FC236}">
+                <a16:creationId xmlns:a16="http://schemas.microsoft.com/office/drawing/2014/main" id="{8E811583-E07D-BAB8-9597-2EAB00D83278}"/>
+              </a:ext>
+            </a:extLst>
+          </p:cNvPr>
+          <p:cNvCxnSpPr>
+            <a:cxnSpLocks/>
+            <a:endCxn id="37" idx="6"/>
+          </p:cNvCxnSpPr>
+          <p:nvPr/>
+        </p:nvCxnSpPr>
+        <p:spPr>
+          <a:xfrm flipH="1">
+            <a:off x="5382845" y="2883150"/>
+            <a:ext cx="840942" cy="82719"/>
+          </a:xfrm>
+          <a:prstGeom prst="straightConnector1">
+            <a:avLst/>
+          </a:prstGeom>
+          <a:ln>
+            <a:tailEnd type="triangle"/>
+          </a:ln>
+        </p:spPr>
+        <p:style>
+          <a:lnRef idx="1">
+            <a:schemeClr val="accent1"/>
+          </a:lnRef>
+          <a:fillRef idx="0">
+            <a:schemeClr val="accent1"/>
+          </a:fillRef>
+          <a:effectRef idx="0">
+            <a:schemeClr val="accent1"/>
+          </a:effectRef>
+          <a:fontRef idx="minor">
+            <a:schemeClr val="tx1"/>
+          </a:fontRef>
+        </p:style>
+      </p:cxnSp>
+      <p:sp>
+        <p:nvSpPr>
+          <p:cNvPr id="48" name="Oval 47">
+            <a:extLst>
+              <a:ext uri="{FF2B5EF4-FFF2-40B4-BE49-F238E27FC236}">
+                <a16:creationId xmlns:a16="http://schemas.microsoft.com/office/drawing/2014/main" id="{81FCF048-003B-8DC4-026C-F3DE69284945}"/>
+              </a:ext>
+            </a:extLst>
+          </p:cNvPr>
+          <p:cNvSpPr/>
+          <p:nvPr/>
+        </p:nvSpPr>
+        <p:spPr>
+          <a:xfrm>
+            <a:off x="785813" y="5611227"/>
+            <a:ext cx="370930" cy="314320"/>
+          </a:xfrm>
+          <a:prstGeom prst="ellipse">
+            <a:avLst/>
+          </a:prstGeom>
+          <a:solidFill>
+            <a:srgbClr val="FFFF00"/>
+          </a:solidFill>
+        </p:spPr>
+        <p:style>
+          <a:lnRef idx="2">
+            <a:schemeClr val="accent1">
+              <a:shade val="15000"/>
+            </a:schemeClr>
+          </a:lnRef>
+          <a:fillRef idx="1">
+            <a:schemeClr val="accent1"/>
+          </a:fillRef>
+          <a:effectRef idx="0">
+            <a:schemeClr val="accent1"/>
+          </a:effectRef>
+          <a:fontRef idx="minor">
+            <a:schemeClr val="lt1"/>
+          </a:fontRef>
+        </p:style>
+        <p:txBody>
+          <a:bodyPr rtlCol="0" anchor="ctr"/>
+          <a:lstStyle/>
+          <a:p>
+            <a:pPr algn="ctr"/>
+            <a:r>
+              <a:rPr lang="en-US" sz="1300" dirty="0">
+                <a:highlight>
+                  <a:srgbClr val="FFFF00"/>
+                </a:highlight>
+              </a:rPr>
+              <a:t>  </a:t>
+            </a:r>
+          </a:p>
+        </p:txBody>
+      </p:sp>
+      <p:sp>
+        <p:nvSpPr>
+          <p:cNvPr id="49" name="TextBox 48">
+            <a:extLst>
+              <a:ext uri="{FF2B5EF4-FFF2-40B4-BE49-F238E27FC236}">
+                <a16:creationId xmlns:a16="http://schemas.microsoft.com/office/drawing/2014/main" id="{BB41FBD9-C6A2-E9E2-DE53-EDB00CC802E7}"/>
+              </a:ext>
+            </a:extLst>
+          </p:cNvPr>
+          <p:cNvSpPr txBox="1"/>
+          <p:nvPr/>
+        </p:nvSpPr>
+        <p:spPr>
+          <a:xfrm>
+            <a:off x="1354621" y="5611227"/>
+            <a:ext cx="2078326" cy="292388"/>
+          </a:xfrm>
+          <a:prstGeom prst="rect">
+            <a:avLst/>
+          </a:prstGeom>
+          <a:noFill/>
+        </p:spPr>
+        <p:txBody>
+          <a:bodyPr wrap="none" rtlCol="0">
+            <a:spAutoFit/>
+          </a:bodyPr>
+          <a:lstStyle/>
+          <a:p>
+            <a:r>
+              <a:rPr lang="en-US" sz="1300" dirty="0"/>
+              <a:t>Hole detect sensor HC-SR04</a:t>
+            </a:r>
+          </a:p>
+        </p:txBody>
+      </p:sp>
+      <p:cxnSp>
+        <p:nvCxnSpPr>
+          <p:cNvPr id="52" name="Straight Arrow Connector 51">
+            <a:extLst>
+              <a:ext uri="{FF2B5EF4-FFF2-40B4-BE49-F238E27FC236}">
+                <a16:creationId xmlns:a16="http://schemas.microsoft.com/office/drawing/2014/main" id="{1B0CE478-B140-8E32-085D-8F0492AF7A4F}"/>
+              </a:ext>
+            </a:extLst>
+          </p:cNvPr>
+          <p:cNvCxnSpPr>
+            <a:cxnSpLocks/>
+            <a:endCxn id="50" idx="5"/>
+          </p:cNvCxnSpPr>
+          <p:nvPr/>
+        </p:nvCxnSpPr>
+        <p:spPr>
+          <a:xfrm flipH="1" flipV="1">
+            <a:off x="5247102" y="3380238"/>
+            <a:ext cx="848898" cy="261837"/>
+          </a:xfrm>
+          <a:prstGeom prst="straightConnector1">
+            <a:avLst/>
+          </a:prstGeom>
+          <a:ln>
+            <a:tailEnd type="triangle"/>
+          </a:ln>
+        </p:spPr>
+        <p:style>
+          <a:lnRef idx="1">
+            <a:schemeClr val="accent1"/>
+          </a:lnRef>
+          <a:fillRef idx="0">
+            <a:schemeClr val="accent1"/>
+          </a:fillRef>
+          <a:effectRef idx="0">
+            <a:schemeClr val="accent1"/>
+          </a:effectRef>
+          <a:fontRef idx="minor">
+            <a:schemeClr val="tx1"/>
+          </a:fontRef>
+        </p:style>
+      </p:cxnSp>
+      <p:sp>
+        <p:nvSpPr>
+          <p:cNvPr id="55" name="TextBox 54">
+            <a:extLst>
+              <a:ext uri="{FF2B5EF4-FFF2-40B4-BE49-F238E27FC236}">
+                <a16:creationId xmlns:a16="http://schemas.microsoft.com/office/drawing/2014/main" id="{E35B7183-F1F8-5872-067D-6F21EFE9A54F}"/>
+              </a:ext>
+            </a:extLst>
+          </p:cNvPr>
+          <p:cNvSpPr txBox="1"/>
+          <p:nvPr/>
+        </p:nvSpPr>
+        <p:spPr>
+          <a:xfrm>
+            <a:off x="6223787" y="2631899"/>
+            <a:ext cx="2037224" cy="292388"/>
+          </a:xfrm>
+          <a:prstGeom prst="rect">
+            <a:avLst/>
+          </a:prstGeom>
+          <a:noFill/>
+        </p:spPr>
+        <p:txBody>
+          <a:bodyPr wrap="none" rtlCol="0">
+            <a:spAutoFit/>
+          </a:bodyPr>
+          <a:lstStyle/>
+          <a:p>
+            <a:r>
+              <a:rPr lang="en-US" sz="1300" dirty="0"/>
+              <a:t>Detects objects in the front</a:t>
+            </a:r>
+          </a:p>
+        </p:txBody>
+      </p:sp>
+      <p:sp>
+        <p:nvSpPr>
+          <p:cNvPr id="57" name="TextBox 56">
+            <a:extLst>
+              <a:ext uri="{FF2B5EF4-FFF2-40B4-BE49-F238E27FC236}">
+                <a16:creationId xmlns:a16="http://schemas.microsoft.com/office/drawing/2014/main" id="{9655FBE7-8BFC-AC87-15A4-24CF9A89BA46}"/>
+              </a:ext>
+            </a:extLst>
+          </p:cNvPr>
+          <p:cNvSpPr txBox="1"/>
+          <p:nvPr/>
+        </p:nvSpPr>
+        <p:spPr>
+          <a:xfrm>
+            <a:off x="5471001" y="3638485"/>
+            <a:ext cx="1102097" cy="292388"/>
+          </a:xfrm>
+          <a:prstGeom prst="rect">
+            <a:avLst/>
+          </a:prstGeom>
+          <a:noFill/>
+        </p:spPr>
+        <p:txBody>
+          <a:bodyPr wrap="none" rtlCol="0">
+            <a:spAutoFit/>
+          </a:bodyPr>
+          <a:lstStyle/>
+          <a:p>
+            <a:r>
+              <a:rPr lang="en-US" sz="1300" dirty="0"/>
+              <a:t>Detects holes</a:t>
+            </a:r>
+          </a:p>
+        </p:txBody>
+      </p:sp>
+      <p:grpSp>
+        <p:nvGrpSpPr>
+          <p:cNvPr id="63" name="Group 62">
+            <a:extLst>
+              <a:ext uri="{FF2B5EF4-FFF2-40B4-BE49-F238E27FC236}">
+                <a16:creationId xmlns:a16="http://schemas.microsoft.com/office/drawing/2014/main" id="{B9438F5C-DD7A-CF29-0787-2545F46CB38A}"/>
+              </a:ext>
+            </a:extLst>
+          </p:cNvPr>
+          <p:cNvGrpSpPr/>
+          <p:nvPr/>
+        </p:nvGrpSpPr>
+        <p:grpSpPr>
+          <a:xfrm>
+            <a:off x="1719070" y="334953"/>
+            <a:ext cx="3665932" cy="3414714"/>
+            <a:chOff x="1719070" y="334953"/>
+            <a:chExt cx="3665932" cy="3414714"/>
+          </a:xfrm>
+        </p:grpSpPr>
+        <p:pic>
+          <p:nvPicPr>
+            <p:cNvPr id="4" name="Picture 3">
+              <a:extLst>
+                <a:ext uri="{FF2B5EF4-FFF2-40B4-BE49-F238E27FC236}">
+                  <a16:creationId xmlns:a16="http://schemas.microsoft.com/office/drawing/2014/main" id="{987092B2-D1B6-5216-1035-26371C347350}"/>
+                </a:ext>
+              </a:extLst>
+            </p:cNvPr>
+            <p:cNvPicPr>
+              <a:picLocks noChangeAspect="1"/>
+            </p:cNvPicPr>
+            <p:nvPr/>
+          </p:nvPicPr>
+          <p:blipFill>
+            <a:blip r:embed="rId4"/>
+            <a:stretch>
+              <a:fillRect/>
+            </a:stretch>
+          </p:blipFill>
+          <p:spPr>
+            <a:xfrm>
+              <a:off x="1719070" y="334953"/>
+              <a:ext cx="3629814" cy="3414714"/>
+            </a:xfrm>
+            <a:prstGeom prst="rect">
+              <a:avLst/>
+            </a:prstGeom>
+          </p:spPr>
+        </p:pic>
+        <p:sp>
+          <p:nvSpPr>
+            <p:cNvPr id="35" name="Oval 34">
+              <a:extLst>
+                <a:ext uri="{FF2B5EF4-FFF2-40B4-BE49-F238E27FC236}">
+                  <a16:creationId xmlns:a16="http://schemas.microsoft.com/office/drawing/2014/main" id="{B68CF8DE-DF8C-90A7-4529-5B2263761E90}"/>
+                </a:ext>
+              </a:extLst>
+            </p:cNvPr>
+            <p:cNvSpPr/>
+            <p:nvPr/>
+          </p:nvSpPr>
+          <p:spPr>
+            <a:xfrm rot="20255472">
+              <a:off x="5010516" y="2505078"/>
+              <a:ext cx="318966" cy="168273"/>
+            </a:xfrm>
+            <a:prstGeom prst="ellipse">
+              <a:avLst/>
+            </a:prstGeom>
+            <a:solidFill>
+              <a:srgbClr val="FF0000"/>
+            </a:solidFill>
+          </p:spPr>
+          <p:style>
+            <a:lnRef idx="2">
+              <a:schemeClr val="accent1">
+                <a:shade val="15000"/>
+              </a:schemeClr>
+            </a:lnRef>
+            <a:fillRef idx="1">
+              <a:schemeClr val="accent1"/>
+            </a:fillRef>
+            <a:effectRef idx="0">
+              <a:schemeClr val="accent1"/>
+            </a:effectRef>
+            <a:fontRef idx="minor">
+              <a:schemeClr val="lt1"/>
+            </a:fontRef>
+          </p:style>
+          <p:txBody>
+            <a:bodyPr rtlCol="0" anchor="ctr"/>
+            <a:lstStyle/>
+            <a:p>
+              <a:pPr algn="ctr"/>
+              <a:r>
+                <a:rPr lang="en-US" sz="1300" dirty="0"/>
+                <a:t>  </a:t>
+              </a:r>
+            </a:p>
+          </p:txBody>
+        </p:sp>
+        <p:sp>
+          <p:nvSpPr>
+            <p:cNvPr id="36" name="Oval 35">
+              <a:extLst>
+                <a:ext uri="{FF2B5EF4-FFF2-40B4-BE49-F238E27FC236}">
+                  <a16:creationId xmlns:a16="http://schemas.microsoft.com/office/drawing/2014/main" id="{0B5B5C58-A0E0-3743-F205-30245F31042F}"/>
+                </a:ext>
+              </a:extLst>
+            </p:cNvPr>
+            <p:cNvSpPr/>
+            <p:nvPr/>
+          </p:nvSpPr>
+          <p:spPr>
+            <a:xfrm rot="2161094">
+              <a:off x="4547303" y="3371850"/>
+              <a:ext cx="318966" cy="168273"/>
+            </a:xfrm>
+            <a:prstGeom prst="ellipse">
+              <a:avLst/>
+            </a:prstGeom>
+            <a:solidFill>
+              <a:srgbClr val="FF0000"/>
+            </a:solidFill>
+          </p:spPr>
+          <p:style>
+            <a:lnRef idx="2">
+              <a:schemeClr val="accent1">
+                <a:shade val="15000"/>
+              </a:schemeClr>
+            </a:lnRef>
+            <a:fillRef idx="1">
+              <a:schemeClr val="accent1"/>
+            </a:fillRef>
+            <a:effectRef idx="0">
+              <a:schemeClr val="accent1"/>
+            </a:effectRef>
+            <a:fontRef idx="minor">
+              <a:schemeClr val="lt1"/>
+            </a:fontRef>
+          </p:style>
+          <p:txBody>
+            <a:bodyPr rtlCol="0" anchor="ctr"/>
+            <a:lstStyle/>
+            <a:p>
+              <a:pPr algn="ctr"/>
+              <a:r>
+                <a:rPr lang="en-US" sz="1300" dirty="0"/>
+                <a:t>  </a:t>
+              </a:r>
+            </a:p>
+          </p:txBody>
+        </p:sp>
+        <p:sp>
+          <p:nvSpPr>
+            <p:cNvPr id="37" name="Oval 36">
+              <a:extLst>
+                <a:ext uri="{FF2B5EF4-FFF2-40B4-BE49-F238E27FC236}">
+                  <a16:creationId xmlns:a16="http://schemas.microsoft.com/office/drawing/2014/main" id="{B3172281-214F-483B-73E3-E05E03D82A54}"/>
+                </a:ext>
+              </a:extLst>
+            </p:cNvPr>
+            <p:cNvSpPr/>
+            <p:nvPr/>
+          </p:nvSpPr>
+          <p:spPr>
+            <a:xfrm rot="20967788">
+              <a:off x="5129154" y="2905125"/>
+              <a:ext cx="255848" cy="168273"/>
+            </a:xfrm>
+            <a:prstGeom prst="ellipse">
+              <a:avLst/>
+            </a:prstGeom>
+            <a:solidFill>
+              <a:srgbClr val="FF0000"/>
+            </a:solidFill>
+          </p:spPr>
+          <p:style>
+            <a:lnRef idx="2">
+              <a:schemeClr val="accent1">
+                <a:shade val="15000"/>
+              </a:schemeClr>
+            </a:lnRef>
+            <a:fillRef idx="1">
+              <a:schemeClr val="accent1"/>
+            </a:fillRef>
+            <a:effectRef idx="0">
+              <a:schemeClr val="accent1"/>
+            </a:effectRef>
+            <a:fontRef idx="minor">
+              <a:schemeClr val="lt1"/>
+            </a:fontRef>
+          </p:style>
+          <p:txBody>
+            <a:bodyPr rtlCol="0" anchor="ctr"/>
+            <a:lstStyle/>
+            <a:p>
+              <a:pPr algn="ctr"/>
+              <a:r>
+                <a:rPr lang="en-US" sz="1300" dirty="0"/>
+                <a:t>  </a:t>
+              </a:r>
+            </a:p>
+          </p:txBody>
+        </p:sp>
+        <p:sp>
+          <p:nvSpPr>
+            <p:cNvPr id="50" name="Oval 49">
+              <a:extLst>
+                <a:ext uri="{FF2B5EF4-FFF2-40B4-BE49-F238E27FC236}">
+                  <a16:creationId xmlns:a16="http://schemas.microsoft.com/office/drawing/2014/main" id="{259ECCB6-A0AA-E3C2-0465-F33B59695834}"/>
+                </a:ext>
+              </a:extLst>
+            </p:cNvPr>
+            <p:cNvSpPr/>
+            <p:nvPr/>
+          </p:nvSpPr>
+          <p:spPr>
+            <a:xfrm rot="1343655">
+              <a:off x="5001578" y="3203626"/>
+              <a:ext cx="323142" cy="160948"/>
+            </a:xfrm>
+            <a:prstGeom prst="ellipse">
+              <a:avLst/>
+            </a:prstGeom>
+            <a:solidFill>
+              <a:srgbClr val="FFFF00"/>
+            </a:solidFill>
+          </p:spPr>
+          <p:style>
+            <a:lnRef idx="2">
+              <a:schemeClr val="accent1">
+                <a:shade val="15000"/>
+              </a:schemeClr>
+            </a:lnRef>
+            <a:fillRef idx="1">
+              <a:schemeClr val="accent1"/>
+            </a:fillRef>
+            <a:effectRef idx="0">
+              <a:schemeClr val="accent1"/>
+            </a:effectRef>
+            <a:fontRef idx="minor">
+              <a:schemeClr val="lt1"/>
+            </a:fontRef>
+          </p:style>
+          <p:txBody>
+            <a:bodyPr rtlCol="0" anchor="ctr"/>
+            <a:lstStyle/>
+            <a:p>
+              <a:pPr algn="ctr"/>
+              <a:r>
+                <a:rPr lang="en-US" sz="1300" dirty="0">
+                  <a:highlight>
+                    <a:srgbClr val="FFFF00"/>
+                  </a:highlight>
+                </a:rPr>
+                <a:t>  </a:t>
+              </a:r>
+            </a:p>
+          </p:txBody>
+        </p:sp>
+        <p:sp>
+          <p:nvSpPr>
+            <p:cNvPr id="58" name="Oval 57">
+              <a:extLst>
+                <a:ext uri="{FF2B5EF4-FFF2-40B4-BE49-F238E27FC236}">
+                  <a16:creationId xmlns:a16="http://schemas.microsoft.com/office/drawing/2014/main" id="{CDD00D83-5900-6D56-47CF-080A55F29C62}"/>
+                </a:ext>
+              </a:extLst>
+            </p:cNvPr>
+            <p:cNvSpPr/>
+            <p:nvPr/>
+          </p:nvSpPr>
+          <p:spPr>
+            <a:xfrm rot="20098406">
+              <a:off x="1843736" y="1517150"/>
+              <a:ext cx="560056" cy="181266"/>
+            </a:xfrm>
+            <a:prstGeom prst="ellipse">
+              <a:avLst/>
+            </a:prstGeom>
+            <a:solidFill>
+              <a:srgbClr val="FFFF00"/>
+            </a:solidFill>
+          </p:spPr>
+          <p:style>
+            <a:lnRef idx="2">
+              <a:schemeClr val="accent1">
+                <a:shade val="15000"/>
+              </a:schemeClr>
+            </a:lnRef>
+            <a:fillRef idx="1">
+              <a:schemeClr val="accent1"/>
+            </a:fillRef>
+            <a:effectRef idx="0">
+              <a:schemeClr val="accent1"/>
+            </a:effectRef>
+            <a:fontRef idx="minor">
+              <a:schemeClr val="lt1"/>
+            </a:fontRef>
+          </p:style>
+          <p:txBody>
+            <a:bodyPr rtlCol="0" anchor="ctr"/>
+            <a:lstStyle/>
+            <a:p>
+              <a:pPr algn="ctr"/>
+              <a:r>
+                <a:rPr lang="en-US" sz="1300" dirty="0">
+                  <a:highlight>
+                    <a:srgbClr val="FFFF00"/>
+                  </a:highlight>
+                </a:rPr>
+                <a:t>  </a:t>
+              </a:r>
+            </a:p>
+          </p:txBody>
+        </p:sp>
+      </p:grpSp>
+      <p:cxnSp>
+        <p:nvCxnSpPr>
+          <p:cNvPr id="59" name="Straight Arrow Connector 58">
+            <a:extLst>
+              <a:ext uri="{FF2B5EF4-FFF2-40B4-BE49-F238E27FC236}">
+                <a16:creationId xmlns:a16="http://schemas.microsoft.com/office/drawing/2014/main" id="{6C61DF53-046E-CFA4-A84C-6F255F512E60}"/>
+              </a:ext>
+            </a:extLst>
+          </p:cNvPr>
+          <p:cNvCxnSpPr>
+            <a:cxnSpLocks/>
+          </p:cNvCxnSpPr>
+          <p:nvPr/>
+        </p:nvCxnSpPr>
+        <p:spPr>
+          <a:xfrm flipV="1">
+            <a:off x="1156743" y="1595350"/>
+            <a:ext cx="791715" cy="520238"/>
+          </a:xfrm>
+          <a:prstGeom prst="straightConnector1">
+            <a:avLst/>
+          </a:prstGeom>
+          <a:ln>
+            <a:tailEnd type="triangle"/>
+          </a:ln>
+        </p:spPr>
+        <p:style>
+          <a:lnRef idx="1">
+            <a:schemeClr val="accent1"/>
+          </a:lnRef>
+          <a:fillRef idx="0">
+            <a:schemeClr val="accent1"/>
+          </a:fillRef>
+          <a:effectRef idx="0">
+            <a:schemeClr val="accent1"/>
+          </a:effectRef>
+          <a:fontRef idx="minor">
+            <a:schemeClr val="tx1"/>
+          </a:fontRef>
+        </p:style>
+      </p:cxnSp>
+      <p:sp>
+        <p:nvSpPr>
+          <p:cNvPr id="62" name="TextBox 61">
+            <a:extLst>
+              <a:ext uri="{FF2B5EF4-FFF2-40B4-BE49-F238E27FC236}">
+                <a16:creationId xmlns:a16="http://schemas.microsoft.com/office/drawing/2014/main" id="{DAE27885-A5F0-C188-3D07-E1C77CADFB6F}"/>
+              </a:ext>
+            </a:extLst>
+          </p:cNvPr>
+          <p:cNvSpPr txBox="1"/>
+          <p:nvPr/>
+        </p:nvSpPr>
+        <p:spPr>
+          <a:xfrm>
+            <a:off x="215528" y="2071353"/>
+            <a:ext cx="1140569" cy="292388"/>
+          </a:xfrm>
+          <a:prstGeom prst="rect">
+            <a:avLst/>
+          </a:prstGeom>
+          <a:noFill/>
+        </p:spPr>
+        <p:txBody>
+          <a:bodyPr wrap="none" rtlCol="0">
+            <a:spAutoFit/>
+          </a:bodyPr>
+          <a:lstStyle/>
+          <a:p>
+            <a:r>
+              <a:rPr lang="en-US" sz="1300" dirty="0"/>
+              <a:t>Detects holes</a:t>
+            </a:r>
+          </a:p>
+        </p:txBody>
+      </p:sp>
     </p:spTree>
     <p:extLst>
       <p:ext uri="{BB962C8B-B14F-4D97-AF65-F5344CB8AC3E}">
-        <p14:creationId xmlns:p14="http://schemas.microsoft.com/office/powerpoint/2010/main" val="2763782617"/>
+        <p14:creationId xmlns:p14="http://schemas.microsoft.com/office/powerpoint/2010/main" val="2624954394"/>
       </p:ext>
     </p:extLst>
   </p:cSld>

--- a/presentation.pptx
+++ b/presentation.pptx
@@ -269,7 +269,7 @@
           <a:p>
             <a:fld id="{7739300F-9869-A44F-827A-987ECC856302}" type="datetimeFigureOut">
               <a:rPr lang="en-US" smtClean="0"/>
-              <a:t>4/14/24</a:t>
+              <a:t>4/18/24</a:t>
             </a:fld>
             <a:endParaRPr lang="en-US"/>
           </a:p>
@@ -467,7 +467,7 @@
           <a:p>
             <a:fld id="{7739300F-9869-A44F-827A-987ECC856302}" type="datetimeFigureOut">
               <a:rPr lang="en-US" smtClean="0"/>
-              <a:t>4/14/24</a:t>
+              <a:t>4/18/24</a:t>
             </a:fld>
             <a:endParaRPr lang="en-US"/>
           </a:p>
@@ -675,7 +675,7 @@
           <a:p>
             <a:fld id="{7739300F-9869-A44F-827A-987ECC856302}" type="datetimeFigureOut">
               <a:rPr lang="en-US" smtClean="0"/>
-              <a:t>4/14/24</a:t>
+              <a:t>4/18/24</a:t>
             </a:fld>
             <a:endParaRPr lang="en-US"/>
           </a:p>
@@ -873,7 +873,7 @@
           <a:p>
             <a:fld id="{7739300F-9869-A44F-827A-987ECC856302}" type="datetimeFigureOut">
               <a:rPr lang="en-US" smtClean="0"/>
-              <a:t>4/14/24</a:t>
+              <a:t>4/18/24</a:t>
             </a:fld>
             <a:endParaRPr lang="en-US"/>
           </a:p>
@@ -1148,7 +1148,7 @@
           <a:p>
             <a:fld id="{7739300F-9869-A44F-827A-987ECC856302}" type="datetimeFigureOut">
               <a:rPr lang="en-US" smtClean="0"/>
-              <a:t>4/14/24</a:t>
+              <a:t>4/18/24</a:t>
             </a:fld>
             <a:endParaRPr lang="en-US"/>
           </a:p>
@@ -1413,7 +1413,7 @@
           <a:p>
             <a:fld id="{7739300F-9869-A44F-827A-987ECC856302}" type="datetimeFigureOut">
               <a:rPr lang="en-US" smtClean="0"/>
-              <a:t>4/14/24</a:t>
+              <a:t>4/18/24</a:t>
             </a:fld>
             <a:endParaRPr lang="en-US"/>
           </a:p>
@@ -1825,7 +1825,7 @@
           <a:p>
             <a:fld id="{7739300F-9869-A44F-827A-987ECC856302}" type="datetimeFigureOut">
               <a:rPr lang="en-US" smtClean="0"/>
-              <a:t>4/14/24</a:t>
+              <a:t>4/18/24</a:t>
             </a:fld>
             <a:endParaRPr lang="en-US"/>
           </a:p>
@@ -1966,7 +1966,7 @@
           <a:p>
             <a:fld id="{7739300F-9869-A44F-827A-987ECC856302}" type="datetimeFigureOut">
               <a:rPr lang="en-US" smtClean="0"/>
-              <a:t>4/14/24</a:t>
+              <a:t>4/18/24</a:t>
             </a:fld>
             <a:endParaRPr lang="en-US"/>
           </a:p>
@@ -2079,7 +2079,7 @@
           <a:p>
             <a:fld id="{7739300F-9869-A44F-827A-987ECC856302}" type="datetimeFigureOut">
               <a:rPr lang="en-US" smtClean="0"/>
-              <a:t>4/14/24</a:t>
+              <a:t>4/18/24</a:t>
             </a:fld>
             <a:endParaRPr lang="en-US"/>
           </a:p>
@@ -2390,7 +2390,7 @@
           <a:p>
             <a:fld id="{7739300F-9869-A44F-827A-987ECC856302}" type="datetimeFigureOut">
               <a:rPr lang="en-US" smtClean="0"/>
-              <a:t>4/14/24</a:t>
+              <a:t>4/18/24</a:t>
             </a:fld>
             <a:endParaRPr lang="en-US"/>
           </a:p>
@@ -2678,7 +2678,7 @@
           <a:p>
             <a:fld id="{7739300F-9869-A44F-827A-987ECC856302}" type="datetimeFigureOut">
               <a:rPr lang="en-US" smtClean="0"/>
-              <a:t>4/14/24</a:t>
+              <a:t>4/18/24</a:t>
             </a:fld>
             <a:endParaRPr lang="en-US"/>
           </a:p>
@@ -2919,7 +2919,7 @@
           <a:p>
             <a:fld id="{7739300F-9869-A44F-827A-987ECC856302}" type="datetimeFigureOut">
               <a:rPr lang="en-US" smtClean="0"/>
-              <a:t>4/14/24</a:t>
+              <a:t>4/18/24</a:t>
             </a:fld>
             <a:endParaRPr lang="en-US"/>
           </a:p>
@@ -6750,6 +6750,41 @@
           </a:p>
         </p:txBody>
       </p:sp>
+      <p:sp>
+        <p:nvSpPr>
+          <p:cNvPr id="2" name="TextBox 1">
+            <a:extLst>
+              <a:ext uri="{FF2B5EF4-FFF2-40B4-BE49-F238E27FC236}">
+                <a16:creationId xmlns:a16="http://schemas.microsoft.com/office/drawing/2014/main" id="{B027ED6D-8909-DD5E-EB8F-1D343BB913A4}"/>
+              </a:ext>
+            </a:extLst>
+          </p:cNvPr>
+          <p:cNvSpPr txBox="1"/>
+          <p:nvPr/>
+        </p:nvSpPr>
+        <p:spPr>
+          <a:xfrm>
+            <a:off x="6993324" y="6231973"/>
+            <a:ext cx="3097034" cy="292388"/>
+          </a:xfrm>
+          <a:prstGeom prst="rect">
+            <a:avLst/>
+          </a:prstGeom>
+          <a:noFill/>
+        </p:spPr>
+        <p:txBody>
+          <a:bodyPr wrap="square" rtlCol="0">
+            <a:spAutoFit/>
+          </a:bodyPr>
+          <a:lstStyle/>
+          <a:p>
+            <a:r>
+              <a:rPr lang="en-US" sz="1300" dirty="0"/>
+              <a:t>Ultrasonic sensor ( HC – SR04 ) </a:t>
+            </a:r>
+          </a:p>
+        </p:txBody>
+      </p:sp>
     </p:spTree>
     <p:extLst>
       <p:ext uri="{BB962C8B-B14F-4D97-AF65-F5344CB8AC3E}">
@@ -6802,7 +6837,7 @@
         </p:blipFill>
         <p:spPr>
           <a:xfrm>
-            <a:off x="3619981" y="4174550"/>
+            <a:off x="1318319" y="2547927"/>
             <a:ext cx="3637248" cy="1762145"/>
           </a:xfrm>
           <a:prstGeom prst="rect">
@@ -6831,9 +6866,9 @@
           </a:stretch>
         </p:blipFill>
         <p:spPr>
-          <a:xfrm>
-            <a:off x="4557532" y="1440344"/>
-            <a:ext cx="1762146" cy="1762146"/>
+          <a:xfrm rot="10800000">
+            <a:off x="1984945" y="892684"/>
+            <a:ext cx="1132420" cy="1132420"/>
           </a:xfrm>
           <a:prstGeom prst="rect">
             <a:avLst/>
@@ -6861,9 +6896,9 @@
           </a:stretch>
         </p:blipFill>
         <p:spPr>
-          <a:xfrm rot="3167510">
-            <a:off x="10128250" y="2641600"/>
-            <a:ext cx="1333500" cy="1066800"/>
+          <a:xfrm rot="3227842">
+            <a:off x="3257825" y="910042"/>
+            <a:ext cx="1023601" cy="818881"/>
           </a:xfrm>
           <a:prstGeom prst="rect">
             <a:avLst/>
@@ -6904,14 +6939,473 @@
         </p:blipFill>
         <p:spPr>
           <a:xfrm>
-            <a:off x="9753600" y="4344422"/>
-            <a:ext cx="1422400" cy="1422400"/>
+            <a:off x="1634396" y="4742934"/>
+            <a:ext cx="1209652" cy="1209652"/>
           </a:xfrm>
           <a:prstGeom prst="rect">
             <a:avLst/>
           </a:prstGeom>
         </p:spPr>
       </p:pic>
+      <p:cxnSp>
+        <p:nvCxnSpPr>
+          <p:cNvPr id="2" name="Straight Arrow Connector 1">
+            <a:extLst>
+              <a:ext uri="{FF2B5EF4-FFF2-40B4-BE49-F238E27FC236}">
+                <a16:creationId xmlns:a16="http://schemas.microsoft.com/office/drawing/2014/main" id="{632C8687-3532-AB2D-AC50-87CA90CF57D5}"/>
+              </a:ext>
+            </a:extLst>
+          </p:cNvPr>
+          <p:cNvCxnSpPr>
+            <a:cxnSpLocks/>
+          </p:cNvCxnSpPr>
+          <p:nvPr/>
+        </p:nvCxnSpPr>
+        <p:spPr>
+          <a:xfrm>
+            <a:off x="2618969" y="1687522"/>
+            <a:ext cx="265732" cy="860405"/>
+          </a:xfrm>
+          <a:prstGeom prst="straightConnector1">
+            <a:avLst/>
+          </a:prstGeom>
+          <a:ln w="38100">
+            <a:solidFill>
+              <a:srgbClr val="FF0000"/>
+            </a:solidFill>
+            <a:tailEnd type="triangle"/>
+          </a:ln>
+        </p:spPr>
+        <p:style>
+          <a:lnRef idx="1">
+            <a:schemeClr val="accent1"/>
+          </a:lnRef>
+          <a:fillRef idx="0">
+            <a:schemeClr val="accent1"/>
+          </a:fillRef>
+          <a:effectRef idx="0">
+            <a:schemeClr val="accent1"/>
+          </a:effectRef>
+          <a:fontRef idx="minor">
+            <a:schemeClr val="tx1"/>
+          </a:fontRef>
+        </p:style>
+      </p:cxnSp>
+      <p:cxnSp>
+        <p:nvCxnSpPr>
+          <p:cNvPr id="12" name="Straight Arrow Connector 11">
+            <a:extLst>
+              <a:ext uri="{FF2B5EF4-FFF2-40B4-BE49-F238E27FC236}">
+                <a16:creationId xmlns:a16="http://schemas.microsoft.com/office/drawing/2014/main" id="{4780B90E-9560-3573-5E4A-F79445428C30}"/>
+              </a:ext>
+            </a:extLst>
+          </p:cNvPr>
+          <p:cNvCxnSpPr>
+            <a:cxnSpLocks/>
+          </p:cNvCxnSpPr>
+          <p:nvPr/>
+        </p:nvCxnSpPr>
+        <p:spPr>
+          <a:xfrm flipH="1">
+            <a:off x="3613364" y="1836727"/>
+            <a:ext cx="180975" cy="711200"/>
+          </a:xfrm>
+          <a:prstGeom prst="straightConnector1">
+            <a:avLst/>
+          </a:prstGeom>
+          <a:ln w="38100">
+            <a:solidFill>
+              <a:srgbClr val="FF0000"/>
+            </a:solidFill>
+            <a:tailEnd type="triangle"/>
+          </a:ln>
+        </p:spPr>
+        <p:style>
+          <a:lnRef idx="1">
+            <a:schemeClr val="accent1"/>
+          </a:lnRef>
+          <a:fillRef idx="0">
+            <a:schemeClr val="accent1"/>
+          </a:fillRef>
+          <a:effectRef idx="0">
+            <a:schemeClr val="accent1"/>
+          </a:effectRef>
+          <a:fontRef idx="minor">
+            <a:schemeClr val="tx1"/>
+          </a:fontRef>
+        </p:style>
+      </p:cxnSp>
+      <p:cxnSp>
+        <p:nvCxnSpPr>
+          <p:cNvPr id="15" name="Straight Arrow Connector 14">
+            <a:extLst>
+              <a:ext uri="{FF2B5EF4-FFF2-40B4-BE49-F238E27FC236}">
+                <a16:creationId xmlns:a16="http://schemas.microsoft.com/office/drawing/2014/main" id="{27E361F5-6367-019F-3A4C-1C5931027818}"/>
+              </a:ext>
+            </a:extLst>
+          </p:cNvPr>
+          <p:cNvCxnSpPr>
+            <a:cxnSpLocks/>
+          </p:cNvCxnSpPr>
+          <p:nvPr/>
+        </p:nvCxnSpPr>
+        <p:spPr>
+          <a:xfrm flipV="1">
+            <a:off x="2551155" y="4311107"/>
+            <a:ext cx="585787" cy="863654"/>
+          </a:xfrm>
+          <a:prstGeom prst="straightConnector1">
+            <a:avLst/>
+          </a:prstGeom>
+          <a:ln w="38100">
+            <a:solidFill>
+              <a:srgbClr val="FF0000"/>
+            </a:solidFill>
+            <a:tailEnd type="triangle"/>
+          </a:ln>
+        </p:spPr>
+        <p:style>
+          <a:lnRef idx="1">
+            <a:schemeClr val="accent1"/>
+          </a:lnRef>
+          <a:fillRef idx="0">
+            <a:schemeClr val="accent1"/>
+          </a:fillRef>
+          <a:effectRef idx="0">
+            <a:schemeClr val="accent1"/>
+          </a:effectRef>
+          <a:fontRef idx="minor">
+            <a:schemeClr val="tx1"/>
+          </a:fontRef>
+        </p:style>
+      </p:cxnSp>
+      <p:pic>
+        <p:nvPicPr>
+          <p:cNvPr id="19" name="Picture 18">
+            <a:extLst>
+              <a:ext uri="{FF2B5EF4-FFF2-40B4-BE49-F238E27FC236}">
+                <a16:creationId xmlns:a16="http://schemas.microsoft.com/office/drawing/2014/main" id="{E74B1518-0150-68C4-7633-566A89161428}"/>
+              </a:ext>
+            </a:extLst>
+          </p:cNvPr>
+          <p:cNvPicPr>
+            <a:picLocks noChangeAspect="1"/>
+          </p:cNvPicPr>
+          <p:nvPr/>
+        </p:nvPicPr>
+        <p:blipFill>
+          <a:blip r:embed="rId7"/>
+          <a:stretch>
+            <a:fillRect/>
+          </a:stretch>
+        </p:blipFill>
+        <p:spPr>
+          <a:xfrm>
+            <a:off x="3618080" y="4966827"/>
+            <a:ext cx="1503395" cy="985759"/>
+          </a:xfrm>
+          <a:prstGeom prst="rect">
+            <a:avLst/>
+          </a:prstGeom>
+        </p:spPr>
+      </p:pic>
+      <p:cxnSp>
+        <p:nvCxnSpPr>
+          <p:cNvPr id="25" name="Straight Arrow Connector 24">
+            <a:extLst>
+              <a:ext uri="{FF2B5EF4-FFF2-40B4-BE49-F238E27FC236}">
+                <a16:creationId xmlns:a16="http://schemas.microsoft.com/office/drawing/2014/main" id="{7CE37EBE-ED65-C729-D621-2D1E8D8F4561}"/>
+              </a:ext>
+            </a:extLst>
+          </p:cNvPr>
+          <p:cNvCxnSpPr>
+            <a:cxnSpLocks/>
+          </p:cNvCxnSpPr>
+          <p:nvPr/>
+        </p:nvCxnSpPr>
+        <p:spPr>
+          <a:xfrm flipH="1" flipV="1">
+            <a:off x="3613364" y="4311107"/>
+            <a:ext cx="463520" cy="820740"/>
+          </a:xfrm>
+          <a:prstGeom prst="straightConnector1">
+            <a:avLst/>
+          </a:prstGeom>
+          <a:ln w="38100">
+            <a:solidFill>
+              <a:srgbClr val="FF0000"/>
+            </a:solidFill>
+            <a:tailEnd type="triangle"/>
+          </a:ln>
+        </p:spPr>
+        <p:style>
+          <a:lnRef idx="1">
+            <a:schemeClr val="accent1"/>
+          </a:lnRef>
+          <a:fillRef idx="0">
+            <a:schemeClr val="accent1"/>
+          </a:fillRef>
+          <a:effectRef idx="0">
+            <a:schemeClr val="accent1"/>
+          </a:effectRef>
+          <a:fontRef idx="minor">
+            <a:schemeClr val="tx1"/>
+          </a:fontRef>
+        </p:style>
+      </p:cxnSp>
+      <p:pic>
+        <p:nvPicPr>
+          <p:cNvPr id="30" name="Graphic 29" descr="Wireless">
+            <a:extLst>
+              <a:ext uri="{FF2B5EF4-FFF2-40B4-BE49-F238E27FC236}">
+                <a16:creationId xmlns:a16="http://schemas.microsoft.com/office/drawing/2014/main" id="{9417CFE8-9F35-1765-4A80-460905EF53CA}"/>
+              </a:ext>
+            </a:extLst>
+          </p:cNvPr>
+          <p:cNvPicPr>
+            <a:picLocks noChangeAspect="1"/>
+          </p:cNvPicPr>
+          <p:nvPr/>
+        </p:nvPicPr>
+        <p:blipFill>
+          <a:blip r:embed="rId8">
+            <a:extLst>
+              <a:ext uri="{96DAC541-7B7A-43D3-8B79-37D633B846F1}">
+                <asvg:svgBlip xmlns:asvg="http://schemas.microsoft.com/office/drawing/2016/SVG/main" r:embed="rId9"/>
+              </a:ext>
+            </a:extLst>
+          </a:blip>
+          <a:stretch>
+            <a:fillRect/>
+          </a:stretch>
+        </p:blipFill>
+        <p:spPr>
+          <a:xfrm rot="1819419" flipH="1">
+            <a:off x="4997078" y="4229116"/>
+            <a:ext cx="1891291" cy="1891291"/>
+          </a:xfrm>
+          <a:prstGeom prst="rect">
+            <a:avLst/>
+          </a:prstGeom>
+        </p:spPr>
+      </p:pic>
+      <p:pic>
+        <p:nvPicPr>
+          <p:cNvPr id="37" name="Picture 36">
+            <a:extLst>
+              <a:ext uri="{FF2B5EF4-FFF2-40B4-BE49-F238E27FC236}">
+                <a16:creationId xmlns:a16="http://schemas.microsoft.com/office/drawing/2014/main" id="{834376AD-9A2B-A0BA-D1CF-CE20CCBA551C}"/>
+              </a:ext>
+            </a:extLst>
+          </p:cNvPr>
+          <p:cNvPicPr>
+            <a:picLocks noChangeAspect="1"/>
+          </p:cNvPicPr>
+          <p:nvPr/>
+        </p:nvPicPr>
+        <p:blipFill>
+          <a:blip r:embed="rId10">
+            <a:extLst>
+              <a:ext uri="{BEBA8EAE-BF5A-486C-A8C5-ECC9F3942E4B}">
+                <a14:imgProps xmlns:a14="http://schemas.microsoft.com/office/drawing/2010/main">
+                  <a14:imgLayer r:embed="rId11">
+                    <a14:imgEffect>
+                      <a14:backgroundRemoval t="10000" b="90000" l="10000" r="90000"/>
+                    </a14:imgEffect>
+                  </a14:imgLayer>
+                </a14:imgProps>
+              </a:ext>
+            </a:extLst>
+          </a:blip>
+          <a:stretch>
+            <a:fillRect/>
+          </a:stretch>
+        </p:blipFill>
+        <p:spPr>
+          <a:xfrm>
+            <a:off x="5533597" y="2249842"/>
+            <a:ext cx="4120459" cy="4120459"/>
+          </a:xfrm>
+          <a:prstGeom prst="rect">
+            <a:avLst/>
+          </a:prstGeom>
+        </p:spPr>
+      </p:pic>
+      <p:sp>
+        <p:nvSpPr>
+          <p:cNvPr id="39" name="TextBox 38">
+            <a:extLst>
+              <a:ext uri="{FF2B5EF4-FFF2-40B4-BE49-F238E27FC236}">
+                <a16:creationId xmlns:a16="http://schemas.microsoft.com/office/drawing/2014/main" id="{73708175-CE7A-3A76-6122-172C59BD972F}"/>
+              </a:ext>
+            </a:extLst>
+          </p:cNvPr>
+          <p:cNvSpPr txBox="1"/>
+          <p:nvPr/>
+        </p:nvSpPr>
+        <p:spPr>
+          <a:xfrm>
+            <a:off x="1793341" y="5780649"/>
+            <a:ext cx="757813" cy="292388"/>
+          </a:xfrm>
+          <a:prstGeom prst="rect">
+            <a:avLst/>
+          </a:prstGeom>
+          <a:noFill/>
+        </p:spPr>
+        <p:txBody>
+          <a:bodyPr wrap="square" rtlCol="0">
+            <a:spAutoFit/>
+          </a:bodyPr>
+          <a:lstStyle/>
+          <a:p>
+            <a:r>
+              <a:rPr lang="en-US" sz="1300" dirty="0"/>
+              <a:t>BUZZER</a:t>
+            </a:r>
+          </a:p>
+        </p:txBody>
+      </p:sp>
+      <p:sp>
+        <p:nvSpPr>
+          <p:cNvPr id="40" name="TextBox 39">
+            <a:extLst>
+              <a:ext uri="{FF2B5EF4-FFF2-40B4-BE49-F238E27FC236}">
+                <a16:creationId xmlns:a16="http://schemas.microsoft.com/office/drawing/2014/main" id="{57582537-9524-90F9-6D6A-9ED22F069E90}"/>
+              </a:ext>
+            </a:extLst>
+          </p:cNvPr>
+          <p:cNvSpPr txBox="1"/>
+          <p:nvPr/>
+        </p:nvSpPr>
+        <p:spPr>
+          <a:xfrm>
+            <a:off x="2099999" y="851521"/>
+            <a:ext cx="1265365" cy="292388"/>
+          </a:xfrm>
+          <a:prstGeom prst="rect">
+            <a:avLst/>
+          </a:prstGeom>
+          <a:noFill/>
+        </p:spPr>
+        <p:txBody>
+          <a:bodyPr wrap="square" rtlCol="0">
+            <a:spAutoFit/>
+          </a:bodyPr>
+          <a:lstStyle/>
+          <a:p>
+            <a:r>
+              <a:rPr lang="en-US" sz="1300" dirty="0"/>
+              <a:t>MPU9250</a:t>
+            </a:r>
+          </a:p>
+        </p:txBody>
+      </p:sp>
+      <p:sp>
+        <p:nvSpPr>
+          <p:cNvPr id="41" name="TextBox 40">
+            <a:extLst>
+              <a:ext uri="{FF2B5EF4-FFF2-40B4-BE49-F238E27FC236}">
+                <a16:creationId xmlns:a16="http://schemas.microsoft.com/office/drawing/2014/main" id="{5A00AAA0-2290-8A40-363C-9F800554E3EC}"/>
+              </a:ext>
+            </a:extLst>
+          </p:cNvPr>
+          <p:cNvSpPr txBox="1"/>
+          <p:nvPr/>
+        </p:nvSpPr>
+        <p:spPr>
+          <a:xfrm>
+            <a:off x="3444201" y="422043"/>
+            <a:ext cx="1265365" cy="292388"/>
+          </a:xfrm>
+          <a:prstGeom prst="rect">
+            <a:avLst/>
+          </a:prstGeom>
+          <a:noFill/>
+        </p:spPr>
+        <p:txBody>
+          <a:bodyPr wrap="square" rtlCol="0">
+            <a:spAutoFit/>
+          </a:bodyPr>
+          <a:lstStyle/>
+          <a:p>
+            <a:r>
+              <a:rPr lang="en-US" sz="1300" dirty="0"/>
+              <a:t>SW1801P</a:t>
+            </a:r>
+          </a:p>
+        </p:txBody>
+      </p:sp>
+      <p:sp>
+        <p:nvSpPr>
+          <p:cNvPr id="42" name="TextBox 41">
+            <a:extLst>
+              <a:ext uri="{FF2B5EF4-FFF2-40B4-BE49-F238E27FC236}">
+                <a16:creationId xmlns:a16="http://schemas.microsoft.com/office/drawing/2014/main" id="{3ED4DB3F-2EDB-E2EB-23BA-D193AFD9FE70}"/>
+              </a:ext>
+            </a:extLst>
+          </p:cNvPr>
+          <p:cNvSpPr txBox="1"/>
+          <p:nvPr/>
+        </p:nvSpPr>
+        <p:spPr>
+          <a:xfrm>
+            <a:off x="3809007" y="5952586"/>
+            <a:ext cx="1265365" cy="292388"/>
+          </a:xfrm>
+          <a:prstGeom prst="rect">
+            <a:avLst/>
+          </a:prstGeom>
+          <a:noFill/>
+        </p:spPr>
+        <p:txBody>
+          <a:bodyPr wrap="square" rtlCol="0">
+            <a:spAutoFit/>
+          </a:bodyPr>
+          <a:lstStyle/>
+          <a:p>
+            <a:r>
+              <a:rPr lang="en-US" sz="1300" dirty="0"/>
+              <a:t>SIM 4G</a:t>
+            </a:r>
+          </a:p>
+        </p:txBody>
+      </p:sp>
+      <p:sp>
+        <p:nvSpPr>
+          <p:cNvPr id="43" name="TextBox 42">
+            <a:extLst>
+              <a:ext uri="{FF2B5EF4-FFF2-40B4-BE49-F238E27FC236}">
+                <a16:creationId xmlns:a16="http://schemas.microsoft.com/office/drawing/2014/main" id="{DD5C95ED-A4AB-3145-72AE-EA64006B06BB}"/>
+              </a:ext>
+            </a:extLst>
+          </p:cNvPr>
+          <p:cNvSpPr txBox="1"/>
+          <p:nvPr/>
+        </p:nvSpPr>
+        <p:spPr>
+          <a:xfrm>
+            <a:off x="6855653" y="5780649"/>
+            <a:ext cx="1265365" cy="292388"/>
+          </a:xfrm>
+          <a:prstGeom prst="rect">
+            <a:avLst/>
+          </a:prstGeom>
+          <a:noFill/>
+        </p:spPr>
+        <p:txBody>
+          <a:bodyPr wrap="square" rtlCol="0">
+            <a:spAutoFit/>
+          </a:bodyPr>
+          <a:lstStyle/>
+          <a:p>
+            <a:r>
+              <a:rPr lang="en-US" sz="1300" dirty="0"/>
+              <a:t>SMARTPHONE</a:t>
+            </a:r>
+          </a:p>
+        </p:txBody>
+      </p:sp>
     </p:spTree>
     <p:extLst>
       <p:ext uri="{BB962C8B-B14F-4D97-AF65-F5344CB8AC3E}">
